--- a/scenarioFlowChart.pptx
+++ b/scenarioFlowChart.pptx
@@ -4,9 +4,22 @@
   <p:sldMasterIdLst>
     <p:sldMasterId id="2147483648" r:id="rId1"/>
   </p:sldMasterIdLst>
+  <p:notesMasterIdLst>
+    <p:notesMasterId r:id="rId14"/>
+  </p:notesMasterIdLst>
   <p:sldIdLst>
-    <p:sldId id="256" r:id="rId2"/>
-    <p:sldId id="257" r:id="rId3"/>
+    <p:sldId id="266" r:id="rId2"/>
+    <p:sldId id="268" r:id="rId3"/>
+    <p:sldId id="260" r:id="rId4"/>
+    <p:sldId id="256" r:id="rId5"/>
+    <p:sldId id="257" r:id="rId6"/>
+    <p:sldId id="259" r:id="rId7"/>
+    <p:sldId id="261" r:id="rId8"/>
+    <p:sldId id="267" r:id="rId9"/>
+    <p:sldId id="262" r:id="rId10"/>
+    <p:sldId id="263" r:id="rId11"/>
+    <p:sldId id="264" r:id="rId12"/>
+    <p:sldId id="265" r:id="rId13"/>
   </p:sldIdLst>
   <p:sldSz cx="12192000" cy="6858000"/>
   <p:notesSz cx="6858000" cy="9144000"/>
@@ -105,7 +118,445 @@
       </a:defRPr>
     </a:lvl9pPr>
   </p:defaultTextStyle>
+  <p:extLst>
+    <p:ext uri="{EFAFB233-063F-42B5-8137-9DF3F51BA10A}">
+      <p15:sldGuideLst xmlns:p15="http://schemas.microsoft.com/office/powerpoint/2012/main"/>
+    </p:ext>
+  </p:extLst>
 </p:presentation>
+</file>
+
+<file path=ppt/notesMasters/notesMaster1.xml><?xml version="1.0" encoding="utf-8"?>
+<p:notesMaster xmlns:a="http://schemas.openxmlformats.org/drawingml/2006/main" xmlns:r="http://schemas.openxmlformats.org/officeDocument/2006/relationships" xmlns:p="http://schemas.openxmlformats.org/presentationml/2006/main">
+  <p:cSld>
+    <p:bg>
+      <p:bgRef idx="1001">
+        <a:schemeClr val="bg1"/>
+      </p:bgRef>
+    </p:bg>
+    <p:spTree>
+      <p:nvGrpSpPr>
+        <p:cNvPr id="1" name=""/>
+        <p:cNvGrpSpPr/>
+        <p:nvPr/>
+      </p:nvGrpSpPr>
+      <p:grpSpPr>
+        <a:xfrm>
+          <a:off x="0" y="0"/>
+          <a:ext cx="0" cy="0"/>
+          <a:chOff x="0" y="0"/>
+          <a:chExt cx="0" cy="0"/>
+        </a:xfrm>
+      </p:grpSpPr>
+      <p:sp>
+        <p:nvSpPr>
+          <p:cNvPr id="2" name="Верхний колонтитул 1"/>
+          <p:cNvSpPr>
+            <a:spLocks noGrp="1"/>
+          </p:cNvSpPr>
+          <p:nvPr>
+            <p:ph type="hdr" sz="quarter"/>
+          </p:nvPr>
+        </p:nvSpPr>
+        <p:spPr>
+          <a:xfrm>
+            <a:off x="0" y="0"/>
+            <a:ext cx="2971800" cy="458788"/>
+          </a:xfrm>
+          <a:prstGeom prst="rect">
+            <a:avLst/>
+          </a:prstGeom>
+        </p:spPr>
+        <p:txBody>
+          <a:bodyPr vert="horz" lIns="91440" tIns="45720" rIns="91440" bIns="45720" rtlCol="0"/>
+          <a:lstStyle>
+            <a:lvl1pPr algn="l">
+              <a:defRPr sz="1200"/>
+            </a:lvl1pPr>
+          </a:lstStyle>
+          <a:p>
+            <a:endParaRPr lang="ru-RU"/>
+          </a:p>
+        </p:txBody>
+      </p:sp>
+      <p:sp>
+        <p:nvSpPr>
+          <p:cNvPr id="3" name="Дата 2"/>
+          <p:cNvSpPr>
+            <a:spLocks noGrp="1"/>
+          </p:cNvSpPr>
+          <p:nvPr>
+            <p:ph type="dt" idx="1"/>
+          </p:nvPr>
+        </p:nvSpPr>
+        <p:spPr>
+          <a:xfrm>
+            <a:off x="3884613" y="0"/>
+            <a:ext cx="2971800" cy="458788"/>
+          </a:xfrm>
+          <a:prstGeom prst="rect">
+            <a:avLst/>
+          </a:prstGeom>
+        </p:spPr>
+        <p:txBody>
+          <a:bodyPr vert="horz" lIns="91440" tIns="45720" rIns="91440" bIns="45720" rtlCol="0"/>
+          <a:lstStyle>
+            <a:lvl1pPr algn="r">
+              <a:defRPr sz="1200"/>
+            </a:lvl1pPr>
+          </a:lstStyle>
+          <a:p>
+            <a:fld id="{4AD3FD67-2FD2-4B61-8379-34B19B335B81}" type="datetimeFigureOut">
+              <a:rPr lang="ru-RU" smtClean="0"/>
+              <a:t>17.05.2024</a:t>
+            </a:fld>
+            <a:endParaRPr lang="ru-RU"/>
+          </a:p>
+        </p:txBody>
+      </p:sp>
+      <p:sp>
+        <p:nvSpPr>
+          <p:cNvPr id="4" name="Образ слайда 3"/>
+          <p:cNvSpPr>
+            <a:spLocks noGrp="1" noRot="1" noChangeAspect="1"/>
+          </p:cNvSpPr>
+          <p:nvPr>
+            <p:ph type="sldImg" idx="2"/>
+          </p:nvPr>
+        </p:nvSpPr>
+        <p:spPr>
+          <a:xfrm>
+            <a:off x="685800" y="1143000"/>
+            <a:ext cx="5486400" cy="3086100"/>
+          </a:xfrm>
+          <a:prstGeom prst="rect">
+            <a:avLst/>
+          </a:prstGeom>
+          <a:noFill/>
+          <a:ln w="12700">
+            <a:solidFill>
+              <a:prstClr val="black"/>
+            </a:solidFill>
+          </a:ln>
+        </p:spPr>
+        <p:txBody>
+          <a:bodyPr vert="horz" lIns="91440" tIns="45720" rIns="91440" bIns="45720" rtlCol="0" anchor="ctr"/>
+          <a:lstStyle/>
+          <a:p>
+            <a:endParaRPr lang="ru-RU"/>
+          </a:p>
+        </p:txBody>
+      </p:sp>
+      <p:sp>
+        <p:nvSpPr>
+          <p:cNvPr id="5" name="Заметки 4"/>
+          <p:cNvSpPr>
+            <a:spLocks noGrp="1"/>
+          </p:cNvSpPr>
+          <p:nvPr>
+            <p:ph type="body" sz="quarter" idx="3"/>
+          </p:nvPr>
+        </p:nvSpPr>
+        <p:spPr>
+          <a:xfrm>
+            <a:off x="685800" y="4400550"/>
+            <a:ext cx="5486400" cy="3600450"/>
+          </a:xfrm>
+          <a:prstGeom prst="rect">
+            <a:avLst/>
+          </a:prstGeom>
+        </p:spPr>
+        <p:txBody>
+          <a:bodyPr vert="horz" lIns="91440" tIns="45720" rIns="91440" bIns="45720" rtlCol="0"/>
+          <a:lstStyle/>
+          <a:p>
+            <a:pPr lvl="0"/>
+            <a:r>
+              <a:rPr lang="ru-RU"/>
+              <a:t>Образец текста</a:t>
+            </a:r>
+          </a:p>
+          <a:p>
+            <a:pPr lvl="1"/>
+            <a:r>
+              <a:rPr lang="ru-RU"/>
+              <a:t>Второй уровень</a:t>
+            </a:r>
+          </a:p>
+          <a:p>
+            <a:pPr lvl="2"/>
+            <a:r>
+              <a:rPr lang="ru-RU"/>
+              <a:t>Третий уровень</a:t>
+            </a:r>
+          </a:p>
+          <a:p>
+            <a:pPr lvl="3"/>
+            <a:r>
+              <a:rPr lang="ru-RU"/>
+              <a:t>Четвертый уровень</a:t>
+            </a:r>
+          </a:p>
+          <a:p>
+            <a:pPr lvl="4"/>
+            <a:r>
+              <a:rPr lang="ru-RU"/>
+              <a:t>Пятый уровень</a:t>
+            </a:r>
+          </a:p>
+        </p:txBody>
+      </p:sp>
+      <p:sp>
+        <p:nvSpPr>
+          <p:cNvPr id="6" name="Нижний колонтитул 5"/>
+          <p:cNvSpPr>
+            <a:spLocks noGrp="1"/>
+          </p:cNvSpPr>
+          <p:nvPr>
+            <p:ph type="ftr" sz="quarter" idx="4"/>
+          </p:nvPr>
+        </p:nvSpPr>
+        <p:spPr>
+          <a:xfrm>
+            <a:off x="0" y="8685213"/>
+            <a:ext cx="2971800" cy="458787"/>
+          </a:xfrm>
+          <a:prstGeom prst="rect">
+            <a:avLst/>
+          </a:prstGeom>
+        </p:spPr>
+        <p:txBody>
+          <a:bodyPr vert="horz" lIns="91440" tIns="45720" rIns="91440" bIns="45720" rtlCol="0" anchor="b"/>
+          <a:lstStyle>
+            <a:lvl1pPr algn="l">
+              <a:defRPr sz="1200"/>
+            </a:lvl1pPr>
+          </a:lstStyle>
+          <a:p>
+            <a:endParaRPr lang="ru-RU"/>
+          </a:p>
+        </p:txBody>
+      </p:sp>
+      <p:sp>
+        <p:nvSpPr>
+          <p:cNvPr id="7" name="Номер слайда 6"/>
+          <p:cNvSpPr>
+            <a:spLocks noGrp="1"/>
+          </p:cNvSpPr>
+          <p:nvPr>
+            <p:ph type="sldNum" sz="quarter" idx="5"/>
+          </p:nvPr>
+        </p:nvSpPr>
+        <p:spPr>
+          <a:xfrm>
+            <a:off x="3884613" y="8685213"/>
+            <a:ext cx="2971800" cy="458787"/>
+          </a:xfrm>
+          <a:prstGeom prst="rect">
+            <a:avLst/>
+          </a:prstGeom>
+        </p:spPr>
+        <p:txBody>
+          <a:bodyPr vert="horz" lIns="91440" tIns="45720" rIns="91440" bIns="45720" rtlCol="0" anchor="b"/>
+          <a:lstStyle>
+            <a:lvl1pPr algn="r">
+              <a:defRPr sz="1200"/>
+            </a:lvl1pPr>
+          </a:lstStyle>
+          <a:p>
+            <a:fld id="{AE0F7715-CD73-4C03-9546-E8FFEEE36EF9}" type="slidenum">
+              <a:rPr lang="ru-RU" smtClean="0"/>
+              <a:t>‹#›</a:t>
+            </a:fld>
+            <a:endParaRPr lang="ru-RU"/>
+          </a:p>
+        </p:txBody>
+      </p:sp>
+    </p:spTree>
+    <p:extLst>
+      <p:ext uri="{BB962C8B-B14F-4D97-AF65-F5344CB8AC3E}">
+        <p14:creationId xmlns:p14="http://schemas.microsoft.com/office/powerpoint/2010/main" val="2385257588"/>
+      </p:ext>
+    </p:extLst>
+  </p:cSld>
+  <p:clrMap bg1="lt1" tx1="dk1" bg2="lt2" tx2="dk2" accent1="accent1" accent2="accent2" accent3="accent3" accent4="accent4" accent5="accent5" accent6="accent6" hlink="hlink" folHlink="folHlink"/>
+  <p:notesStyle>
+    <a:lvl1pPr marL="0" algn="l" defTabSz="914400" rtl="0" eaLnBrk="1" latinLnBrk="0" hangingPunct="1">
+      <a:defRPr sz="1200" kern="1200">
+        <a:solidFill>
+          <a:schemeClr val="tx1"/>
+        </a:solidFill>
+        <a:latin typeface="+mn-lt"/>
+        <a:ea typeface="+mn-ea"/>
+        <a:cs typeface="+mn-cs"/>
+      </a:defRPr>
+    </a:lvl1pPr>
+    <a:lvl2pPr marL="457200" algn="l" defTabSz="914400" rtl="0" eaLnBrk="1" latinLnBrk="0" hangingPunct="1">
+      <a:defRPr sz="1200" kern="1200">
+        <a:solidFill>
+          <a:schemeClr val="tx1"/>
+        </a:solidFill>
+        <a:latin typeface="+mn-lt"/>
+        <a:ea typeface="+mn-ea"/>
+        <a:cs typeface="+mn-cs"/>
+      </a:defRPr>
+    </a:lvl2pPr>
+    <a:lvl3pPr marL="914400" algn="l" defTabSz="914400" rtl="0" eaLnBrk="1" latinLnBrk="0" hangingPunct="1">
+      <a:defRPr sz="1200" kern="1200">
+        <a:solidFill>
+          <a:schemeClr val="tx1"/>
+        </a:solidFill>
+        <a:latin typeface="+mn-lt"/>
+        <a:ea typeface="+mn-ea"/>
+        <a:cs typeface="+mn-cs"/>
+      </a:defRPr>
+    </a:lvl3pPr>
+    <a:lvl4pPr marL="1371600" algn="l" defTabSz="914400" rtl="0" eaLnBrk="1" latinLnBrk="0" hangingPunct="1">
+      <a:defRPr sz="1200" kern="1200">
+        <a:solidFill>
+          <a:schemeClr val="tx1"/>
+        </a:solidFill>
+        <a:latin typeface="+mn-lt"/>
+        <a:ea typeface="+mn-ea"/>
+        <a:cs typeface="+mn-cs"/>
+      </a:defRPr>
+    </a:lvl4pPr>
+    <a:lvl5pPr marL="1828800" algn="l" defTabSz="914400" rtl="0" eaLnBrk="1" latinLnBrk="0" hangingPunct="1">
+      <a:defRPr sz="1200" kern="1200">
+        <a:solidFill>
+          <a:schemeClr val="tx1"/>
+        </a:solidFill>
+        <a:latin typeface="+mn-lt"/>
+        <a:ea typeface="+mn-ea"/>
+        <a:cs typeface="+mn-cs"/>
+      </a:defRPr>
+    </a:lvl5pPr>
+    <a:lvl6pPr marL="2286000" algn="l" defTabSz="914400" rtl="0" eaLnBrk="1" latinLnBrk="0" hangingPunct="1">
+      <a:defRPr sz="1200" kern="1200">
+        <a:solidFill>
+          <a:schemeClr val="tx1"/>
+        </a:solidFill>
+        <a:latin typeface="+mn-lt"/>
+        <a:ea typeface="+mn-ea"/>
+        <a:cs typeface="+mn-cs"/>
+      </a:defRPr>
+    </a:lvl6pPr>
+    <a:lvl7pPr marL="2743200" algn="l" defTabSz="914400" rtl="0" eaLnBrk="1" latinLnBrk="0" hangingPunct="1">
+      <a:defRPr sz="1200" kern="1200">
+        <a:solidFill>
+          <a:schemeClr val="tx1"/>
+        </a:solidFill>
+        <a:latin typeface="+mn-lt"/>
+        <a:ea typeface="+mn-ea"/>
+        <a:cs typeface="+mn-cs"/>
+      </a:defRPr>
+    </a:lvl7pPr>
+    <a:lvl8pPr marL="3200400" algn="l" defTabSz="914400" rtl="0" eaLnBrk="1" latinLnBrk="0" hangingPunct="1">
+      <a:defRPr sz="1200" kern="1200">
+        <a:solidFill>
+          <a:schemeClr val="tx1"/>
+        </a:solidFill>
+        <a:latin typeface="+mn-lt"/>
+        <a:ea typeface="+mn-ea"/>
+        <a:cs typeface="+mn-cs"/>
+      </a:defRPr>
+    </a:lvl8pPr>
+    <a:lvl9pPr marL="3657600" algn="l" defTabSz="914400" rtl="0" eaLnBrk="1" latinLnBrk="0" hangingPunct="1">
+      <a:defRPr sz="1200" kern="1200">
+        <a:solidFill>
+          <a:schemeClr val="tx1"/>
+        </a:solidFill>
+        <a:latin typeface="+mn-lt"/>
+        <a:ea typeface="+mn-ea"/>
+        <a:cs typeface="+mn-cs"/>
+      </a:defRPr>
+    </a:lvl9pPr>
+  </p:notesStyle>
+</p:notesMaster>
+</file>
+
+<file path=ppt/notesSlides/notesSlide1.xml><?xml version="1.0" encoding="utf-8"?>
+<p:notes xmlns:a="http://schemas.openxmlformats.org/drawingml/2006/main" xmlns:r="http://schemas.openxmlformats.org/officeDocument/2006/relationships" xmlns:p="http://schemas.openxmlformats.org/presentationml/2006/main">
+  <p:cSld>
+    <p:spTree>
+      <p:nvGrpSpPr>
+        <p:cNvPr id="1" name=""/>
+        <p:cNvGrpSpPr/>
+        <p:nvPr/>
+      </p:nvGrpSpPr>
+      <p:grpSpPr>
+        <a:xfrm>
+          <a:off x="0" y="0"/>
+          <a:ext cx="0" cy="0"/>
+          <a:chOff x="0" y="0"/>
+          <a:chExt cx="0" cy="0"/>
+        </a:xfrm>
+      </p:grpSpPr>
+      <p:sp>
+        <p:nvSpPr>
+          <p:cNvPr id="2" name="Образ слайда 1"/>
+          <p:cNvSpPr>
+            <a:spLocks noGrp="1" noRot="1" noChangeAspect="1"/>
+          </p:cNvSpPr>
+          <p:nvPr>
+            <p:ph type="sldImg"/>
+          </p:nvPr>
+        </p:nvSpPr>
+        <p:spPr/>
+      </p:sp>
+      <p:sp>
+        <p:nvSpPr>
+          <p:cNvPr id="3" name="Заметки 2"/>
+          <p:cNvSpPr>
+            <a:spLocks noGrp="1"/>
+          </p:cNvSpPr>
+          <p:nvPr>
+            <p:ph type="body" idx="1"/>
+          </p:nvPr>
+        </p:nvSpPr>
+        <p:spPr/>
+        <p:txBody>
+          <a:bodyPr/>
+          <a:lstStyle/>
+          <a:p>
+            <a:endParaRPr lang="ru-RU" dirty="0"/>
+          </a:p>
+        </p:txBody>
+      </p:sp>
+      <p:sp>
+        <p:nvSpPr>
+          <p:cNvPr id="4" name="Номер слайда 3"/>
+          <p:cNvSpPr>
+            <a:spLocks noGrp="1"/>
+          </p:cNvSpPr>
+          <p:nvPr>
+            <p:ph type="sldNum" sz="quarter" idx="5"/>
+          </p:nvPr>
+        </p:nvSpPr>
+        <p:spPr/>
+        <p:txBody>
+          <a:bodyPr/>
+          <a:lstStyle/>
+          <a:p>
+            <a:fld id="{AE0F7715-CD73-4C03-9546-E8FFEEE36EF9}" type="slidenum">
+              <a:rPr lang="ru-RU" smtClean="0"/>
+              <a:t>5</a:t>
+            </a:fld>
+            <a:endParaRPr lang="ru-RU"/>
+          </a:p>
+        </p:txBody>
+      </p:sp>
+    </p:spTree>
+    <p:extLst>
+      <p:ext uri="{BB962C8B-B14F-4D97-AF65-F5344CB8AC3E}">
+        <p14:creationId xmlns:p14="http://schemas.microsoft.com/office/powerpoint/2010/main" val="3000783122"/>
+      </p:ext>
+    </p:extLst>
+  </p:cSld>
+  <p:clrMapOvr>
+    <a:masterClrMapping/>
+  </p:clrMapOvr>
+</p:notes>
 </file>
 
 <file path=ppt/slideLayouts/slideLayout1.xml><?xml version="1.0" encoding="utf-8"?>
@@ -255,7 +706,7 @@
           <a:p>
             <a:fld id="{927C4687-531B-4AFD-8016-CE9FDC4CCC89}" type="datetimeFigureOut">
               <a:rPr lang="ru-RU" smtClean="0"/>
-              <a:t>16.05.2024</a:t>
+              <a:t>17.05.2024</a:t>
             </a:fld>
             <a:endParaRPr lang="ru-RU"/>
           </a:p>
@@ -453,7 +904,7 @@
           <a:p>
             <a:fld id="{927C4687-531B-4AFD-8016-CE9FDC4CCC89}" type="datetimeFigureOut">
               <a:rPr lang="ru-RU" smtClean="0"/>
-              <a:t>16.05.2024</a:t>
+              <a:t>17.05.2024</a:t>
             </a:fld>
             <a:endParaRPr lang="ru-RU"/>
           </a:p>
@@ -661,7 +1112,7 @@
           <a:p>
             <a:fld id="{927C4687-531B-4AFD-8016-CE9FDC4CCC89}" type="datetimeFigureOut">
               <a:rPr lang="ru-RU" smtClean="0"/>
-              <a:t>16.05.2024</a:t>
+              <a:t>17.05.2024</a:t>
             </a:fld>
             <a:endParaRPr lang="ru-RU"/>
           </a:p>
@@ -859,7 +1310,7 @@
           <a:p>
             <a:fld id="{927C4687-531B-4AFD-8016-CE9FDC4CCC89}" type="datetimeFigureOut">
               <a:rPr lang="ru-RU" smtClean="0"/>
-              <a:t>16.05.2024</a:t>
+              <a:t>17.05.2024</a:t>
             </a:fld>
             <a:endParaRPr lang="ru-RU"/>
           </a:p>
@@ -1134,7 +1585,7 @@
           <a:p>
             <a:fld id="{927C4687-531B-4AFD-8016-CE9FDC4CCC89}" type="datetimeFigureOut">
               <a:rPr lang="ru-RU" smtClean="0"/>
-              <a:t>16.05.2024</a:t>
+              <a:t>17.05.2024</a:t>
             </a:fld>
             <a:endParaRPr lang="ru-RU"/>
           </a:p>
@@ -1399,7 +1850,7 @@
           <a:p>
             <a:fld id="{927C4687-531B-4AFD-8016-CE9FDC4CCC89}" type="datetimeFigureOut">
               <a:rPr lang="ru-RU" smtClean="0"/>
-              <a:t>16.05.2024</a:t>
+              <a:t>17.05.2024</a:t>
             </a:fld>
             <a:endParaRPr lang="ru-RU"/>
           </a:p>
@@ -1811,7 +2262,7 @@
           <a:p>
             <a:fld id="{927C4687-531B-4AFD-8016-CE9FDC4CCC89}" type="datetimeFigureOut">
               <a:rPr lang="ru-RU" smtClean="0"/>
-              <a:t>16.05.2024</a:t>
+              <a:t>17.05.2024</a:t>
             </a:fld>
             <a:endParaRPr lang="ru-RU"/>
           </a:p>
@@ -1952,7 +2403,7 @@
           <a:p>
             <a:fld id="{927C4687-531B-4AFD-8016-CE9FDC4CCC89}" type="datetimeFigureOut">
               <a:rPr lang="ru-RU" smtClean="0"/>
-              <a:t>16.05.2024</a:t>
+              <a:t>17.05.2024</a:t>
             </a:fld>
             <a:endParaRPr lang="ru-RU"/>
           </a:p>
@@ -2065,7 +2516,7 @@
           <a:p>
             <a:fld id="{927C4687-531B-4AFD-8016-CE9FDC4CCC89}" type="datetimeFigureOut">
               <a:rPr lang="ru-RU" smtClean="0"/>
-              <a:t>16.05.2024</a:t>
+              <a:t>17.05.2024</a:t>
             </a:fld>
             <a:endParaRPr lang="ru-RU"/>
           </a:p>
@@ -2376,7 +2827,7 @@
           <a:p>
             <a:fld id="{927C4687-531B-4AFD-8016-CE9FDC4CCC89}" type="datetimeFigureOut">
               <a:rPr lang="ru-RU" smtClean="0"/>
-              <a:t>16.05.2024</a:t>
+              <a:t>17.05.2024</a:t>
             </a:fld>
             <a:endParaRPr lang="ru-RU"/>
           </a:p>
@@ -2664,7 +3115,7 @@
           <a:p>
             <a:fld id="{927C4687-531B-4AFD-8016-CE9FDC4CCC89}" type="datetimeFigureOut">
               <a:rPr lang="ru-RU" smtClean="0"/>
-              <a:t>16.05.2024</a:t>
+              <a:t>17.05.2024</a:t>
             </a:fld>
             <a:endParaRPr lang="ru-RU"/>
           </a:p>
@@ -2905,7 +3356,7 @@
           <a:p>
             <a:fld id="{927C4687-531B-4AFD-8016-CE9FDC4CCC89}" type="datetimeFigureOut">
               <a:rPr lang="ru-RU" smtClean="0"/>
-              <a:t>16.05.2024</a:t>
+              <a:t>17.05.2024</a:t>
             </a:fld>
             <a:endParaRPr lang="ru-RU"/>
           </a:p>
@@ -3322,6 +3773,4172 @@
           <a:chExt cx="0" cy="0"/>
         </a:xfrm>
       </p:grpSpPr>
+      <p:graphicFrame>
+        <p:nvGraphicFramePr>
+          <p:cNvPr id="4" name="Таблица 3">
+            <a:extLst>
+              <a:ext uri="{FF2B5EF4-FFF2-40B4-BE49-F238E27FC236}">
+                <a16:creationId xmlns:a16="http://schemas.microsoft.com/office/drawing/2014/main" id="{34A1D1E8-331A-42AF-3E4D-5BA164DDF079}"/>
+              </a:ext>
+            </a:extLst>
+          </p:cNvPr>
+          <p:cNvGraphicFramePr>
+            <a:graphicFrameLocks noGrp="1"/>
+          </p:cNvGraphicFramePr>
+          <p:nvPr>
+            <p:extLst>
+              <p:ext uri="{D42A27DB-BD31-4B8C-83A1-F6EECF244321}">
+                <p14:modId xmlns:p14="http://schemas.microsoft.com/office/powerpoint/2010/main" val="1136813689"/>
+              </p:ext>
+            </p:extLst>
+          </p:nvPr>
+        </p:nvGraphicFramePr>
+        <p:xfrm>
+          <a:off x="164388" y="74806"/>
+          <a:ext cx="2609634" cy="2595880"/>
+        </p:xfrm>
+        <a:graphic>
+          <a:graphicData uri="http://schemas.openxmlformats.org/drawingml/2006/table">
+            <a:tbl>
+              <a:tblPr firstRow="1" bandRow="1">
+                <a:tableStyleId>{5C22544A-7EE6-4342-B048-85BDC9FD1C3A}</a:tableStyleId>
+              </a:tblPr>
+              <a:tblGrid>
+                <a:gridCol w="1181526">
+                  <a:extLst>
+                    <a:ext uri="{9D8B030D-6E8A-4147-A177-3AD203B41FA5}">
+                      <a16:colId xmlns:a16="http://schemas.microsoft.com/office/drawing/2014/main" val="1043714363"/>
+                    </a:ext>
+                  </a:extLst>
+                </a:gridCol>
+                <a:gridCol w="1428108">
+                  <a:extLst>
+                    <a:ext uri="{9D8B030D-6E8A-4147-A177-3AD203B41FA5}">
+                      <a16:colId xmlns:a16="http://schemas.microsoft.com/office/drawing/2014/main" val="2329208947"/>
+                    </a:ext>
+                  </a:extLst>
+                </a:gridCol>
+              </a:tblGrid>
+              <a:tr h="370840">
+                <a:tc gridSpan="2">
+                  <a:txBody>
+                    <a:bodyPr/>
+                    <a:lstStyle/>
+                    <a:p>
+                      <a:r>
+                        <a:rPr lang="en-US" dirty="0"/>
+                        <a:t>Visitor</a:t>
+                      </a:r>
+                      <a:endParaRPr lang="ru-RU" dirty="0"/>
+                    </a:p>
+                  </a:txBody>
+                  <a:tcPr/>
+                </a:tc>
+                <a:tc hMerge="1">
+                  <a:txBody>
+                    <a:bodyPr/>
+                    <a:lstStyle/>
+                    <a:p>
+                      <a:endParaRPr lang="ru-RU" dirty="0"/>
+                    </a:p>
+                  </a:txBody>
+                  <a:tcPr/>
+                </a:tc>
+                <a:extLst>
+                  <a:ext uri="{0D108BD9-81ED-4DB2-BD59-A6C34878D82A}">
+                    <a16:rowId xmlns:a16="http://schemas.microsoft.com/office/drawing/2014/main" val="1754058185"/>
+                  </a:ext>
+                </a:extLst>
+              </a:tr>
+              <a:tr h="370840">
+                <a:tc>
+                  <a:txBody>
+                    <a:bodyPr/>
+                    <a:lstStyle/>
+                    <a:p>
+                      <a:r>
+                        <a:rPr lang="en-US" dirty="0"/>
+                        <a:t>int</a:t>
+                      </a:r>
+                      <a:endParaRPr lang="ru-RU" dirty="0"/>
+                    </a:p>
+                  </a:txBody>
+                  <a:tcPr/>
+                </a:tc>
+                <a:tc>
+                  <a:txBody>
+                    <a:bodyPr/>
+                    <a:lstStyle/>
+                    <a:p>
+                      <a:r>
+                        <a:rPr lang="en-US" dirty="0"/>
+                        <a:t>id</a:t>
+                      </a:r>
+                      <a:endParaRPr lang="ru-RU" dirty="0"/>
+                    </a:p>
+                  </a:txBody>
+                  <a:tcPr/>
+                </a:tc>
+                <a:extLst>
+                  <a:ext uri="{0D108BD9-81ED-4DB2-BD59-A6C34878D82A}">
+                    <a16:rowId xmlns:a16="http://schemas.microsoft.com/office/drawing/2014/main" val="4189392704"/>
+                  </a:ext>
+                </a:extLst>
+              </a:tr>
+              <a:tr h="370840">
+                <a:tc>
+                  <a:txBody>
+                    <a:bodyPr/>
+                    <a:lstStyle/>
+                    <a:p>
+                      <a:r>
+                        <a:rPr lang="en-US" dirty="0"/>
+                        <a:t>String</a:t>
+                      </a:r>
+                      <a:endParaRPr lang="ru-RU" dirty="0"/>
+                    </a:p>
+                  </a:txBody>
+                  <a:tcPr/>
+                </a:tc>
+                <a:tc>
+                  <a:txBody>
+                    <a:bodyPr/>
+                    <a:lstStyle/>
+                    <a:p>
+                      <a:r>
+                        <a:rPr lang="en-US" dirty="0"/>
+                        <a:t>name</a:t>
+                      </a:r>
+                      <a:endParaRPr lang="ru-RU" dirty="0"/>
+                    </a:p>
+                  </a:txBody>
+                  <a:tcPr/>
+                </a:tc>
+                <a:extLst>
+                  <a:ext uri="{0D108BD9-81ED-4DB2-BD59-A6C34878D82A}">
+                    <a16:rowId xmlns:a16="http://schemas.microsoft.com/office/drawing/2014/main" val="2119815251"/>
+                  </a:ext>
+                </a:extLst>
+              </a:tr>
+              <a:tr h="370840">
+                <a:tc>
+                  <a:txBody>
+                    <a:bodyPr/>
+                    <a:lstStyle/>
+                    <a:p>
+                      <a:r>
+                        <a:rPr lang="en-US" dirty="0"/>
+                        <a:t>String</a:t>
+                      </a:r>
+                      <a:endParaRPr lang="ru-RU" dirty="0"/>
+                    </a:p>
+                  </a:txBody>
+                  <a:tcPr/>
+                </a:tc>
+                <a:tc>
+                  <a:txBody>
+                    <a:bodyPr/>
+                    <a:lstStyle/>
+                    <a:p>
+                      <a:r>
+                        <a:rPr lang="en-US" dirty="0"/>
+                        <a:t>surname</a:t>
+                      </a:r>
+                      <a:endParaRPr lang="ru-RU" dirty="0"/>
+                    </a:p>
+                  </a:txBody>
+                  <a:tcPr/>
+                </a:tc>
+                <a:extLst>
+                  <a:ext uri="{0D108BD9-81ED-4DB2-BD59-A6C34878D82A}">
+                    <a16:rowId xmlns:a16="http://schemas.microsoft.com/office/drawing/2014/main" val="4025313557"/>
+                  </a:ext>
+                </a:extLst>
+              </a:tr>
+              <a:tr h="370840">
+                <a:tc>
+                  <a:txBody>
+                    <a:bodyPr/>
+                    <a:lstStyle/>
+                    <a:p>
+                      <a:r>
+                        <a:rPr lang="en-US" dirty="0"/>
+                        <a:t>String</a:t>
+                      </a:r>
+                      <a:endParaRPr lang="ru-RU" dirty="0"/>
+                    </a:p>
+                  </a:txBody>
+                  <a:tcPr/>
+                </a:tc>
+                <a:tc>
+                  <a:txBody>
+                    <a:bodyPr/>
+                    <a:lstStyle/>
+                    <a:p>
+                      <a:r>
+                        <a:rPr lang="en-US" dirty="0" err="1"/>
+                        <a:t>fathersname</a:t>
+                      </a:r>
+                      <a:endParaRPr lang="ru-RU" dirty="0"/>
+                    </a:p>
+                  </a:txBody>
+                  <a:tcPr/>
+                </a:tc>
+                <a:extLst>
+                  <a:ext uri="{0D108BD9-81ED-4DB2-BD59-A6C34878D82A}">
+                    <a16:rowId xmlns:a16="http://schemas.microsoft.com/office/drawing/2014/main" val="733740613"/>
+                  </a:ext>
+                </a:extLst>
+              </a:tr>
+              <a:tr h="370840">
+                <a:tc>
+                  <a:txBody>
+                    <a:bodyPr/>
+                    <a:lstStyle/>
+                    <a:p>
+                      <a:r>
+                        <a:rPr lang="en-US" dirty="0" err="1"/>
+                        <a:t>DateTime</a:t>
+                      </a:r>
+                      <a:endParaRPr lang="ru-RU" dirty="0"/>
+                    </a:p>
+                  </a:txBody>
+                  <a:tcPr/>
+                </a:tc>
+                <a:tc>
+                  <a:txBody>
+                    <a:bodyPr/>
+                    <a:lstStyle/>
+                    <a:p>
+                      <a:r>
+                        <a:rPr lang="en-US" dirty="0" err="1"/>
+                        <a:t>birthDate</a:t>
+                      </a:r>
+                      <a:endParaRPr lang="ru-RU" dirty="0"/>
+                    </a:p>
+                  </a:txBody>
+                  <a:tcPr/>
+                </a:tc>
+                <a:extLst>
+                  <a:ext uri="{0D108BD9-81ED-4DB2-BD59-A6C34878D82A}">
+                    <a16:rowId xmlns:a16="http://schemas.microsoft.com/office/drawing/2014/main" val="1600899874"/>
+                  </a:ext>
+                </a:extLst>
+              </a:tr>
+              <a:tr h="370840">
+                <a:tc>
+                  <a:txBody>
+                    <a:bodyPr/>
+                    <a:lstStyle/>
+                    <a:p>
+                      <a:r>
+                        <a:rPr lang="en-US" dirty="0"/>
+                        <a:t>int</a:t>
+                      </a:r>
+                      <a:endParaRPr lang="ru-RU" dirty="0"/>
+                    </a:p>
+                  </a:txBody>
+                  <a:tcPr/>
+                </a:tc>
+                <a:tc>
+                  <a:txBody>
+                    <a:bodyPr/>
+                    <a:lstStyle/>
+                    <a:p>
+                      <a:r>
+                        <a:rPr lang="en-US" dirty="0"/>
+                        <a:t>age</a:t>
+                      </a:r>
+                      <a:endParaRPr lang="ru-RU" dirty="0"/>
+                    </a:p>
+                  </a:txBody>
+                  <a:tcPr/>
+                </a:tc>
+                <a:extLst>
+                  <a:ext uri="{0D108BD9-81ED-4DB2-BD59-A6C34878D82A}">
+                    <a16:rowId xmlns:a16="http://schemas.microsoft.com/office/drawing/2014/main" val="769135820"/>
+                  </a:ext>
+                </a:extLst>
+              </a:tr>
+            </a:tbl>
+          </a:graphicData>
+        </a:graphic>
+      </p:graphicFrame>
+      <p:graphicFrame>
+        <p:nvGraphicFramePr>
+          <p:cNvPr id="5" name="Таблица 4">
+            <a:extLst>
+              <a:ext uri="{FF2B5EF4-FFF2-40B4-BE49-F238E27FC236}">
+                <a16:creationId xmlns:a16="http://schemas.microsoft.com/office/drawing/2014/main" id="{E74E778D-DC66-7268-FFD2-B2E5B1301DFC}"/>
+              </a:ext>
+            </a:extLst>
+          </p:cNvPr>
+          <p:cNvGraphicFramePr>
+            <a:graphicFrameLocks noGrp="1"/>
+          </p:cNvGraphicFramePr>
+          <p:nvPr>
+            <p:extLst>
+              <p:ext uri="{D42A27DB-BD31-4B8C-83A1-F6EECF244321}">
+                <p14:modId xmlns:p14="http://schemas.microsoft.com/office/powerpoint/2010/main" val="1711313590"/>
+              </p:ext>
+            </p:extLst>
+          </p:nvPr>
+        </p:nvGraphicFramePr>
+        <p:xfrm>
+          <a:off x="164388" y="2915385"/>
+          <a:ext cx="2609634" cy="2225040"/>
+        </p:xfrm>
+        <a:graphic>
+          <a:graphicData uri="http://schemas.openxmlformats.org/drawingml/2006/table">
+            <a:tbl>
+              <a:tblPr firstRow="1" bandRow="1">
+                <a:tableStyleId>{5C22544A-7EE6-4342-B048-85BDC9FD1C3A}</a:tableStyleId>
+              </a:tblPr>
+              <a:tblGrid>
+                <a:gridCol w="1181526">
+                  <a:extLst>
+                    <a:ext uri="{9D8B030D-6E8A-4147-A177-3AD203B41FA5}">
+                      <a16:colId xmlns:a16="http://schemas.microsoft.com/office/drawing/2014/main" val="1043714363"/>
+                    </a:ext>
+                  </a:extLst>
+                </a:gridCol>
+                <a:gridCol w="1428108">
+                  <a:extLst>
+                    <a:ext uri="{9D8B030D-6E8A-4147-A177-3AD203B41FA5}">
+                      <a16:colId xmlns:a16="http://schemas.microsoft.com/office/drawing/2014/main" val="2329208947"/>
+                    </a:ext>
+                  </a:extLst>
+                </a:gridCol>
+              </a:tblGrid>
+              <a:tr h="370840">
+                <a:tc gridSpan="2">
+                  <a:txBody>
+                    <a:bodyPr/>
+                    <a:lstStyle/>
+                    <a:p>
+                      <a:r>
+                        <a:rPr lang="en-US" dirty="0"/>
+                        <a:t>Doctor</a:t>
+                      </a:r>
+                      <a:endParaRPr lang="ru-RU" dirty="0"/>
+                    </a:p>
+                  </a:txBody>
+                  <a:tcPr/>
+                </a:tc>
+                <a:tc hMerge="1">
+                  <a:txBody>
+                    <a:bodyPr/>
+                    <a:lstStyle/>
+                    <a:p>
+                      <a:endParaRPr lang="ru-RU" dirty="0"/>
+                    </a:p>
+                  </a:txBody>
+                  <a:tcPr/>
+                </a:tc>
+                <a:extLst>
+                  <a:ext uri="{0D108BD9-81ED-4DB2-BD59-A6C34878D82A}">
+                    <a16:rowId xmlns:a16="http://schemas.microsoft.com/office/drawing/2014/main" val="1754058185"/>
+                  </a:ext>
+                </a:extLst>
+              </a:tr>
+              <a:tr h="370840">
+                <a:tc>
+                  <a:txBody>
+                    <a:bodyPr/>
+                    <a:lstStyle/>
+                    <a:p>
+                      <a:r>
+                        <a:rPr lang="en-US" dirty="0"/>
+                        <a:t>int</a:t>
+                      </a:r>
+                      <a:endParaRPr lang="ru-RU" dirty="0"/>
+                    </a:p>
+                  </a:txBody>
+                  <a:tcPr/>
+                </a:tc>
+                <a:tc>
+                  <a:txBody>
+                    <a:bodyPr/>
+                    <a:lstStyle/>
+                    <a:p>
+                      <a:r>
+                        <a:rPr lang="en-US" dirty="0"/>
+                        <a:t>id</a:t>
+                      </a:r>
+                      <a:endParaRPr lang="ru-RU" dirty="0"/>
+                    </a:p>
+                  </a:txBody>
+                  <a:tcPr/>
+                </a:tc>
+                <a:extLst>
+                  <a:ext uri="{0D108BD9-81ED-4DB2-BD59-A6C34878D82A}">
+                    <a16:rowId xmlns:a16="http://schemas.microsoft.com/office/drawing/2014/main" val="4189392704"/>
+                  </a:ext>
+                </a:extLst>
+              </a:tr>
+              <a:tr h="370840">
+                <a:tc>
+                  <a:txBody>
+                    <a:bodyPr/>
+                    <a:lstStyle/>
+                    <a:p>
+                      <a:r>
+                        <a:rPr lang="en-US" dirty="0"/>
+                        <a:t>String</a:t>
+                      </a:r>
+                      <a:endParaRPr lang="ru-RU" dirty="0"/>
+                    </a:p>
+                  </a:txBody>
+                  <a:tcPr/>
+                </a:tc>
+                <a:tc>
+                  <a:txBody>
+                    <a:bodyPr/>
+                    <a:lstStyle/>
+                    <a:p>
+                      <a:r>
+                        <a:rPr lang="en-US" dirty="0"/>
+                        <a:t>name</a:t>
+                      </a:r>
+                      <a:endParaRPr lang="ru-RU" dirty="0"/>
+                    </a:p>
+                  </a:txBody>
+                  <a:tcPr/>
+                </a:tc>
+                <a:extLst>
+                  <a:ext uri="{0D108BD9-81ED-4DB2-BD59-A6C34878D82A}">
+                    <a16:rowId xmlns:a16="http://schemas.microsoft.com/office/drawing/2014/main" val="2119815251"/>
+                  </a:ext>
+                </a:extLst>
+              </a:tr>
+              <a:tr h="370840">
+                <a:tc>
+                  <a:txBody>
+                    <a:bodyPr/>
+                    <a:lstStyle/>
+                    <a:p>
+                      <a:r>
+                        <a:rPr lang="en-US" dirty="0"/>
+                        <a:t>String</a:t>
+                      </a:r>
+                      <a:endParaRPr lang="ru-RU" dirty="0"/>
+                    </a:p>
+                  </a:txBody>
+                  <a:tcPr/>
+                </a:tc>
+                <a:tc>
+                  <a:txBody>
+                    <a:bodyPr/>
+                    <a:lstStyle/>
+                    <a:p>
+                      <a:r>
+                        <a:rPr lang="en-US" dirty="0"/>
+                        <a:t>surname</a:t>
+                      </a:r>
+                      <a:endParaRPr lang="ru-RU" dirty="0"/>
+                    </a:p>
+                  </a:txBody>
+                  <a:tcPr/>
+                </a:tc>
+                <a:extLst>
+                  <a:ext uri="{0D108BD9-81ED-4DB2-BD59-A6C34878D82A}">
+                    <a16:rowId xmlns:a16="http://schemas.microsoft.com/office/drawing/2014/main" val="4025313557"/>
+                  </a:ext>
+                </a:extLst>
+              </a:tr>
+              <a:tr h="370840">
+                <a:tc>
+                  <a:txBody>
+                    <a:bodyPr/>
+                    <a:lstStyle/>
+                    <a:p>
+                      <a:r>
+                        <a:rPr lang="en-US" dirty="0"/>
+                        <a:t>String</a:t>
+                      </a:r>
+                      <a:endParaRPr lang="ru-RU" dirty="0"/>
+                    </a:p>
+                  </a:txBody>
+                  <a:tcPr/>
+                </a:tc>
+                <a:tc>
+                  <a:txBody>
+                    <a:bodyPr/>
+                    <a:lstStyle/>
+                    <a:p>
+                      <a:r>
+                        <a:rPr lang="en-US" dirty="0" err="1"/>
+                        <a:t>fathersname</a:t>
+                      </a:r>
+                      <a:endParaRPr lang="ru-RU" dirty="0"/>
+                    </a:p>
+                  </a:txBody>
+                  <a:tcPr/>
+                </a:tc>
+                <a:extLst>
+                  <a:ext uri="{0D108BD9-81ED-4DB2-BD59-A6C34878D82A}">
+                    <a16:rowId xmlns:a16="http://schemas.microsoft.com/office/drawing/2014/main" val="733740613"/>
+                  </a:ext>
+                </a:extLst>
+              </a:tr>
+              <a:tr h="370840">
+                <a:tc>
+                  <a:txBody>
+                    <a:bodyPr/>
+                    <a:lstStyle/>
+                    <a:p>
+                      <a:r>
+                        <a:rPr lang="en-US" dirty="0"/>
+                        <a:t>String</a:t>
+                      </a:r>
+                      <a:endParaRPr lang="ru-RU" dirty="0"/>
+                    </a:p>
+                  </a:txBody>
+                  <a:tcPr/>
+                </a:tc>
+                <a:tc>
+                  <a:txBody>
+                    <a:bodyPr/>
+                    <a:lstStyle/>
+                    <a:p>
+                      <a:r>
+                        <a:rPr lang="en-US" dirty="0"/>
+                        <a:t>field</a:t>
+                      </a:r>
+                      <a:endParaRPr lang="ru-RU" dirty="0"/>
+                    </a:p>
+                  </a:txBody>
+                  <a:tcPr/>
+                </a:tc>
+                <a:extLst>
+                  <a:ext uri="{0D108BD9-81ED-4DB2-BD59-A6C34878D82A}">
+                    <a16:rowId xmlns:a16="http://schemas.microsoft.com/office/drawing/2014/main" val="1600899874"/>
+                  </a:ext>
+                </a:extLst>
+              </a:tr>
+            </a:tbl>
+          </a:graphicData>
+        </a:graphic>
+      </p:graphicFrame>
+      <p:graphicFrame>
+        <p:nvGraphicFramePr>
+          <p:cNvPr id="6" name="Таблица 5">
+            <a:extLst>
+              <a:ext uri="{FF2B5EF4-FFF2-40B4-BE49-F238E27FC236}">
+                <a16:creationId xmlns:a16="http://schemas.microsoft.com/office/drawing/2014/main" id="{A5F3F485-C124-2627-CD26-E9D7A784481F}"/>
+              </a:ext>
+            </a:extLst>
+          </p:cNvPr>
+          <p:cNvGraphicFramePr>
+            <a:graphicFrameLocks noGrp="1"/>
+          </p:cNvGraphicFramePr>
+          <p:nvPr>
+            <p:extLst>
+              <p:ext uri="{D42A27DB-BD31-4B8C-83A1-F6EECF244321}">
+                <p14:modId xmlns:p14="http://schemas.microsoft.com/office/powerpoint/2010/main" val="427723806"/>
+              </p:ext>
+            </p:extLst>
+          </p:nvPr>
+        </p:nvGraphicFramePr>
+        <p:xfrm>
+          <a:off x="8693650" y="216232"/>
+          <a:ext cx="2609634" cy="2966720"/>
+        </p:xfrm>
+        <a:graphic>
+          <a:graphicData uri="http://schemas.openxmlformats.org/drawingml/2006/table">
+            <a:tbl>
+              <a:tblPr firstRow="1" bandRow="1">
+                <a:tableStyleId>{5C22544A-7EE6-4342-B048-85BDC9FD1C3A}</a:tableStyleId>
+              </a:tblPr>
+              <a:tblGrid>
+                <a:gridCol w="1181526">
+                  <a:extLst>
+                    <a:ext uri="{9D8B030D-6E8A-4147-A177-3AD203B41FA5}">
+                      <a16:colId xmlns:a16="http://schemas.microsoft.com/office/drawing/2014/main" val="1043714363"/>
+                    </a:ext>
+                  </a:extLst>
+                </a:gridCol>
+                <a:gridCol w="1428108">
+                  <a:extLst>
+                    <a:ext uri="{9D8B030D-6E8A-4147-A177-3AD203B41FA5}">
+                      <a16:colId xmlns:a16="http://schemas.microsoft.com/office/drawing/2014/main" val="2329208947"/>
+                    </a:ext>
+                  </a:extLst>
+                </a:gridCol>
+              </a:tblGrid>
+              <a:tr h="370840">
+                <a:tc gridSpan="2">
+                  <a:txBody>
+                    <a:bodyPr/>
+                    <a:lstStyle/>
+                    <a:p>
+                      <a:r>
+                        <a:rPr lang="en-US" b="1" dirty="0"/>
+                        <a:t>Volunteer</a:t>
+                      </a:r>
+                      <a:endParaRPr lang="ru-RU" b="1" dirty="0"/>
+                    </a:p>
+                  </a:txBody>
+                  <a:tcPr/>
+                </a:tc>
+                <a:tc hMerge="1">
+                  <a:txBody>
+                    <a:bodyPr/>
+                    <a:lstStyle/>
+                    <a:p>
+                      <a:endParaRPr lang="ru-RU" dirty="0"/>
+                    </a:p>
+                  </a:txBody>
+                  <a:tcPr/>
+                </a:tc>
+                <a:extLst>
+                  <a:ext uri="{0D108BD9-81ED-4DB2-BD59-A6C34878D82A}">
+                    <a16:rowId xmlns:a16="http://schemas.microsoft.com/office/drawing/2014/main" val="1754058185"/>
+                  </a:ext>
+                </a:extLst>
+              </a:tr>
+              <a:tr h="370840">
+                <a:tc>
+                  <a:txBody>
+                    <a:bodyPr/>
+                    <a:lstStyle/>
+                    <a:p>
+                      <a:r>
+                        <a:rPr lang="en-US" b="1" dirty="0"/>
+                        <a:t>int</a:t>
+                      </a:r>
+                      <a:endParaRPr lang="ru-RU" b="1" dirty="0"/>
+                    </a:p>
+                  </a:txBody>
+                  <a:tcPr/>
+                </a:tc>
+                <a:tc>
+                  <a:txBody>
+                    <a:bodyPr/>
+                    <a:lstStyle/>
+                    <a:p>
+                      <a:r>
+                        <a:rPr lang="en-US" b="1" dirty="0"/>
+                        <a:t>id</a:t>
+                      </a:r>
+                      <a:endParaRPr lang="ru-RU" b="1" dirty="0"/>
+                    </a:p>
+                  </a:txBody>
+                  <a:tcPr/>
+                </a:tc>
+                <a:extLst>
+                  <a:ext uri="{0D108BD9-81ED-4DB2-BD59-A6C34878D82A}">
+                    <a16:rowId xmlns:a16="http://schemas.microsoft.com/office/drawing/2014/main" val="4189392704"/>
+                  </a:ext>
+                </a:extLst>
+              </a:tr>
+              <a:tr h="370840">
+                <a:tc>
+                  <a:txBody>
+                    <a:bodyPr/>
+                    <a:lstStyle/>
+                    <a:p>
+                      <a:r>
+                        <a:rPr lang="en-US" b="1" dirty="0"/>
+                        <a:t>String</a:t>
+                      </a:r>
+                      <a:endParaRPr lang="ru-RU" b="1" dirty="0"/>
+                    </a:p>
+                  </a:txBody>
+                  <a:tcPr/>
+                </a:tc>
+                <a:tc>
+                  <a:txBody>
+                    <a:bodyPr/>
+                    <a:lstStyle/>
+                    <a:p>
+                      <a:r>
+                        <a:rPr lang="en-US" b="1" dirty="0"/>
+                        <a:t>name</a:t>
+                      </a:r>
+                      <a:endParaRPr lang="ru-RU" b="1" dirty="0"/>
+                    </a:p>
+                  </a:txBody>
+                  <a:tcPr/>
+                </a:tc>
+                <a:extLst>
+                  <a:ext uri="{0D108BD9-81ED-4DB2-BD59-A6C34878D82A}">
+                    <a16:rowId xmlns:a16="http://schemas.microsoft.com/office/drawing/2014/main" val="2119815251"/>
+                  </a:ext>
+                </a:extLst>
+              </a:tr>
+              <a:tr h="370840">
+                <a:tc>
+                  <a:txBody>
+                    <a:bodyPr/>
+                    <a:lstStyle/>
+                    <a:p>
+                      <a:r>
+                        <a:rPr lang="en-US" b="1" dirty="0"/>
+                        <a:t>String</a:t>
+                      </a:r>
+                      <a:endParaRPr lang="ru-RU" b="1" dirty="0"/>
+                    </a:p>
+                  </a:txBody>
+                  <a:tcPr/>
+                </a:tc>
+                <a:tc>
+                  <a:txBody>
+                    <a:bodyPr/>
+                    <a:lstStyle/>
+                    <a:p>
+                      <a:r>
+                        <a:rPr lang="en-US" b="1" dirty="0"/>
+                        <a:t>surname</a:t>
+                      </a:r>
+                      <a:endParaRPr lang="ru-RU" b="1" dirty="0"/>
+                    </a:p>
+                  </a:txBody>
+                  <a:tcPr/>
+                </a:tc>
+                <a:extLst>
+                  <a:ext uri="{0D108BD9-81ED-4DB2-BD59-A6C34878D82A}">
+                    <a16:rowId xmlns:a16="http://schemas.microsoft.com/office/drawing/2014/main" val="4025313557"/>
+                  </a:ext>
+                </a:extLst>
+              </a:tr>
+              <a:tr h="370840">
+                <a:tc>
+                  <a:txBody>
+                    <a:bodyPr/>
+                    <a:lstStyle/>
+                    <a:p>
+                      <a:r>
+                        <a:rPr lang="en-US" b="1" dirty="0"/>
+                        <a:t>String</a:t>
+                      </a:r>
+                      <a:endParaRPr lang="ru-RU" b="1" dirty="0"/>
+                    </a:p>
+                  </a:txBody>
+                  <a:tcPr/>
+                </a:tc>
+                <a:tc>
+                  <a:txBody>
+                    <a:bodyPr/>
+                    <a:lstStyle/>
+                    <a:p>
+                      <a:r>
+                        <a:rPr lang="en-US" b="1" dirty="0"/>
+                        <a:t>role</a:t>
+                      </a:r>
+                      <a:endParaRPr lang="ru-RU" b="1" dirty="0"/>
+                    </a:p>
+                  </a:txBody>
+                  <a:tcPr/>
+                </a:tc>
+                <a:extLst>
+                  <a:ext uri="{0D108BD9-81ED-4DB2-BD59-A6C34878D82A}">
+                    <a16:rowId xmlns:a16="http://schemas.microsoft.com/office/drawing/2014/main" val="733740613"/>
+                  </a:ext>
+                </a:extLst>
+              </a:tr>
+              <a:tr h="370840">
+                <a:tc>
+                  <a:txBody>
+                    <a:bodyPr/>
+                    <a:lstStyle/>
+                    <a:p>
+                      <a:r>
+                        <a:rPr lang="en-US" b="1" dirty="0"/>
+                        <a:t>String</a:t>
+                      </a:r>
+                      <a:endParaRPr lang="ru-RU" b="1" dirty="0"/>
+                    </a:p>
+                  </a:txBody>
+                  <a:tcPr/>
+                </a:tc>
+                <a:tc>
+                  <a:txBody>
+                    <a:bodyPr/>
+                    <a:lstStyle/>
+                    <a:p>
+                      <a:r>
+                        <a:rPr lang="en-US" b="1" dirty="0"/>
+                        <a:t>login</a:t>
+                      </a:r>
+                      <a:endParaRPr lang="ru-RU" b="1" dirty="0"/>
+                    </a:p>
+                  </a:txBody>
+                  <a:tcPr/>
+                </a:tc>
+                <a:extLst>
+                  <a:ext uri="{0D108BD9-81ED-4DB2-BD59-A6C34878D82A}">
+                    <a16:rowId xmlns:a16="http://schemas.microsoft.com/office/drawing/2014/main" val="1600899874"/>
+                  </a:ext>
+                </a:extLst>
+              </a:tr>
+              <a:tr h="370840">
+                <a:tc>
+                  <a:txBody>
+                    <a:bodyPr/>
+                    <a:lstStyle/>
+                    <a:p>
+                      <a:r>
+                        <a:rPr lang="en-US" b="1" dirty="0"/>
+                        <a:t>String</a:t>
+                      </a:r>
+                      <a:endParaRPr lang="ru-RU" b="1" dirty="0"/>
+                    </a:p>
+                  </a:txBody>
+                  <a:tcPr/>
+                </a:tc>
+                <a:tc>
+                  <a:txBody>
+                    <a:bodyPr/>
+                    <a:lstStyle/>
+                    <a:p>
+                      <a:r>
+                        <a:rPr lang="en-US" b="1" dirty="0" err="1"/>
+                        <a:t>pwd</a:t>
+                      </a:r>
+                      <a:endParaRPr lang="ru-RU" b="1" dirty="0"/>
+                    </a:p>
+                  </a:txBody>
+                  <a:tcPr/>
+                </a:tc>
+                <a:extLst>
+                  <a:ext uri="{0D108BD9-81ED-4DB2-BD59-A6C34878D82A}">
+                    <a16:rowId xmlns:a16="http://schemas.microsoft.com/office/drawing/2014/main" val="3588925542"/>
+                  </a:ext>
+                </a:extLst>
+              </a:tr>
+              <a:tr h="370840">
+                <a:tc>
+                  <a:txBody>
+                    <a:bodyPr/>
+                    <a:lstStyle/>
+                    <a:p>
+                      <a:r>
+                        <a:rPr lang="en-US" b="1" dirty="0"/>
+                        <a:t>String</a:t>
+                      </a:r>
+                      <a:endParaRPr lang="ru-RU" b="1" dirty="0"/>
+                    </a:p>
+                  </a:txBody>
+                  <a:tcPr/>
+                </a:tc>
+                <a:tc>
+                  <a:txBody>
+                    <a:bodyPr/>
+                    <a:lstStyle/>
+                    <a:p>
+                      <a:r>
+                        <a:rPr lang="en-US" b="1" dirty="0"/>
+                        <a:t>device</a:t>
+                      </a:r>
+                      <a:endParaRPr lang="ru-RU" b="1" dirty="0"/>
+                    </a:p>
+                  </a:txBody>
+                  <a:tcPr/>
+                </a:tc>
+                <a:extLst>
+                  <a:ext uri="{0D108BD9-81ED-4DB2-BD59-A6C34878D82A}">
+                    <a16:rowId xmlns:a16="http://schemas.microsoft.com/office/drawing/2014/main" val="3885221131"/>
+                  </a:ext>
+                </a:extLst>
+              </a:tr>
+            </a:tbl>
+          </a:graphicData>
+        </a:graphic>
+      </p:graphicFrame>
+      <p:graphicFrame>
+        <p:nvGraphicFramePr>
+          <p:cNvPr id="7" name="Таблица 6">
+            <a:extLst>
+              <a:ext uri="{FF2B5EF4-FFF2-40B4-BE49-F238E27FC236}">
+                <a16:creationId xmlns:a16="http://schemas.microsoft.com/office/drawing/2014/main" id="{B8CFF619-DC9A-4051-83BB-0502B6B6057A}"/>
+              </a:ext>
+            </a:extLst>
+          </p:cNvPr>
+          <p:cNvGraphicFramePr>
+            <a:graphicFrameLocks noGrp="1"/>
+          </p:cNvGraphicFramePr>
+          <p:nvPr>
+            <p:extLst>
+              <p:ext uri="{D42A27DB-BD31-4B8C-83A1-F6EECF244321}">
+                <p14:modId xmlns:p14="http://schemas.microsoft.com/office/powerpoint/2010/main" val="1592436370"/>
+              </p:ext>
+            </p:extLst>
+          </p:nvPr>
+        </p:nvGraphicFramePr>
+        <p:xfrm>
+          <a:off x="3838679" y="163349"/>
+          <a:ext cx="3038298" cy="3337560"/>
+        </p:xfrm>
+        <a:graphic>
+          <a:graphicData uri="http://schemas.openxmlformats.org/drawingml/2006/table">
+            <a:tbl>
+              <a:tblPr firstRow="1" bandRow="1">
+                <a:tableStyleId>{93296810-A885-4BE3-A3E7-6D5BEEA58F35}</a:tableStyleId>
+              </a:tblPr>
+              <a:tblGrid>
+                <a:gridCol w="1519149">
+                  <a:extLst>
+                    <a:ext uri="{9D8B030D-6E8A-4147-A177-3AD203B41FA5}">
+                      <a16:colId xmlns:a16="http://schemas.microsoft.com/office/drawing/2014/main" val="1440887257"/>
+                    </a:ext>
+                  </a:extLst>
+                </a:gridCol>
+                <a:gridCol w="1519149">
+                  <a:extLst>
+                    <a:ext uri="{9D8B030D-6E8A-4147-A177-3AD203B41FA5}">
+                      <a16:colId xmlns:a16="http://schemas.microsoft.com/office/drawing/2014/main" val="1712933140"/>
+                    </a:ext>
+                  </a:extLst>
+                </a:gridCol>
+              </a:tblGrid>
+              <a:tr h="370840">
+                <a:tc gridSpan="2">
+                  <a:txBody>
+                    <a:bodyPr/>
+                    <a:lstStyle/>
+                    <a:p>
+                      <a:r>
+                        <a:rPr lang="en-US" dirty="0"/>
+                        <a:t>Visit</a:t>
+                      </a:r>
+                      <a:endParaRPr lang="ru-RU" dirty="0"/>
+                    </a:p>
+                  </a:txBody>
+                  <a:tcPr/>
+                </a:tc>
+                <a:tc hMerge="1">
+                  <a:txBody>
+                    <a:bodyPr/>
+                    <a:lstStyle/>
+                    <a:p>
+                      <a:endParaRPr lang="ru-RU" dirty="0"/>
+                    </a:p>
+                  </a:txBody>
+                  <a:tcPr/>
+                </a:tc>
+                <a:extLst>
+                  <a:ext uri="{0D108BD9-81ED-4DB2-BD59-A6C34878D82A}">
+                    <a16:rowId xmlns:a16="http://schemas.microsoft.com/office/drawing/2014/main" val="1119132496"/>
+                  </a:ext>
+                </a:extLst>
+              </a:tr>
+              <a:tr h="370840">
+                <a:tc>
+                  <a:txBody>
+                    <a:bodyPr/>
+                    <a:lstStyle/>
+                    <a:p>
+                      <a:r>
+                        <a:rPr lang="en-US" dirty="0"/>
+                        <a:t>int</a:t>
+                      </a:r>
+                      <a:endParaRPr lang="ru-RU" dirty="0"/>
+                    </a:p>
+                  </a:txBody>
+                  <a:tcPr/>
+                </a:tc>
+                <a:tc>
+                  <a:txBody>
+                    <a:bodyPr/>
+                    <a:lstStyle/>
+                    <a:p>
+                      <a:r>
+                        <a:rPr lang="en-US" dirty="0"/>
+                        <a:t>id</a:t>
+                      </a:r>
+                      <a:endParaRPr lang="ru-RU" dirty="0"/>
+                    </a:p>
+                  </a:txBody>
+                  <a:tcPr/>
+                </a:tc>
+                <a:extLst>
+                  <a:ext uri="{0D108BD9-81ED-4DB2-BD59-A6C34878D82A}">
+                    <a16:rowId xmlns:a16="http://schemas.microsoft.com/office/drawing/2014/main" val="1202926844"/>
+                  </a:ext>
+                </a:extLst>
+              </a:tr>
+              <a:tr h="370840">
+                <a:tc>
+                  <a:txBody>
+                    <a:bodyPr/>
+                    <a:lstStyle/>
+                    <a:p>
+                      <a:r>
+                        <a:rPr lang="en-US" dirty="0" err="1"/>
+                        <a:t>DateTime</a:t>
+                      </a:r>
+                      <a:endParaRPr lang="ru-RU" dirty="0"/>
+                    </a:p>
+                  </a:txBody>
+                  <a:tcPr/>
+                </a:tc>
+                <a:tc>
+                  <a:txBody>
+                    <a:bodyPr/>
+                    <a:lstStyle/>
+                    <a:p>
+                      <a:r>
+                        <a:rPr lang="en-US" dirty="0"/>
+                        <a:t>timestamp</a:t>
+                      </a:r>
+                      <a:endParaRPr lang="ru-RU" dirty="0"/>
+                    </a:p>
+                  </a:txBody>
+                  <a:tcPr/>
+                </a:tc>
+                <a:extLst>
+                  <a:ext uri="{0D108BD9-81ED-4DB2-BD59-A6C34878D82A}">
+                    <a16:rowId xmlns:a16="http://schemas.microsoft.com/office/drawing/2014/main" val="3021820259"/>
+                  </a:ext>
+                </a:extLst>
+              </a:tr>
+              <a:tr h="370840">
+                <a:tc>
+                  <a:txBody>
+                    <a:bodyPr/>
+                    <a:lstStyle/>
+                    <a:p>
+                      <a:r>
+                        <a:rPr lang="en-US" dirty="0"/>
+                        <a:t>int</a:t>
+                      </a:r>
+                      <a:endParaRPr lang="ru-RU" dirty="0"/>
+                    </a:p>
+                  </a:txBody>
+                  <a:tcPr/>
+                </a:tc>
+                <a:tc>
+                  <a:txBody>
+                    <a:bodyPr/>
+                    <a:lstStyle/>
+                    <a:p>
+                      <a:r>
+                        <a:rPr lang="en-US" dirty="0" err="1"/>
+                        <a:t>currentStep</a:t>
+                      </a:r>
+                      <a:endParaRPr lang="ru-RU" dirty="0"/>
+                    </a:p>
+                  </a:txBody>
+                  <a:tcPr/>
+                </a:tc>
+                <a:extLst>
+                  <a:ext uri="{0D108BD9-81ED-4DB2-BD59-A6C34878D82A}">
+                    <a16:rowId xmlns:a16="http://schemas.microsoft.com/office/drawing/2014/main" val="4129621599"/>
+                  </a:ext>
+                </a:extLst>
+              </a:tr>
+              <a:tr h="370840">
+                <a:tc>
+                  <a:txBody>
+                    <a:bodyPr/>
+                    <a:lstStyle/>
+                    <a:p>
+                      <a:r>
+                        <a:rPr lang="en-US" dirty="0"/>
+                        <a:t>Visitor</a:t>
+                      </a:r>
+                      <a:endParaRPr lang="ru-RU" dirty="0"/>
+                    </a:p>
+                  </a:txBody>
+                  <a:tcPr/>
+                </a:tc>
+                <a:tc>
+                  <a:txBody>
+                    <a:bodyPr/>
+                    <a:lstStyle/>
+                    <a:p>
+                      <a:r>
+                        <a:rPr lang="en-US" dirty="0"/>
+                        <a:t>visitor</a:t>
+                      </a:r>
+                      <a:endParaRPr lang="ru-RU" dirty="0"/>
+                    </a:p>
+                  </a:txBody>
+                  <a:tcPr/>
+                </a:tc>
+                <a:extLst>
+                  <a:ext uri="{0D108BD9-81ED-4DB2-BD59-A6C34878D82A}">
+                    <a16:rowId xmlns:a16="http://schemas.microsoft.com/office/drawing/2014/main" val="965967655"/>
+                  </a:ext>
+                </a:extLst>
+              </a:tr>
+              <a:tr h="370840">
+                <a:tc>
+                  <a:txBody>
+                    <a:bodyPr/>
+                    <a:lstStyle/>
+                    <a:p>
+                      <a:r>
+                        <a:rPr lang="en-US" dirty="0"/>
+                        <a:t>Doctor</a:t>
+                      </a:r>
+                      <a:endParaRPr lang="ru-RU" dirty="0"/>
+                    </a:p>
+                  </a:txBody>
+                  <a:tcPr/>
+                </a:tc>
+                <a:tc>
+                  <a:txBody>
+                    <a:bodyPr/>
+                    <a:lstStyle/>
+                    <a:p>
+                      <a:r>
+                        <a:rPr lang="en-US" dirty="0"/>
+                        <a:t>doctor</a:t>
+                      </a:r>
+                      <a:endParaRPr lang="ru-RU" dirty="0"/>
+                    </a:p>
+                  </a:txBody>
+                  <a:tcPr/>
+                </a:tc>
+                <a:extLst>
+                  <a:ext uri="{0D108BD9-81ED-4DB2-BD59-A6C34878D82A}">
+                    <a16:rowId xmlns:a16="http://schemas.microsoft.com/office/drawing/2014/main" val="63160200"/>
+                  </a:ext>
+                </a:extLst>
+              </a:tr>
+              <a:tr h="370840">
+                <a:tc>
+                  <a:txBody>
+                    <a:bodyPr/>
+                    <a:lstStyle/>
+                    <a:p>
+                      <a:r>
+                        <a:rPr lang="en-US" dirty="0"/>
+                        <a:t>Volunteer</a:t>
+                      </a:r>
+                      <a:endParaRPr lang="ru-RU" dirty="0"/>
+                    </a:p>
+                  </a:txBody>
+                  <a:tcPr/>
+                </a:tc>
+                <a:tc>
+                  <a:txBody>
+                    <a:bodyPr/>
+                    <a:lstStyle/>
+                    <a:p>
+                      <a:r>
+                        <a:rPr lang="en-US" dirty="0"/>
+                        <a:t>translator</a:t>
+                      </a:r>
+                      <a:endParaRPr lang="ru-RU" dirty="0"/>
+                    </a:p>
+                  </a:txBody>
+                  <a:tcPr/>
+                </a:tc>
+                <a:extLst>
+                  <a:ext uri="{0D108BD9-81ED-4DB2-BD59-A6C34878D82A}">
+                    <a16:rowId xmlns:a16="http://schemas.microsoft.com/office/drawing/2014/main" val="2734565395"/>
+                  </a:ext>
+                </a:extLst>
+              </a:tr>
+              <a:tr h="370840">
+                <a:tc>
+                  <a:txBody>
+                    <a:bodyPr/>
+                    <a:lstStyle/>
+                    <a:p>
+                      <a:r>
+                        <a:rPr lang="en-US" dirty="0" err="1"/>
+                        <a:t>FormData</a:t>
+                      </a:r>
+                      <a:endParaRPr lang="ru-RU" dirty="0"/>
+                    </a:p>
+                  </a:txBody>
+                  <a:tcPr/>
+                </a:tc>
+                <a:tc>
+                  <a:txBody>
+                    <a:bodyPr/>
+                    <a:lstStyle/>
+                    <a:p>
+                      <a:r>
+                        <a:rPr lang="en-US" dirty="0" err="1"/>
+                        <a:t>formData</a:t>
+                      </a:r>
+                      <a:endParaRPr lang="ru-RU" dirty="0"/>
+                    </a:p>
+                  </a:txBody>
+                  <a:tcPr/>
+                </a:tc>
+                <a:extLst>
+                  <a:ext uri="{0D108BD9-81ED-4DB2-BD59-A6C34878D82A}">
+                    <a16:rowId xmlns:a16="http://schemas.microsoft.com/office/drawing/2014/main" val="1627750149"/>
+                  </a:ext>
+                </a:extLst>
+              </a:tr>
+              <a:tr h="370840">
+                <a:tc>
+                  <a:txBody>
+                    <a:bodyPr/>
+                    <a:lstStyle/>
+                    <a:p>
+                      <a:r>
+                        <a:rPr lang="en-US" dirty="0"/>
+                        <a:t>Result</a:t>
+                      </a:r>
+                      <a:endParaRPr lang="ru-RU" dirty="0"/>
+                    </a:p>
+                  </a:txBody>
+                  <a:tcPr/>
+                </a:tc>
+                <a:tc>
+                  <a:txBody>
+                    <a:bodyPr/>
+                    <a:lstStyle/>
+                    <a:p>
+                      <a:r>
+                        <a:rPr lang="en-US" dirty="0"/>
+                        <a:t>result</a:t>
+                      </a:r>
+                      <a:endParaRPr lang="ru-RU" dirty="0"/>
+                    </a:p>
+                  </a:txBody>
+                  <a:tcPr/>
+                </a:tc>
+                <a:extLst>
+                  <a:ext uri="{0D108BD9-81ED-4DB2-BD59-A6C34878D82A}">
+                    <a16:rowId xmlns:a16="http://schemas.microsoft.com/office/drawing/2014/main" val="586992325"/>
+                  </a:ext>
+                </a:extLst>
+              </a:tr>
+            </a:tbl>
+          </a:graphicData>
+        </a:graphic>
+      </p:graphicFrame>
+      <p:graphicFrame>
+        <p:nvGraphicFramePr>
+          <p:cNvPr id="8" name="Таблица 7">
+            <a:extLst>
+              <a:ext uri="{FF2B5EF4-FFF2-40B4-BE49-F238E27FC236}">
+                <a16:creationId xmlns:a16="http://schemas.microsoft.com/office/drawing/2014/main" id="{553818E3-892D-F4A3-5C8A-0AA7375F6C0F}"/>
+              </a:ext>
+            </a:extLst>
+          </p:cNvPr>
+          <p:cNvGraphicFramePr>
+            <a:graphicFrameLocks noGrp="1"/>
+          </p:cNvGraphicFramePr>
+          <p:nvPr>
+            <p:extLst>
+              <p:ext uri="{D42A27DB-BD31-4B8C-83A1-F6EECF244321}">
+                <p14:modId xmlns:p14="http://schemas.microsoft.com/office/powerpoint/2010/main" val="1749964380"/>
+              </p:ext>
+            </p:extLst>
+          </p:nvPr>
+        </p:nvGraphicFramePr>
+        <p:xfrm>
+          <a:off x="347323" y="5539473"/>
+          <a:ext cx="1851632" cy="1107440"/>
+        </p:xfrm>
+        <a:graphic>
+          <a:graphicData uri="http://schemas.openxmlformats.org/drawingml/2006/table">
+            <a:tbl>
+              <a:tblPr firstRow="1" bandRow="1">
+                <a:tableStyleId>{00A15C55-8517-42AA-B614-E9B94910E393}</a:tableStyleId>
+              </a:tblPr>
+              <a:tblGrid>
+                <a:gridCol w="925816">
+                  <a:extLst>
+                    <a:ext uri="{9D8B030D-6E8A-4147-A177-3AD203B41FA5}">
+                      <a16:colId xmlns:a16="http://schemas.microsoft.com/office/drawing/2014/main" val="2352917406"/>
+                    </a:ext>
+                  </a:extLst>
+                </a:gridCol>
+                <a:gridCol w="925816">
+                  <a:extLst>
+                    <a:ext uri="{9D8B030D-6E8A-4147-A177-3AD203B41FA5}">
+                      <a16:colId xmlns:a16="http://schemas.microsoft.com/office/drawing/2014/main" val="49394966"/>
+                    </a:ext>
+                  </a:extLst>
+                </a:gridCol>
+              </a:tblGrid>
+              <a:tr h="0">
+                <a:tc gridSpan="2">
+                  <a:txBody>
+                    <a:bodyPr/>
+                    <a:lstStyle/>
+                    <a:p>
+                      <a:r>
+                        <a:rPr lang="en-US" dirty="0"/>
+                        <a:t>Result</a:t>
+                      </a:r>
+                      <a:endParaRPr lang="ru-RU" dirty="0"/>
+                    </a:p>
+                  </a:txBody>
+                  <a:tcPr/>
+                </a:tc>
+                <a:tc hMerge="1">
+                  <a:txBody>
+                    <a:bodyPr/>
+                    <a:lstStyle/>
+                    <a:p>
+                      <a:endParaRPr lang="ru-RU" dirty="0"/>
+                    </a:p>
+                  </a:txBody>
+                  <a:tcPr/>
+                </a:tc>
+                <a:extLst>
+                  <a:ext uri="{0D108BD9-81ED-4DB2-BD59-A6C34878D82A}">
+                    <a16:rowId xmlns:a16="http://schemas.microsoft.com/office/drawing/2014/main" val="1335373430"/>
+                  </a:ext>
+                </a:extLst>
+              </a:tr>
+              <a:tr h="370840">
+                <a:tc>
+                  <a:txBody>
+                    <a:bodyPr/>
+                    <a:lstStyle/>
+                    <a:p>
+                      <a:r>
+                        <a:rPr lang="en-US" dirty="0"/>
+                        <a:t>int</a:t>
+                      </a:r>
+                      <a:endParaRPr lang="ru-RU" dirty="0"/>
+                    </a:p>
+                  </a:txBody>
+                  <a:tcPr/>
+                </a:tc>
+                <a:tc>
+                  <a:txBody>
+                    <a:bodyPr/>
+                    <a:lstStyle/>
+                    <a:p>
+                      <a:r>
+                        <a:rPr lang="en-US" dirty="0"/>
+                        <a:t>id</a:t>
+                      </a:r>
+                      <a:endParaRPr lang="ru-RU" dirty="0"/>
+                    </a:p>
+                  </a:txBody>
+                  <a:tcPr/>
+                </a:tc>
+                <a:extLst>
+                  <a:ext uri="{0D108BD9-81ED-4DB2-BD59-A6C34878D82A}">
+                    <a16:rowId xmlns:a16="http://schemas.microsoft.com/office/drawing/2014/main" val="922347042"/>
+                  </a:ext>
+                </a:extLst>
+              </a:tr>
+              <a:tr h="370840">
+                <a:tc>
+                  <a:txBody>
+                    <a:bodyPr/>
+                    <a:lstStyle/>
+                    <a:p>
+                      <a:r>
+                        <a:rPr lang="en-US" dirty="0"/>
+                        <a:t>String</a:t>
+                      </a:r>
+                      <a:endParaRPr lang="ru-RU" dirty="0"/>
+                    </a:p>
+                  </a:txBody>
+                  <a:tcPr/>
+                </a:tc>
+                <a:tc>
+                  <a:txBody>
+                    <a:bodyPr/>
+                    <a:lstStyle/>
+                    <a:p>
+                      <a:r>
+                        <a:rPr lang="en-US" dirty="0"/>
+                        <a:t>text</a:t>
+                      </a:r>
+                      <a:endParaRPr lang="ru-RU" dirty="0"/>
+                    </a:p>
+                  </a:txBody>
+                  <a:tcPr/>
+                </a:tc>
+                <a:extLst>
+                  <a:ext uri="{0D108BD9-81ED-4DB2-BD59-A6C34878D82A}">
+                    <a16:rowId xmlns:a16="http://schemas.microsoft.com/office/drawing/2014/main" val="1756185408"/>
+                  </a:ext>
+                </a:extLst>
+              </a:tr>
+            </a:tbl>
+          </a:graphicData>
+        </a:graphic>
+      </p:graphicFrame>
+      <p:graphicFrame>
+        <p:nvGraphicFramePr>
+          <p:cNvPr id="9" name="Таблица 8">
+            <a:extLst>
+              <a:ext uri="{FF2B5EF4-FFF2-40B4-BE49-F238E27FC236}">
+                <a16:creationId xmlns:a16="http://schemas.microsoft.com/office/drawing/2014/main" id="{3FF22EA2-0C3D-7DB0-410F-1AB84CF02D8E}"/>
+              </a:ext>
+            </a:extLst>
+          </p:cNvPr>
+          <p:cNvGraphicFramePr>
+            <a:graphicFrameLocks noGrp="1"/>
+          </p:cNvGraphicFramePr>
+          <p:nvPr>
+            <p:extLst>
+              <p:ext uri="{D42A27DB-BD31-4B8C-83A1-F6EECF244321}">
+                <p14:modId xmlns:p14="http://schemas.microsoft.com/office/powerpoint/2010/main" val="740192521"/>
+              </p:ext>
+            </p:extLst>
+          </p:nvPr>
+        </p:nvGraphicFramePr>
+        <p:xfrm>
+          <a:off x="7941634" y="3381490"/>
+          <a:ext cx="3659884" cy="1483360"/>
+        </p:xfrm>
+        <a:graphic>
+          <a:graphicData uri="http://schemas.openxmlformats.org/drawingml/2006/table">
+            <a:tbl>
+              <a:tblPr firstRow="1" bandRow="1">
+                <a:tableStyleId>{00A15C55-8517-42AA-B614-E9B94910E393}</a:tableStyleId>
+              </a:tblPr>
+              <a:tblGrid>
+                <a:gridCol w="1829942">
+                  <a:extLst>
+                    <a:ext uri="{9D8B030D-6E8A-4147-A177-3AD203B41FA5}">
+                      <a16:colId xmlns:a16="http://schemas.microsoft.com/office/drawing/2014/main" val="2669021916"/>
+                    </a:ext>
+                  </a:extLst>
+                </a:gridCol>
+                <a:gridCol w="1829942">
+                  <a:extLst>
+                    <a:ext uri="{9D8B030D-6E8A-4147-A177-3AD203B41FA5}">
+                      <a16:colId xmlns:a16="http://schemas.microsoft.com/office/drawing/2014/main" val="1402533963"/>
+                    </a:ext>
+                  </a:extLst>
+                </a:gridCol>
+              </a:tblGrid>
+              <a:tr h="370840">
+                <a:tc gridSpan="2">
+                  <a:txBody>
+                    <a:bodyPr/>
+                    <a:lstStyle/>
+                    <a:p>
+                      <a:r>
+                        <a:rPr lang="en-US" dirty="0" err="1"/>
+                        <a:t>FormData</a:t>
+                      </a:r>
+                      <a:endParaRPr lang="ru-RU" dirty="0"/>
+                    </a:p>
+                  </a:txBody>
+                  <a:tcPr/>
+                </a:tc>
+                <a:tc hMerge="1">
+                  <a:txBody>
+                    <a:bodyPr/>
+                    <a:lstStyle/>
+                    <a:p>
+                      <a:endParaRPr lang="ru-RU" dirty="0"/>
+                    </a:p>
+                  </a:txBody>
+                  <a:tcPr/>
+                </a:tc>
+                <a:extLst>
+                  <a:ext uri="{0D108BD9-81ED-4DB2-BD59-A6C34878D82A}">
+                    <a16:rowId xmlns:a16="http://schemas.microsoft.com/office/drawing/2014/main" val="2894990386"/>
+                  </a:ext>
+                </a:extLst>
+              </a:tr>
+              <a:tr h="370840">
+                <a:tc>
+                  <a:txBody>
+                    <a:bodyPr/>
+                    <a:lstStyle/>
+                    <a:p>
+                      <a:r>
+                        <a:rPr lang="en-US" dirty="0"/>
+                        <a:t>int</a:t>
+                      </a:r>
+                      <a:endParaRPr lang="ru-RU" dirty="0"/>
+                    </a:p>
+                  </a:txBody>
+                  <a:tcPr/>
+                </a:tc>
+                <a:tc>
+                  <a:txBody>
+                    <a:bodyPr/>
+                    <a:lstStyle/>
+                    <a:p>
+                      <a:r>
+                        <a:rPr lang="en-US" dirty="0"/>
+                        <a:t>id</a:t>
+                      </a:r>
+                      <a:endParaRPr lang="ru-RU" dirty="0"/>
+                    </a:p>
+                  </a:txBody>
+                  <a:tcPr/>
+                </a:tc>
+                <a:extLst>
+                  <a:ext uri="{0D108BD9-81ED-4DB2-BD59-A6C34878D82A}">
+                    <a16:rowId xmlns:a16="http://schemas.microsoft.com/office/drawing/2014/main" val="1722881886"/>
+                  </a:ext>
+                </a:extLst>
+              </a:tr>
+              <a:tr h="370840">
+                <a:tc>
+                  <a:txBody>
+                    <a:bodyPr/>
+                    <a:lstStyle/>
+                    <a:p>
+                      <a:r>
+                        <a:rPr lang="en-US" dirty="0"/>
+                        <a:t>List&lt;Question&gt;</a:t>
+                      </a:r>
+                      <a:endParaRPr lang="ru-RU" dirty="0"/>
+                    </a:p>
+                  </a:txBody>
+                  <a:tcPr/>
+                </a:tc>
+                <a:tc>
+                  <a:txBody>
+                    <a:bodyPr/>
+                    <a:lstStyle/>
+                    <a:p>
+                      <a:r>
+                        <a:rPr lang="en-US" dirty="0"/>
+                        <a:t>questions</a:t>
+                      </a:r>
+                      <a:endParaRPr lang="ru-RU" dirty="0"/>
+                    </a:p>
+                  </a:txBody>
+                  <a:tcPr/>
+                </a:tc>
+                <a:extLst>
+                  <a:ext uri="{0D108BD9-81ED-4DB2-BD59-A6C34878D82A}">
+                    <a16:rowId xmlns:a16="http://schemas.microsoft.com/office/drawing/2014/main" val="3086466725"/>
+                  </a:ext>
+                </a:extLst>
+              </a:tr>
+              <a:tr h="370840">
+                <a:tc>
+                  <a:txBody>
+                    <a:bodyPr/>
+                    <a:lstStyle/>
+                    <a:p>
+                      <a:r>
+                        <a:rPr lang="en-US" dirty="0"/>
+                        <a:t>List&lt;Answer&gt;</a:t>
+                      </a:r>
+                      <a:endParaRPr lang="ru-RU" dirty="0"/>
+                    </a:p>
+                  </a:txBody>
+                  <a:tcPr/>
+                </a:tc>
+                <a:tc>
+                  <a:txBody>
+                    <a:bodyPr/>
+                    <a:lstStyle/>
+                    <a:p>
+                      <a:r>
+                        <a:rPr lang="en-US" dirty="0"/>
+                        <a:t>answers</a:t>
+                      </a:r>
+                      <a:endParaRPr lang="ru-RU" dirty="0"/>
+                    </a:p>
+                  </a:txBody>
+                  <a:tcPr/>
+                </a:tc>
+                <a:extLst>
+                  <a:ext uri="{0D108BD9-81ED-4DB2-BD59-A6C34878D82A}">
+                    <a16:rowId xmlns:a16="http://schemas.microsoft.com/office/drawing/2014/main" val="2508416919"/>
+                  </a:ext>
+                </a:extLst>
+              </a:tr>
+            </a:tbl>
+          </a:graphicData>
+        </a:graphic>
+      </p:graphicFrame>
+      <p:cxnSp>
+        <p:nvCxnSpPr>
+          <p:cNvPr id="11" name="Прямая со стрелкой 10">
+            <a:extLst>
+              <a:ext uri="{FF2B5EF4-FFF2-40B4-BE49-F238E27FC236}">
+                <a16:creationId xmlns:a16="http://schemas.microsoft.com/office/drawing/2014/main" id="{09A78611-4C8B-DBA0-0BEA-90ADF75BCC0A}"/>
+              </a:ext>
+            </a:extLst>
+          </p:cNvPr>
+          <p:cNvCxnSpPr>
+            <a:cxnSpLocks/>
+            <a:stCxn id="7" idx="1"/>
+            <a:endCxn id="4" idx="3"/>
+          </p:cNvCxnSpPr>
+          <p:nvPr/>
+        </p:nvCxnSpPr>
+        <p:spPr>
+          <a:xfrm flipH="1" flipV="1">
+            <a:off x="2774022" y="1372746"/>
+            <a:ext cx="1064657" cy="459383"/>
+          </a:xfrm>
+          <a:prstGeom prst="straightConnector1">
+            <a:avLst/>
+          </a:prstGeom>
+          <a:ln>
+            <a:solidFill>
+              <a:srgbClr val="FF0000"/>
+            </a:solidFill>
+            <a:tailEnd type="triangle"/>
+          </a:ln>
+        </p:spPr>
+        <p:style>
+          <a:lnRef idx="3">
+            <a:schemeClr val="accent2"/>
+          </a:lnRef>
+          <a:fillRef idx="0">
+            <a:schemeClr val="accent2"/>
+          </a:fillRef>
+          <a:effectRef idx="2">
+            <a:schemeClr val="accent2"/>
+          </a:effectRef>
+          <a:fontRef idx="minor">
+            <a:schemeClr val="tx1"/>
+          </a:fontRef>
+        </p:style>
+      </p:cxnSp>
+      <p:cxnSp>
+        <p:nvCxnSpPr>
+          <p:cNvPr id="12" name="Прямая со стрелкой 11">
+            <a:extLst>
+              <a:ext uri="{FF2B5EF4-FFF2-40B4-BE49-F238E27FC236}">
+                <a16:creationId xmlns:a16="http://schemas.microsoft.com/office/drawing/2014/main" id="{EFCEE03B-E254-3093-BEF1-951804ECA602}"/>
+              </a:ext>
+            </a:extLst>
+          </p:cNvPr>
+          <p:cNvCxnSpPr>
+            <a:cxnSpLocks/>
+          </p:cNvCxnSpPr>
+          <p:nvPr/>
+        </p:nvCxnSpPr>
+        <p:spPr>
+          <a:xfrm flipH="1">
+            <a:off x="1982912" y="3313264"/>
+            <a:ext cx="1855767" cy="2779929"/>
+          </a:xfrm>
+          <a:prstGeom prst="straightConnector1">
+            <a:avLst/>
+          </a:prstGeom>
+          <a:ln>
+            <a:solidFill>
+              <a:srgbClr val="FF0000"/>
+            </a:solidFill>
+            <a:tailEnd type="triangle"/>
+          </a:ln>
+        </p:spPr>
+        <p:style>
+          <a:lnRef idx="3">
+            <a:schemeClr val="accent2"/>
+          </a:lnRef>
+          <a:fillRef idx="0">
+            <a:schemeClr val="accent2"/>
+          </a:fillRef>
+          <a:effectRef idx="2">
+            <a:schemeClr val="accent2"/>
+          </a:effectRef>
+          <a:fontRef idx="minor">
+            <a:schemeClr val="tx1"/>
+          </a:fontRef>
+        </p:style>
+      </p:cxnSp>
+      <p:cxnSp>
+        <p:nvCxnSpPr>
+          <p:cNvPr id="13" name="Прямая со стрелкой 12">
+            <a:extLst>
+              <a:ext uri="{FF2B5EF4-FFF2-40B4-BE49-F238E27FC236}">
+                <a16:creationId xmlns:a16="http://schemas.microsoft.com/office/drawing/2014/main" id="{56ACEA3D-D408-71EB-7CB6-A962E40BE0D4}"/>
+              </a:ext>
+            </a:extLst>
+          </p:cNvPr>
+          <p:cNvCxnSpPr>
+            <a:cxnSpLocks/>
+          </p:cNvCxnSpPr>
+          <p:nvPr/>
+        </p:nvCxnSpPr>
+        <p:spPr>
+          <a:xfrm flipV="1">
+            <a:off x="6660329" y="699305"/>
+            <a:ext cx="2033321" cy="1929291"/>
+          </a:xfrm>
+          <a:prstGeom prst="straightConnector1">
+            <a:avLst/>
+          </a:prstGeom>
+          <a:ln>
+            <a:solidFill>
+              <a:srgbClr val="FF0000"/>
+            </a:solidFill>
+            <a:tailEnd type="triangle"/>
+          </a:ln>
+        </p:spPr>
+        <p:style>
+          <a:lnRef idx="3">
+            <a:schemeClr val="accent2"/>
+          </a:lnRef>
+          <a:fillRef idx="0">
+            <a:schemeClr val="accent2"/>
+          </a:fillRef>
+          <a:effectRef idx="2">
+            <a:schemeClr val="accent2"/>
+          </a:effectRef>
+          <a:fontRef idx="minor">
+            <a:schemeClr val="tx1"/>
+          </a:fontRef>
+        </p:style>
+      </p:cxnSp>
+      <p:cxnSp>
+        <p:nvCxnSpPr>
+          <p:cNvPr id="14" name="Прямая со стрелкой 13">
+            <a:extLst>
+              <a:ext uri="{FF2B5EF4-FFF2-40B4-BE49-F238E27FC236}">
+                <a16:creationId xmlns:a16="http://schemas.microsoft.com/office/drawing/2014/main" id="{EDE633BB-4D72-5AC0-7C32-BBFD3D294095}"/>
+              </a:ext>
+            </a:extLst>
+          </p:cNvPr>
+          <p:cNvCxnSpPr>
+            <a:cxnSpLocks/>
+          </p:cNvCxnSpPr>
+          <p:nvPr/>
+        </p:nvCxnSpPr>
+        <p:spPr>
+          <a:xfrm flipH="1">
+            <a:off x="2449775" y="2186061"/>
+            <a:ext cx="1442949" cy="1127203"/>
+          </a:xfrm>
+          <a:prstGeom prst="straightConnector1">
+            <a:avLst/>
+          </a:prstGeom>
+          <a:ln>
+            <a:solidFill>
+              <a:srgbClr val="FF0000"/>
+            </a:solidFill>
+            <a:tailEnd type="triangle"/>
+          </a:ln>
+        </p:spPr>
+        <p:style>
+          <a:lnRef idx="3">
+            <a:schemeClr val="accent2"/>
+          </a:lnRef>
+          <a:fillRef idx="0">
+            <a:schemeClr val="accent2"/>
+          </a:fillRef>
+          <a:effectRef idx="2">
+            <a:schemeClr val="accent2"/>
+          </a:effectRef>
+          <a:fontRef idx="minor">
+            <a:schemeClr val="tx1"/>
+          </a:fontRef>
+        </p:style>
+      </p:cxnSp>
+      <p:cxnSp>
+        <p:nvCxnSpPr>
+          <p:cNvPr id="15" name="Прямая со стрелкой 14">
+            <a:extLst>
+              <a:ext uri="{FF2B5EF4-FFF2-40B4-BE49-F238E27FC236}">
+                <a16:creationId xmlns:a16="http://schemas.microsoft.com/office/drawing/2014/main" id="{395C3AD5-70E0-72E9-54B0-8757335C2903}"/>
+              </a:ext>
+            </a:extLst>
+          </p:cNvPr>
+          <p:cNvCxnSpPr>
+            <a:cxnSpLocks/>
+          </p:cNvCxnSpPr>
+          <p:nvPr/>
+        </p:nvCxnSpPr>
+        <p:spPr>
+          <a:xfrm>
+            <a:off x="6484385" y="2878698"/>
+            <a:ext cx="1457430" cy="1018596"/>
+          </a:xfrm>
+          <a:prstGeom prst="straightConnector1">
+            <a:avLst/>
+          </a:prstGeom>
+          <a:ln>
+            <a:solidFill>
+              <a:srgbClr val="FF0000"/>
+            </a:solidFill>
+            <a:tailEnd type="triangle"/>
+          </a:ln>
+        </p:spPr>
+        <p:style>
+          <a:lnRef idx="3">
+            <a:schemeClr val="accent2"/>
+          </a:lnRef>
+          <a:fillRef idx="0">
+            <a:schemeClr val="accent2"/>
+          </a:fillRef>
+          <a:effectRef idx="2">
+            <a:schemeClr val="accent2"/>
+          </a:effectRef>
+          <a:fontRef idx="minor">
+            <a:schemeClr val="tx1"/>
+          </a:fontRef>
+        </p:style>
+      </p:cxnSp>
+      <p:graphicFrame>
+        <p:nvGraphicFramePr>
+          <p:cNvPr id="24" name="Таблица 23">
+            <a:extLst>
+              <a:ext uri="{FF2B5EF4-FFF2-40B4-BE49-F238E27FC236}">
+                <a16:creationId xmlns:a16="http://schemas.microsoft.com/office/drawing/2014/main" id="{8004450C-1D11-3E60-1307-B5D1F0EB0FA9}"/>
+              </a:ext>
+            </a:extLst>
+          </p:cNvPr>
+          <p:cNvGraphicFramePr>
+            <a:graphicFrameLocks noGrp="1"/>
+          </p:cNvGraphicFramePr>
+          <p:nvPr>
+            <p:extLst>
+              <p:ext uri="{D42A27DB-BD31-4B8C-83A1-F6EECF244321}">
+                <p14:modId xmlns:p14="http://schemas.microsoft.com/office/powerpoint/2010/main" val="2967736095"/>
+              </p:ext>
+            </p:extLst>
+          </p:nvPr>
+        </p:nvGraphicFramePr>
+        <p:xfrm>
+          <a:off x="3906778" y="3657065"/>
+          <a:ext cx="2110768" cy="1483360"/>
+        </p:xfrm>
+        <a:graphic>
+          <a:graphicData uri="http://schemas.openxmlformats.org/drawingml/2006/table">
+            <a:tbl>
+              <a:tblPr firstRow="1" bandRow="1">
+                <a:tableStyleId>{306799F8-075E-4A3A-A7F6-7FBC6576F1A4}</a:tableStyleId>
+              </a:tblPr>
+              <a:tblGrid>
+                <a:gridCol w="937231">
+                  <a:extLst>
+                    <a:ext uri="{9D8B030D-6E8A-4147-A177-3AD203B41FA5}">
+                      <a16:colId xmlns:a16="http://schemas.microsoft.com/office/drawing/2014/main" val="3317698618"/>
+                    </a:ext>
+                  </a:extLst>
+                </a:gridCol>
+                <a:gridCol w="1173537">
+                  <a:extLst>
+                    <a:ext uri="{9D8B030D-6E8A-4147-A177-3AD203B41FA5}">
+                      <a16:colId xmlns:a16="http://schemas.microsoft.com/office/drawing/2014/main" val="1861613947"/>
+                    </a:ext>
+                  </a:extLst>
+                </a:gridCol>
+              </a:tblGrid>
+              <a:tr h="370840">
+                <a:tc gridSpan="2">
+                  <a:txBody>
+                    <a:bodyPr/>
+                    <a:lstStyle/>
+                    <a:p>
+                      <a:r>
+                        <a:rPr lang="en-US" dirty="0"/>
+                        <a:t>Question</a:t>
+                      </a:r>
+                      <a:endParaRPr lang="ru-RU" dirty="0"/>
+                    </a:p>
+                  </a:txBody>
+                  <a:tcPr/>
+                </a:tc>
+                <a:tc hMerge="1">
+                  <a:txBody>
+                    <a:bodyPr/>
+                    <a:lstStyle/>
+                    <a:p>
+                      <a:endParaRPr lang="ru-RU" dirty="0"/>
+                    </a:p>
+                  </a:txBody>
+                  <a:tcPr/>
+                </a:tc>
+                <a:extLst>
+                  <a:ext uri="{0D108BD9-81ED-4DB2-BD59-A6C34878D82A}">
+                    <a16:rowId xmlns:a16="http://schemas.microsoft.com/office/drawing/2014/main" val="2500611988"/>
+                  </a:ext>
+                </a:extLst>
+              </a:tr>
+              <a:tr h="370840">
+                <a:tc>
+                  <a:txBody>
+                    <a:bodyPr/>
+                    <a:lstStyle/>
+                    <a:p>
+                      <a:r>
+                        <a:rPr lang="en-US" dirty="0"/>
+                        <a:t>int</a:t>
+                      </a:r>
+                      <a:endParaRPr lang="ru-RU" dirty="0"/>
+                    </a:p>
+                  </a:txBody>
+                  <a:tcPr/>
+                </a:tc>
+                <a:tc>
+                  <a:txBody>
+                    <a:bodyPr/>
+                    <a:lstStyle/>
+                    <a:p>
+                      <a:r>
+                        <a:rPr lang="en-US" dirty="0"/>
+                        <a:t>id</a:t>
+                      </a:r>
+                      <a:endParaRPr lang="ru-RU" dirty="0"/>
+                    </a:p>
+                  </a:txBody>
+                  <a:tcPr/>
+                </a:tc>
+                <a:extLst>
+                  <a:ext uri="{0D108BD9-81ED-4DB2-BD59-A6C34878D82A}">
+                    <a16:rowId xmlns:a16="http://schemas.microsoft.com/office/drawing/2014/main" val="2695522381"/>
+                  </a:ext>
+                </a:extLst>
+              </a:tr>
+              <a:tr h="370840">
+                <a:tc>
+                  <a:txBody>
+                    <a:bodyPr/>
+                    <a:lstStyle/>
+                    <a:p>
+                      <a:r>
+                        <a:rPr lang="en-US" dirty="0"/>
+                        <a:t>String</a:t>
+                      </a:r>
+                      <a:endParaRPr lang="ru-RU" dirty="0"/>
+                    </a:p>
+                  </a:txBody>
+                  <a:tcPr/>
+                </a:tc>
+                <a:tc>
+                  <a:txBody>
+                    <a:bodyPr/>
+                    <a:lstStyle/>
+                    <a:p>
+                      <a:r>
+                        <a:rPr lang="en-US" dirty="0"/>
+                        <a:t>question</a:t>
+                      </a:r>
+                      <a:endParaRPr lang="ru-RU" dirty="0"/>
+                    </a:p>
+                  </a:txBody>
+                  <a:tcPr/>
+                </a:tc>
+                <a:extLst>
+                  <a:ext uri="{0D108BD9-81ED-4DB2-BD59-A6C34878D82A}">
+                    <a16:rowId xmlns:a16="http://schemas.microsoft.com/office/drawing/2014/main" val="1398030684"/>
+                  </a:ext>
+                </a:extLst>
+              </a:tr>
+              <a:tr h="370840">
+                <a:tc>
+                  <a:txBody>
+                    <a:bodyPr/>
+                    <a:lstStyle/>
+                    <a:p>
+                      <a:r>
+                        <a:rPr lang="en-US" dirty="0"/>
+                        <a:t>String</a:t>
+                      </a:r>
+                      <a:endParaRPr lang="ru-RU" dirty="0"/>
+                    </a:p>
+                  </a:txBody>
+                  <a:tcPr/>
+                </a:tc>
+                <a:tc>
+                  <a:txBody>
+                    <a:bodyPr/>
+                    <a:lstStyle/>
+                    <a:p>
+                      <a:r>
+                        <a:rPr lang="en-US" dirty="0"/>
+                        <a:t>type</a:t>
+                      </a:r>
+                      <a:endParaRPr lang="ru-RU" dirty="0"/>
+                    </a:p>
+                  </a:txBody>
+                  <a:tcPr/>
+                </a:tc>
+                <a:extLst>
+                  <a:ext uri="{0D108BD9-81ED-4DB2-BD59-A6C34878D82A}">
+                    <a16:rowId xmlns:a16="http://schemas.microsoft.com/office/drawing/2014/main" val="3725843725"/>
+                  </a:ext>
+                </a:extLst>
+              </a:tr>
+            </a:tbl>
+          </a:graphicData>
+        </a:graphic>
+      </p:graphicFrame>
+      <p:graphicFrame>
+        <p:nvGraphicFramePr>
+          <p:cNvPr id="25" name="Таблица 24">
+            <a:extLst>
+              <a:ext uri="{FF2B5EF4-FFF2-40B4-BE49-F238E27FC236}">
+                <a16:creationId xmlns:a16="http://schemas.microsoft.com/office/drawing/2014/main" id="{68203986-BB72-732B-D5F7-00F655FF0B16}"/>
+              </a:ext>
+            </a:extLst>
+          </p:cNvPr>
+          <p:cNvGraphicFramePr>
+            <a:graphicFrameLocks noGrp="1"/>
+          </p:cNvGraphicFramePr>
+          <p:nvPr>
+            <p:extLst>
+              <p:ext uri="{D42A27DB-BD31-4B8C-83A1-F6EECF244321}">
+                <p14:modId xmlns:p14="http://schemas.microsoft.com/office/powerpoint/2010/main" val="33661204"/>
+              </p:ext>
+            </p:extLst>
+          </p:nvPr>
+        </p:nvGraphicFramePr>
+        <p:xfrm>
+          <a:off x="3088880" y="5456906"/>
+          <a:ext cx="4227246" cy="1112520"/>
+        </p:xfrm>
+        <a:graphic>
+          <a:graphicData uri="http://schemas.openxmlformats.org/drawingml/2006/table">
+            <a:tbl>
+              <a:tblPr firstRow="1" bandRow="1">
+                <a:tableStyleId>{306799F8-075E-4A3A-A7F6-7FBC6576F1A4}</a:tableStyleId>
+              </a:tblPr>
+              <a:tblGrid>
+                <a:gridCol w="1876996">
+                  <a:extLst>
+                    <a:ext uri="{9D8B030D-6E8A-4147-A177-3AD203B41FA5}">
+                      <a16:colId xmlns:a16="http://schemas.microsoft.com/office/drawing/2014/main" val="3317698618"/>
+                    </a:ext>
+                  </a:extLst>
+                </a:gridCol>
+                <a:gridCol w="2350250">
+                  <a:extLst>
+                    <a:ext uri="{9D8B030D-6E8A-4147-A177-3AD203B41FA5}">
+                      <a16:colId xmlns:a16="http://schemas.microsoft.com/office/drawing/2014/main" val="1861613947"/>
+                    </a:ext>
+                  </a:extLst>
+                </a:gridCol>
+              </a:tblGrid>
+              <a:tr h="370840">
+                <a:tc gridSpan="2">
+                  <a:txBody>
+                    <a:bodyPr/>
+                    <a:lstStyle/>
+                    <a:p>
+                      <a:r>
+                        <a:rPr lang="en-US" dirty="0"/>
+                        <a:t>Answer</a:t>
+                      </a:r>
+                      <a:endParaRPr lang="ru-RU" dirty="0"/>
+                    </a:p>
+                  </a:txBody>
+                  <a:tcPr/>
+                </a:tc>
+                <a:tc hMerge="1">
+                  <a:txBody>
+                    <a:bodyPr/>
+                    <a:lstStyle/>
+                    <a:p>
+                      <a:endParaRPr lang="ru-RU" dirty="0"/>
+                    </a:p>
+                  </a:txBody>
+                  <a:tcPr/>
+                </a:tc>
+                <a:extLst>
+                  <a:ext uri="{0D108BD9-81ED-4DB2-BD59-A6C34878D82A}">
+                    <a16:rowId xmlns:a16="http://schemas.microsoft.com/office/drawing/2014/main" val="2500611988"/>
+                  </a:ext>
+                </a:extLst>
+              </a:tr>
+              <a:tr h="370840">
+                <a:tc>
+                  <a:txBody>
+                    <a:bodyPr/>
+                    <a:lstStyle/>
+                    <a:p>
+                      <a:r>
+                        <a:rPr lang="en-US" dirty="0"/>
+                        <a:t>int</a:t>
+                      </a:r>
+                      <a:endParaRPr lang="ru-RU" dirty="0"/>
+                    </a:p>
+                  </a:txBody>
+                  <a:tcPr/>
+                </a:tc>
+                <a:tc>
+                  <a:txBody>
+                    <a:bodyPr/>
+                    <a:lstStyle/>
+                    <a:p>
+                      <a:r>
+                        <a:rPr lang="en-US" dirty="0"/>
+                        <a:t>id</a:t>
+                      </a:r>
+                      <a:endParaRPr lang="ru-RU" dirty="0"/>
+                    </a:p>
+                  </a:txBody>
+                  <a:tcPr/>
+                </a:tc>
+                <a:extLst>
+                  <a:ext uri="{0D108BD9-81ED-4DB2-BD59-A6C34878D82A}">
+                    <a16:rowId xmlns:a16="http://schemas.microsoft.com/office/drawing/2014/main" val="2695522381"/>
+                  </a:ext>
+                </a:extLst>
+              </a:tr>
+              <a:tr h="370840">
+                <a:tc>
+                  <a:txBody>
+                    <a:bodyPr/>
+                    <a:lstStyle/>
+                    <a:p>
+                      <a:r>
+                        <a:rPr lang="en-US" dirty="0"/>
+                        <a:t>String</a:t>
+                      </a:r>
+                      <a:endParaRPr lang="ru-RU" dirty="0"/>
+                    </a:p>
+                  </a:txBody>
+                  <a:tcPr/>
+                </a:tc>
+                <a:tc>
+                  <a:txBody>
+                    <a:bodyPr/>
+                    <a:lstStyle/>
+                    <a:p>
+                      <a:r>
+                        <a:rPr lang="en-US" dirty="0"/>
+                        <a:t>answer</a:t>
+                      </a:r>
+                      <a:endParaRPr lang="ru-RU" dirty="0"/>
+                    </a:p>
+                  </a:txBody>
+                  <a:tcPr/>
+                </a:tc>
+                <a:extLst>
+                  <a:ext uri="{0D108BD9-81ED-4DB2-BD59-A6C34878D82A}">
+                    <a16:rowId xmlns:a16="http://schemas.microsoft.com/office/drawing/2014/main" val="1398030684"/>
+                  </a:ext>
+                </a:extLst>
+              </a:tr>
+            </a:tbl>
+          </a:graphicData>
+        </a:graphic>
+      </p:graphicFrame>
+      <p:cxnSp>
+        <p:nvCxnSpPr>
+          <p:cNvPr id="29" name="Прямая со стрелкой 28">
+            <a:extLst>
+              <a:ext uri="{FF2B5EF4-FFF2-40B4-BE49-F238E27FC236}">
+                <a16:creationId xmlns:a16="http://schemas.microsoft.com/office/drawing/2014/main" id="{D35EAA81-F251-C5CC-D08F-E42AAF296787}"/>
+              </a:ext>
+            </a:extLst>
+          </p:cNvPr>
+          <p:cNvCxnSpPr>
+            <a:cxnSpLocks/>
+          </p:cNvCxnSpPr>
+          <p:nvPr/>
+        </p:nvCxnSpPr>
+        <p:spPr>
+          <a:xfrm flipH="1">
+            <a:off x="5916591" y="4373222"/>
+            <a:ext cx="2061522" cy="105685"/>
+          </a:xfrm>
+          <a:prstGeom prst="straightConnector1">
+            <a:avLst/>
+          </a:prstGeom>
+          <a:ln>
+            <a:solidFill>
+              <a:srgbClr val="FF0000"/>
+            </a:solidFill>
+            <a:tailEnd type="triangle"/>
+          </a:ln>
+        </p:spPr>
+        <p:style>
+          <a:lnRef idx="3">
+            <a:schemeClr val="accent2"/>
+          </a:lnRef>
+          <a:fillRef idx="0">
+            <a:schemeClr val="accent2"/>
+          </a:fillRef>
+          <a:effectRef idx="2">
+            <a:schemeClr val="accent2"/>
+          </a:effectRef>
+          <a:fontRef idx="minor">
+            <a:schemeClr val="tx1"/>
+          </a:fontRef>
+        </p:style>
+      </p:cxnSp>
+      <p:cxnSp>
+        <p:nvCxnSpPr>
+          <p:cNvPr id="30" name="Прямая со стрелкой 29">
+            <a:extLst>
+              <a:ext uri="{FF2B5EF4-FFF2-40B4-BE49-F238E27FC236}">
+                <a16:creationId xmlns:a16="http://schemas.microsoft.com/office/drawing/2014/main" id="{8B0362E9-761B-1084-A391-2FE13BD06752}"/>
+              </a:ext>
+            </a:extLst>
+          </p:cNvPr>
+          <p:cNvCxnSpPr>
+            <a:cxnSpLocks/>
+          </p:cNvCxnSpPr>
+          <p:nvPr/>
+        </p:nvCxnSpPr>
+        <p:spPr>
+          <a:xfrm flipH="1">
+            <a:off x="6484385" y="4584593"/>
+            <a:ext cx="1609830" cy="1179209"/>
+          </a:xfrm>
+          <a:prstGeom prst="straightConnector1">
+            <a:avLst/>
+          </a:prstGeom>
+          <a:ln>
+            <a:solidFill>
+              <a:srgbClr val="FF0000"/>
+            </a:solidFill>
+            <a:tailEnd type="triangle"/>
+          </a:ln>
+        </p:spPr>
+        <p:style>
+          <a:lnRef idx="3">
+            <a:schemeClr val="accent2"/>
+          </a:lnRef>
+          <a:fillRef idx="0">
+            <a:schemeClr val="accent2"/>
+          </a:fillRef>
+          <a:effectRef idx="2">
+            <a:schemeClr val="accent2"/>
+          </a:effectRef>
+          <a:fontRef idx="minor">
+            <a:schemeClr val="tx1"/>
+          </a:fontRef>
+        </p:style>
+      </p:cxnSp>
+      <p:graphicFrame>
+        <p:nvGraphicFramePr>
+          <p:cNvPr id="34" name="Таблица 33">
+            <a:extLst>
+              <a:ext uri="{FF2B5EF4-FFF2-40B4-BE49-F238E27FC236}">
+                <a16:creationId xmlns:a16="http://schemas.microsoft.com/office/drawing/2014/main" id="{447081B0-2FA7-9063-B806-DEA19AFBA121}"/>
+              </a:ext>
+            </a:extLst>
+          </p:cNvPr>
+          <p:cNvGraphicFramePr>
+            <a:graphicFrameLocks noGrp="1"/>
+          </p:cNvGraphicFramePr>
+          <p:nvPr>
+            <p:extLst>
+              <p:ext uri="{D42A27DB-BD31-4B8C-83A1-F6EECF244321}">
+                <p14:modId xmlns:p14="http://schemas.microsoft.com/office/powerpoint/2010/main" val="3637332909"/>
+              </p:ext>
+            </p:extLst>
+          </p:nvPr>
+        </p:nvGraphicFramePr>
+        <p:xfrm>
+          <a:off x="9030984" y="5368306"/>
+          <a:ext cx="2721866" cy="1112520"/>
+        </p:xfrm>
+        <a:graphic>
+          <a:graphicData uri="http://schemas.openxmlformats.org/drawingml/2006/table">
+            <a:tbl>
+              <a:tblPr firstRow="1" bandRow="1">
+                <a:tableStyleId>{306799F8-075E-4A3A-A7F6-7FBC6576F1A4}</a:tableStyleId>
+              </a:tblPr>
+              <a:tblGrid>
+                <a:gridCol w="1208572">
+                  <a:extLst>
+                    <a:ext uri="{9D8B030D-6E8A-4147-A177-3AD203B41FA5}">
+                      <a16:colId xmlns:a16="http://schemas.microsoft.com/office/drawing/2014/main" val="3317698618"/>
+                    </a:ext>
+                  </a:extLst>
+                </a:gridCol>
+                <a:gridCol w="1513294">
+                  <a:extLst>
+                    <a:ext uri="{9D8B030D-6E8A-4147-A177-3AD203B41FA5}">
+                      <a16:colId xmlns:a16="http://schemas.microsoft.com/office/drawing/2014/main" val="1861613947"/>
+                    </a:ext>
+                  </a:extLst>
+                </a:gridCol>
+              </a:tblGrid>
+              <a:tr h="370840">
+                <a:tc gridSpan="2">
+                  <a:txBody>
+                    <a:bodyPr/>
+                    <a:lstStyle/>
+                    <a:p>
+                      <a:r>
+                        <a:rPr lang="en-US" dirty="0"/>
+                        <a:t>Phrase</a:t>
+                      </a:r>
+                      <a:endParaRPr lang="ru-RU" dirty="0"/>
+                    </a:p>
+                  </a:txBody>
+                  <a:tcPr/>
+                </a:tc>
+                <a:tc hMerge="1">
+                  <a:txBody>
+                    <a:bodyPr/>
+                    <a:lstStyle/>
+                    <a:p>
+                      <a:endParaRPr lang="ru-RU" dirty="0"/>
+                    </a:p>
+                  </a:txBody>
+                  <a:tcPr/>
+                </a:tc>
+                <a:extLst>
+                  <a:ext uri="{0D108BD9-81ED-4DB2-BD59-A6C34878D82A}">
+                    <a16:rowId xmlns:a16="http://schemas.microsoft.com/office/drawing/2014/main" val="2500611988"/>
+                  </a:ext>
+                </a:extLst>
+              </a:tr>
+              <a:tr h="370840">
+                <a:tc>
+                  <a:txBody>
+                    <a:bodyPr/>
+                    <a:lstStyle/>
+                    <a:p>
+                      <a:r>
+                        <a:rPr lang="en-US" dirty="0"/>
+                        <a:t>int</a:t>
+                      </a:r>
+                      <a:endParaRPr lang="ru-RU" dirty="0"/>
+                    </a:p>
+                  </a:txBody>
+                  <a:tcPr/>
+                </a:tc>
+                <a:tc>
+                  <a:txBody>
+                    <a:bodyPr/>
+                    <a:lstStyle/>
+                    <a:p>
+                      <a:r>
+                        <a:rPr lang="en-US" dirty="0"/>
+                        <a:t>id</a:t>
+                      </a:r>
+                      <a:endParaRPr lang="ru-RU" dirty="0"/>
+                    </a:p>
+                  </a:txBody>
+                  <a:tcPr/>
+                </a:tc>
+                <a:extLst>
+                  <a:ext uri="{0D108BD9-81ED-4DB2-BD59-A6C34878D82A}">
+                    <a16:rowId xmlns:a16="http://schemas.microsoft.com/office/drawing/2014/main" val="2695522381"/>
+                  </a:ext>
+                </a:extLst>
+              </a:tr>
+              <a:tr h="370840">
+                <a:tc>
+                  <a:txBody>
+                    <a:bodyPr/>
+                    <a:lstStyle/>
+                    <a:p>
+                      <a:r>
+                        <a:rPr lang="en-US" dirty="0"/>
+                        <a:t>String</a:t>
+                      </a:r>
+                      <a:endParaRPr lang="ru-RU" dirty="0"/>
+                    </a:p>
+                  </a:txBody>
+                  <a:tcPr/>
+                </a:tc>
+                <a:tc>
+                  <a:txBody>
+                    <a:bodyPr/>
+                    <a:lstStyle/>
+                    <a:p>
+                      <a:r>
+                        <a:rPr lang="en-US" dirty="0"/>
+                        <a:t>phrase</a:t>
+                      </a:r>
+                      <a:endParaRPr lang="ru-RU" dirty="0"/>
+                    </a:p>
+                  </a:txBody>
+                  <a:tcPr/>
+                </a:tc>
+                <a:extLst>
+                  <a:ext uri="{0D108BD9-81ED-4DB2-BD59-A6C34878D82A}">
+                    <a16:rowId xmlns:a16="http://schemas.microsoft.com/office/drawing/2014/main" val="1398030684"/>
+                  </a:ext>
+                </a:extLst>
+              </a:tr>
+            </a:tbl>
+          </a:graphicData>
+        </a:graphic>
+      </p:graphicFrame>
+    </p:spTree>
+    <p:extLst>
+      <p:ext uri="{BB962C8B-B14F-4D97-AF65-F5344CB8AC3E}">
+        <p14:creationId xmlns:p14="http://schemas.microsoft.com/office/powerpoint/2010/main" val="2266486609"/>
+      </p:ext>
+    </p:extLst>
+  </p:cSld>
+  <p:clrMapOvr>
+    <a:masterClrMapping/>
+  </p:clrMapOvr>
+</p:sld>
+</file>
+
+<file path=ppt/slides/slide10.xml><?xml version="1.0" encoding="utf-8"?>
+<p:sld xmlns:a="http://schemas.openxmlformats.org/drawingml/2006/main" xmlns:r="http://schemas.openxmlformats.org/officeDocument/2006/relationships" xmlns:p="http://schemas.openxmlformats.org/presentationml/2006/main">
+  <p:cSld>
+    <p:spTree>
+      <p:nvGrpSpPr>
+        <p:cNvPr id="1" name=""/>
+        <p:cNvGrpSpPr/>
+        <p:nvPr/>
+      </p:nvGrpSpPr>
+      <p:grpSpPr>
+        <a:xfrm>
+          <a:off x="0" y="0"/>
+          <a:ext cx="0" cy="0"/>
+          <a:chOff x="0" y="0"/>
+          <a:chExt cx="0" cy="0"/>
+        </a:xfrm>
+      </p:grpSpPr>
+      <p:sp>
+        <p:nvSpPr>
+          <p:cNvPr id="4" name="TextBox 3">
+            <a:extLst>
+              <a:ext uri="{FF2B5EF4-FFF2-40B4-BE49-F238E27FC236}">
+                <a16:creationId xmlns:a16="http://schemas.microsoft.com/office/drawing/2014/main" id="{E96F7754-9594-9225-01A6-ADF3C4B1830C}"/>
+              </a:ext>
+            </a:extLst>
+          </p:cNvPr>
+          <p:cNvSpPr txBox="1"/>
+          <p:nvPr/>
+        </p:nvSpPr>
+        <p:spPr>
+          <a:xfrm>
+            <a:off x="195209" y="267128"/>
+            <a:ext cx="11126912" cy="707886"/>
+          </a:xfrm>
+          <a:prstGeom prst="rect">
+            <a:avLst/>
+          </a:prstGeom>
+          <a:noFill/>
+        </p:spPr>
+        <p:txBody>
+          <a:bodyPr wrap="square" rtlCol="0">
+            <a:spAutoFit/>
+          </a:bodyPr>
+          <a:lstStyle/>
+          <a:p>
+            <a:r>
+              <a:rPr lang="en-US" sz="2000" dirty="0"/>
+              <a:t>Page</a:t>
+            </a:r>
+            <a:r>
+              <a:rPr lang="ru-RU" sz="2000" dirty="0"/>
+              <a:t>:</a:t>
+            </a:r>
+            <a:endParaRPr lang="en-US" sz="2000" dirty="0"/>
+          </a:p>
+          <a:p>
+            <a:r>
+              <a:rPr lang="en-US" sz="2000" dirty="0">
+                <a:solidFill>
+                  <a:srgbClr val="FF0000"/>
+                </a:solidFill>
+              </a:rPr>
+              <a:t>If not possible: 911</a:t>
+            </a:r>
+          </a:p>
+        </p:txBody>
+      </p:sp>
+      <p:cxnSp>
+        <p:nvCxnSpPr>
+          <p:cNvPr id="5" name="Прямая соединительная линия 4">
+            <a:extLst>
+              <a:ext uri="{FF2B5EF4-FFF2-40B4-BE49-F238E27FC236}">
+                <a16:creationId xmlns:a16="http://schemas.microsoft.com/office/drawing/2014/main" id="{364DEB66-4014-4C60-5F5C-2D31D75AF634}"/>
+              </a:ext>
+            </a:extLst>
+          </p:cNvPr>
+          <p:cNvCxnSpPr/>
+          <p:nvPr/>
+        </p:nvCxnSpPr>
+        <p:spPr>
+          <a:xfrm>
+            <a:off x="4530903" y="123190"/>
+            <a:ext cx="0" cy="6734810"/>
+          </a:xfrm>
+          <a:prstGeom prst="line">
+            <a:avLst/>
+          </a:prstGeom>
+          <a:ln w="38100">
+            <a:prstDash val="lgDashDot"/>
+          </a:ln>
+        </p:spPr>
+        <p:style>
+          <a:lnRef idx="1">
+            <a:schemeClr val="accent2"/>
+          </a:lnRef>
+          <a:fillRef idx="0">
+            <a:schemeClr val="accent2"/>
+          </a:fillRef>
+          <a:effectRef idx="0">
+            <a:schemeClr val="accent2"/>
+          </a:effectRef>
+          <a:fontRef idx="minor">
+            <a:schemeClr val="tx1"/>
+          </a:fontRef>
+        </p:style>
+      </p:cxnSp>
+      <p:cxnSp>
+        <p:nvCxnSpPr>
+          <p:cNvPr id="6" name="Прямая со стрелкой 5">
+            <a:extLst>
+              <a:ext uri="{FF2B5EF4-FFF2-40B4-BE49-F238E27FC236}">
+                <a16:creationId xmlns:a16="http://schemas.microsoft.com/office/drawing/2014/main" id="{825EC091-C822-5C74-68E8-BB9517950DB9}"/>
+              </a:ext>
+            </a:extLst>
+          </p:cNvPr>
+          <p:cNvCxnSpPr>
+            <a:cxnSpLocks/>
+          </p:cNvCxnSpPr>
+          <p:nvPr/>
+        </p:nvCxnSpPr>
+        <p:spPr>
+          <a:xfrm flipH="1" flipV="1">
+            <a:off x="1480874" y="3535021"/>
+            <a:ext cx="835887" cy="1891369"/>
+          </a:xfrm>
+          <a:prstGeom prst="straightConnector1">
+            <a:avLst/>
+          </a:prstGeom>
+          <a:ln w="57150">
+            <a:tailEnd type="triangle"/>
+          </a:ln>
+        </p:spPr>
+        <p:style>
+          <a:lnRef idx="1">
+            <a:schemeClr val="accent1"/>
+          </a:lnRef>
+          <a:fillRef idx="0">
+            <a:schemeClr val="accent1"/>
+          </a:fillRef>
+          <a:effectRef idx="0">
+            <a:schemeClr val="accent1"/>
+          </a:effectRef>
+          <a:fontRef idx="minor">
+            <a:schemeClr val="tx1"/>
+          </a:fontRef>
+        </p:style>
+      </p:cxnSp>
+      <p:sp>
+        <p:nvSpPr>
+          <p:cNvPr id="7" name="Прямоугольник: скругленные углы 6">
+            <a:extLst>
+              <a:ext uri="{FF2B5EF4-FFF2-40B4-BE49-F238E27FC236}">
+                <a16:creationId xmlns:a16="http://schemas.microsoft.com/office/drawing/2014/main" id="{0A7C352C-F969-CC69-6350-2491336CC401}"/>
+              </a:ext>
+            </a:extLst>
+          </p:cNvPr>
+          <p:cNvSpPr/>
+          <p:nvPr/>
+        </p:nvSpPr>
+        <p:spPr>
+          <a:xfrm>
+            <a:off x="329482" y="2411533"/>
+            <a:ext cx="1695236" cy="1171253"/>
+          </a:xfrm>
+          <a:prstGeom prst="roundRect">
+            <a:avLst/>
+          </a:prstGeom>
+          <a:noFill/>
+          <a:ln w="28575">
+            <a:solidFill>
+              <a:srgbClr val="FF0000"/>
+            </a:solidFill>
+          </a:ln>
+        </p:spPr>
+        <p:style>
+          <a:lnRef idx="2">
+            <a:schemeClr val="accent6"/>
+          </a:lnRef>
+          <a:fillRef idx="1">
+            <a:schemeClr val="lt1"/>
+          </a:fillRef>
+          <a:effectRef idx="0">
+            <a:schemeClr val="accent6"/>
+          </a:effectRef>
+          <a:fontRef idx="minor">
+            <a:schemeClr val="dk1"/>
+          </a:fontRef>
+        </p:style>
+        <p:txBody>
+          <a:bodyPr rtlCol="0" anchor="ctr"/>
+          <a:lstStyle/>
+          <a:p>
+            <a:pPr algn="ctr"/>
+            <a:endParaRPr lang="ru-RU"/>
+          </a:p>
+        </p:txBody>
+      </p:sp>
+      <p:sp>
+        <p:nvSpPr>
+          <p:cNvPr id="8" name="TextBox 7">
+            <a:extLst>
+              <a:ext uri="{FF2B5EF4-FFF2-40B4-BE49-F238E27FC236}">
+                <a16:creationId xmlns:a16="http://schemas.microsoft.com/office/drawing/2014/main" id="{D3CD3BF6-ACDE-6CDE-972F-8E6ADA38BEA3}"/>
+              </a:ext>
+            </a:extLst>
+          </p:cNvPr>
+          <p:cNvSpPr txBox="1"/>
+          <p:nvPr/>
+        </p:nvSpPr>
+        <p:spPr>
+          <a:xfrm>
+            <a:off x="253808" y="5426390"/>
+            <a:ext cx="4125905" cy="1200329"/>
+          </a:xfrm>
+          <a:prstGeom prst="rect">
+            <a:avLst/>
+          </a:prstGeom>
+          <a:noFill/>
+          <a:ln w="28575">
+            <a:solidFill>
+              <a:srgbClr val="0070C0"/>
+            </a:solidFill>
+            <a:prstDash val="dash"/>
+          </a:ln>
+        </p:spPr>
+        <p:txBody>
+          <a:bodyPr wrap="square" rtlCol="0">
+            <a:spAutoFit/>
+          </a:bodyPr>
+          <a:lstStyle/>
+          <a:p>
+            <a:r>
+              <a:rPr lang="en-US" dirty="0">
+                <a:solidFill>
+                  <a:srgbClr val="0070C0"/>
+                </a:solidFill>
+              </a:rPr>
+              <a:t>lotusmedi.com/</a:t>
+            </a:r>
+            <a:r>
+              <a:rPr lang="en-US" dirty="0" err="1">
+                <a:solidFill>
+                  <a:srgbClr val="0070C0"/>
+                </a:solidFill>
+              </a:rPr>
+              <a:t>login?user</a:t>
+            </a:r>
+            <a:r>
+              <a:rPr lang="en-US" dirty="0">
+                <a:solidFill>
+                  <a:srgbClr val="0070C0"/>
+                </a:solidFill>
+              </a:rPr>
+              <a:t>=***</a:t>
+            </a:r>
+            <a:r>
+              <a:rPr lang="en-US" dirty="0" err="1">
+                <a:solidFill>
+                  <a:srgbClr val="0070C0"/>
+                </a:solidFill>
+              </a:rPr>
+              <a:t>pwd</a:t>
+            </a:r>
+            <a:r>
+              <a:rPr lang="en-US" dirty="0">
+                <a:solidFill>
+                  <a:srgbClr val="0070C0"/>
+                </a:solidFill>
+              </a:rPr>
+              <a:t>=***</a:t>
+            </a:r>
+          </a:p>
+          <a:p>
+            <a:r>
+              <a:rPr lang="en-US" dirty="0"/>
+              <a:t>Fields:</a:t>
+            </a:r>
+          </a:p>
+          <a:p>
+            <a:r>
+              <a:rPr lang="en-US" dirty="0"/>
+              <a:t>String user</a:t>
+            </a:r>
+          </a:p>
+          <a:p>
+            <a:r>
+              <a:rPr lang="en-US" dirty="0"/>
+              <a:t>String </a:t>
+            </a:r>
+            <a:r>
+              <a:rPr lang="en-US" dirty="0" err="1"/>
+              <a:t>pwd</a:t>
+            </a:r>
+            <a:endParaRPr lang="ru-RU" dirty="0"/>
+          </a:p>
+        </p:txBody>
+      </p:sp>
+    </p:spTree>
+    <p:extLst>
+      <p:ext uri="{BB962C8B-B14F-4D97-AF65-F5344CB8AC3E}">
+        <p14:creationId xmlns:p14="http://schemas.microsoft.com/office/powerpoint/2010/main" val="3121215226"/>
+      </p:ext>
+    </p:extLst>
+  </p:cSld>
+  <p:clrMapOvr>
+    <a:masterClrMapping/>
+  </p:clrMapOvr>
+</p:sld>
+</file>
+
+<file path=ppt/slides/slide11.xml><?xml version="1.0" encoding="utf-8"?>
+<p:sld xmlns:a="http://schemas.openxmlformats.org/drawingml/2006/main" xmlns:r="http://schemas.openxmlformats.org/officeDocument/2006/relationships" xmlns:p="http://schemas.openxmlformats.org/presentationml/2006/main">
+  <p:cSld>
+    <p:spTree>
+      <p:nvGrpSpPr>
+        <p:cNvPr id="1" name=""/>
+        <p:cNvGrpSpPr/>
+        <p:nvPr/>
+      </p:nvGrpSpPr>
+      <p:grpSpPr>
+        <a:xfrm>
+          <a:off x="0" y="0"/>
+          <a:ext cx="0" cy="0"/>
+          <a:chOff x="0" y="0"/>
+          <a:chExt cx="0" cy="0"/>
+        </a:xfrm>
+      </p:grpSpPr>
+      <p:sp>
+        <p:nvSpPr>
+          <p:cNvPr id="4" name="TextBox 3">
+            <a:extLst>
+              <a:ext uri="{FF2B5EF4-FFF2-40B4-BE49-F238E27FC236}">
+                <a16:creationId xmlns:a16="http://schemas.microsoft.com/office/drawing/2014/main" id="{E96F7754-9594-9225-01A6-ADF3C4B1830C}"/>
+              </a:ext>
+            </a:extLst>
+          </p:cNvPr>
+          <p:cNvSpPr txBox="1"/>
+          <p:nvPr/>
+        </p:nvSpPr>
+        <p:spPr>
+          <a:xfrm>
+            <a:off x="195209" y="267128"/>
+            <a:ext cx="11126912" cy="707886"/>
+          </a:xfrm>
+          <a:prstGeom prst="rect">
+            <a:avLst/>
+          </a:prstGeom>
+          <a:noFill/>
+        </p:spPr>
+        <p:txBody>
+          <a:bodyPr wrap="square" rtlCol="0">
+            <a:spAutoFit/>
+          </a:bodyPr>
+          <a:lstStyle/>
+          <a:p>
+            <a:r>
+              <a:rPr lang="en-US" sz="2000" dirty="0"/>
+              <a:t>Page</a:t>
+            </a:r>
+            <a:r>
+              <a:rPr lang="ru-RU" sz="2000" dirty="0"/>
+              <a:t>:</a:t>
+            </a:r>
+            <a:endParaRPr lang="en-US" sz="2000" dirty="0"/>
+          </a:p>
+          <a:p>
+            <a:r>
+              <a:rPr lang="en-US" sz="2000" dirty="0">
+                <a:solidFill>
+                  <a:srgbClr val="FF0000"/>
+                </a:solidFill>
+              </a:rPr>
+              <a:t>If not possible: 911</a:t>
+            </a:r>
+          </a:p>
+        </p:txBody>
+      </p:sp>
+      <p:cxnSp>
+        <p:nvCxnSpPr>
+          <p:cNvPr id="5" name="Прямая соединительная линия 4">
+            <a:extLst>
+              <a:ext uri="{FF2B5EF4-FFF2-40B4-BE49-F238E27FC236}">
+                <a16:creationId xmlns:a16="http://schemas.microsoft.com/office/drawing/2014/main" id="{364DEB66-4014-4C60-5F5C-2D31D75AF634}"/>
+              </a:ext>
+            </a:extLst>
+          </p:cNvPr>
+          <p:cNvCxnSpPr/>
+          <p:nvPr/>
+        </p:nvCxnSpPr>
+        <p:spPr>
+          <a:xfrm>
+            <a:off x="4530903" y="123190"/>
+            <a:ext cx="0" cy="6734810"/>
+          </a:xfrm>
+          <a:prstGeom prst="line">
+            <a:avLst/>
+          </a:prstGeom>
+          <a:ln w="38100">
+            <a:prstDash val="lgDashDot"/>
+          </a:ln>
+        </p:spPr>
+        <p:style>
+          <a:lnRef idx="1">
+            <a:schemeClr val="accent2"/>
+          </a:lnRef>
+          <a:fillRef idx="0">
+            <a:schemeClr val="accent2"/>
+          </a:fillRef>
+          <a:effectRef idx="0">
+            <a:schemeClr val="accent2"/>
+          </a:effectRef>
+          <a:fontRef idx="minor">
+            <a:schemeClr val="tx1"/>
+          </a:fontRef>
+        </p:style>
+      </p:cxnSp>
+      <p:cxnSp>
+        <p:nvCxnSpPr>
+          <p:cNvPr id="6" name="Прямая со стрелкой 5">
+            <a:extLst>
+              <a:ext uri="{FF2B5EF4-FFF2-40B4-BE49-F238E27FC236}">
+                <a16:creationId xmlns:a16="http://schemas.microsoft.com/office/drawing/2014/main" id="{825EC091-C822-5C74-68E8-BB9517950DB9}"/>
+              </a:ext>
+            </a:extLst>
+          </p:cNvPr>
+          <p:cNvCxnSpPr>
+            <a:cxnSpLocks/>
+          </p:cNvCxnSpPr>
+          <p:nvPr/>
+        </p:nvCxnSpPr>
+        <p:spPr>
+          <a:xfrm flipH="1" flipV="1">
+            <a:off x="1480874" y="3535021"/>
+            <a:ext cx="835887" cy="1891369"/>
+          </a:xfrm>
+          <a:prstGeom prst="straightConnector1">
+            <a:avLst/>
+          </a:prstGeom>
+          <a:ln w="57150">
+            <a:tailEnd type="triangle"/>
+          </a:ln>
+        </p:spPr>
+        <p:style>
+          <a:lnRef idx="1">
+            <a:schemeClr val="accent1"/>
+          </a:lnRef>
+          <a:fillRef idx="0">
+            <a:schemeClr val="accent1"/>
+          </a:fillRef>
+          <a:effectRef idx="0">
+            <a:schemeClr val="accent1"/>
+          </a:effectRef>
+          <a:fontRef idx="minor">
+            <a:schemeClr val="tx1"/>
+          </a:fontRef>
+        </p:style>
+      </p:cxnSp>
+      <p:sp>
+        <p:nvSpPr>
+          <p:cNvPr id="7" name="Прямоугольник: скругленные углы 6">
+            <a:extLst>
+              <a:ext uri="{FF2B5EF4-FFF2-40B4-BE49-F238E27FC236}">
+                <a16:creationId xmlns:a16="http://schemas.microsoft.com/office/drawing/2014/main" id="{0A7C352C-F969-CC69-6350-2491336CC401}"/>
+              </a:ext>
+            </a:extLst>
+          </p:cNvPr>
+          <p:cNvSpPr/>
+          <p:nvPr/>
+        </p:nvSpPr>
+        <p:spPr>
+          <a:xfrm>
+            <a:off x="329482" y="2411533"/>
+            <a:ext cx="1695236" cy="1171253"/>
+          </a:xfrm>
+          <a:prstGeom prst="roundRect">
+            <a:avLst/>
+          </a:prstGeom>
+          <a:noFill/>
+          <a:ln w="28575">
+            <a:solidFill>
+              <a:srgbClr val="FF0000"/>
+            </a:solidFill>
+          </a:ln>
+        </p:spPr>
+        <p:style>
+          <a:lnRef idx="2">
+            <a:schemeClr val="accent6"/>
+          </a:lnRef>
+          <a:fillRef idx="1">
+            <a:schemeClr val="lt1"/>
+          </a:fillRef>
+          <a:effectRef idx="0">
+            <a:schemeClr val="accent6"/>
+          </a:effectRef>
+          <a:fontRef idx="minor">
+            <a:schemeClr val="dk1"/>
+          </a:fontRef>
+        </p:style>
+        <p:txBody>
+          <a:bodyPr rtlCol="0" anchor="ctr"/>
+          <a:lstStyle/>
+          <a:p>
+            <a:pPr algn="ctr"/>
+            <a:endParaRPr lang="ru-RU"/>
+          </a:p>
+        </p:txBody>
+      </p:sp>
+      <p:sp>
+        <p:nvSpPr>
+          <p:cNvPr id="8" name="TextBox 7">
+            <a:extLst>
+              <a:ext uri="{FF2B5EF4-FFF2-40B4-BE49-F238E27FC236}">
+                <a16:creationId xmlns:a16="http://schemas.microsoft.com/office/drawing/2014/main" id="{D3CD3BF6-ACDE-6CDE-972F-8E6ADA38BEA3}"/>
+              </a:ext>
+            </a:extLst>
+          </p:cNvPr>
+          <p:cNvSpPr txBox="1"/>
+          <p:nvPr/>
+        </p:nvSpPr>
+        <p:spPr>
+          <a:xfrm>
+            <a:off x="253808" y="5426390"/>
+            <a:ext cx="4125905" cy="1200329"/>
+          </a:xfrm>
+          <a:prstGeom prst="rect">
+            <a:avLst/>
+          </a:prstGeom>
+          <a:noFill/>
+          <a:ln w="28575">
+            <a:solidFill>
+              <a:srgbClr val="0070C0"/>
+            </a:solidFill>
+            <a:prstDash val="dash"/>
+          </a:ln>
+        </p:spPr>
+        <p:txBody>
+          <a:bodyPr wrap="square" rtlCol="0">
+            <a:spAutoFit/>
+          </a:bodyPr>
+          <a:lstStyle/>
+          <a:p>
+            <a:r>
+              <a:rPr lang="en-US" dirty="0">
+                <a:solidFill>
+                  <a:srgbClr val="0070C0"/>
+                </a:solidFill>
+              </a:rPr>
+              <a:t>lotusmedi.com/</a:t>
+            </a:r>
+            <a:r>
+              <a:rPr lang="en-US" dirty="0" err="1">
+                <a:solidFill>
+                  <a:srgbClr val="0070C0"/>
+                </a:solidFill>
+              </a:rPr>
+              <a:t>login?user</a:t>
+            </a:r>
+            <a:r>
+              <a:rPr lang="en-US" dirty="0">
+                <a:solidFill>
+                  <a:srgbClr val="0070C0"/>
+                </a:solidFill>
+              </a:rPr>
+              <a:t>=***</a:t>
+            </a:r>
+            <a:r>
+              <a:rPr lang="en-US" dirty="0" err="1">
+                <a:solidFill>
+                  <a:srgbClr val="0070C0"/>
+                </a:solidFill>
+              </a:rPr>
+              <a:t>pwd</a:t>
+            </a:r>
+            <a:r>
+              <a:rPr lang="en-US" dirty="0">
+                <a:solidFill>
+                  <a:srgbClr val="0070C0"/>
+                </a:solidFill>
+              </a:rPr>
+              <a:t>=***</a:t>
+            </a:r>
+          </a:p>
+          <a:p>
+            <a:r>
+              <a:rPr lang="en-US" dirty="0"/>
+              <a:t>Fields:</a:t>
+            </a:r>
+          </a:p>
+          <a:p>
+            <a:r>
+              <a:rPr lang="en-US" dirty="0"/>
+              <a:t>String user</a:t>
+            </a:r>
+          </a:p>
+          <a:p>
+            <a:r>
+              <a:rPr lang="en-US" dirty="0"/>
+              <a:t>String </a:t>
+            </a:r>
+            <a:r>
+              <a:rPr lang="en-US" dirty="0" err="1"/>
+              <a:t>pwd</a:t>
+            </a:r>
+            <a:endParaRPr lang="ru-RU" dirty="0"/>
+          </a:p>
+        </p:txBody>
+      </p:sp>
+    </p:spTree>
+    <p:extLst>
+      <p:ext uri="{BB962C8B-B14F-4D97-AF65-F5344CB8AC3E}">
+        <p14:creationId xmlns:p14="http://schemas.microsoft.com/office/powerpoint/2010/main" val="2348504466"/>
+      </p:ext>
+    </p:extLst>
+  </p:cSld>
+  <p:clrMapOvr>
+    <a:masterClrMapping/>
+  </p:clrMapOvr>
+</p:sld>
+</file>
+
+<file path=ppt/slides/slide12.xml><?xml version="1.0" encoding="utf-8"?>
+<p:sld xmlns:a="http://schemas.openxmlformats.org/drawingml/2006/main" xmlns:r="http://schemas.openxmlformats.org/officeDocument/2006/relationships" xmlns:p="http://schemas.openxmlformats.org/presentationml/2006/main">
+  <p:cSld>
+    <p:spTree>
+      <p:nvGrpSpPr>
+        <p:cNvPr id="1" name=""/>
+        <p:cNvGrpSpPr/>
+        <p:nvPr/>
+      </p:nvGrpSpPr>
+      <p:grpSpPr>
+        <a:xfrm>
+          <a:off x="0" y="0"/>
+          <a:ext cx="0" cy="0"/>
+          <a:chOff x="0" y="0"/>
+          <a:chExt cx="0" cy="0"/>
+        </a:xfrm>
+      </p:grpSpPr>
+      <p:sp>
+        <p:nvSpPr>
+          <p:cNvPr id="4" name="TextBox 3">
+            <a:extLst>
+              <a:ext uri="{FF2B5EF4-FFF2-40B4-BE49-F238E27FC236}">
+                <a16:creationId xmlns:a16="http://schemas.microsoft.com/office/drawing/2014/main" id="{E96F7754-9594-9225-01A6-ADF3C4B1830C}"/>
+              </a:ext>
+            </a:extLst>
+          </p:cNvPr>
+          <p:cNvSpPr txBox="1"/>
+          <p:nvPr/>
+        </p:nvSpPr>
+        <p:spPr>
+          <a:xfrm>
+            <a:off x="195209" y="267128"/>
+            <a:ext cx="11126912" cy="707886"/>
+          </a:xfrm>
+          <a:prstGeom prst="rect">
+            <a:avLst/>
+          </a:prstGeom>
+          <a:noFill/>
+        </p:spPr>
+        <p:txBody>
+          <a:bodyPr wrap="square" rtlCol="0">
+            <a:spAutoFit/>
+          </a:bodyPr>
+          <a:lstStyle/>
+          <a:p>
+            <a:r>
+              <a:rPr lang="en-US" sz="2000" dirty="0"/>
+              <a:t>Page</a:t>
+            </a:r>
+            <a:r>
+              <a:rPr lang="ru-RU" sz="2000" dirty="0"/>
+              <a:t>:</a:t>
+            </a:r>
+            <a:endParaRPr lang="en-US" sz="2000" dirty="0"/>
+          </a:p>
+          <a:p>
+            <a:r>
+              <a:rPr lang="en-US" sz="2000" dirty="0">
+                <a:solidFill>
+                  <a:srgbClr val="FF0000"/>
+                </a:solidFill>
+              </a:rPr>
+              <a:t>If not possible: 911</a:t>
+            </a:r>
+          </a:p>
+        </p:txBody>
+      </p:sp>
+      <p:cxnSp>
+        <p:nvCxnSpPr>
+          <p:cNvPr id="5" name="Прямая соединительная линия 4">
+            <a:extLst>
+              <a:ext uri="{FF2B5EF4-FFF2-40B4-BE49-F238E27FC236}">
+                <a16:creationId xmlns:a16="http://schemas.microsoft.com/office/drawing/2014/main" id="{364DEB66-4014-4C60-5F5C-2D31D75AF634}"/>
+              </a:ext>
+            </a:extLst>
+          </p:cNvPr>
+          <p:cNvCxnSpPr/>
+          <p:nvPr/>
+        </p:nvCxnSpPr>
+        <p:spPr>
+          <a:xfrm>
+            <a:off x="4530903" y="123190"/>
+            <a:ext cx="0" cy="6734810"/>
+          </a:xfrm>
+          <a:prstGeom prst="line">
+            <a:avLst/>
+          </a:prstGeom>
+          <a:ln w="38100">
+            <a:prstDash val="lgDashDot"/>
+          </a:ln>
+        </p:spPr>
+        <p:style>
+          <a:lnRef idx="1">
+            <a:schemeClr val="accent2"/>
+          </a:lnRef>
+          <a:fillRef idx="0">
+            <a:schemeClr val="accent2"/>
+          </a:fillRef>
+          <a:effectRef idx="0">
+            <a:schemeClr val="accent2"/>
+          </a:effectRef>
+          <a:fontRef idx="minor">
+            <a:schemeClr val="tx1"/>
+          </a:fontRef>
+        </p:style>
+      </p:cxnSp>
+      <p:cxnSp>
+        <p:nvCxnSpPr>
+          <p:cNvPr id="6" name="Прямая со стрелкой 5">
+            <a:extLst>
+              <a:ext uri="{FF2B5EF4-FFF2-40B4-BE49-F238E27FC236}">
+                <a16:creationId xmlns:a16="http://schemas.microsoft.com/office/drawing/2014/main" id="{825EC091-C822-5C74-68E8-BB9517950DB9}"/>
+              </a:ext>
+            </a:extLst>
+          </p:cNvPr>
+          <p:cNvCxnSpPr>
+            <a:cxnSpLocks/>
+          </p:cNvCxnSpPr>
+          <p:nvPr/>
+        </p:nvCxnSpPr>
+        <p:spPr>
+          <a:xfrm flipH="1" flipV="1">
+            <a:off x="1480874" y="3535021"/>
+            <a:ext cx="835887" cy="1891369"/>
+          </a:xfrm>
+          <a:prstGeom prst="straightConnector1">
+            <a:avLst/>
+          </a:prstGeom>
+          <a:ln w="57150">
+            <a:tailEnd type="triangle"/>
+          </a:ln>
+        </p:spPr>
+        <p:style>
+          <a:lnRef idx="1">
+            <a:schemeClr val="accent1"/>
+          </a:lnRef>
+          <a:fillRef idx="0">
+            <a:schemeClr val="accent1"/>
+          </a:fillRef>
+          <a:effectRef idx="0">
+            <a:schemeClr val="accent1"/>
+          </a:effectRef>
+          <a:fontRef idx="minor">
+            <a:schemeClr val="tx1"/>
+          </a:fontRef>
+        </p:style>
+      </p:cxnSp>
+      <p:sp>
+        <p:nvSpPr>
+          <p:cNvPr id="7" name="Прямоугольник: скругленные углы 6">
+            <a:extLst>
+              <a:ext uri="{FF2B5EF4-FFF2-40B4-BE49-F238E27FC236}">
+                <a16:creationId xmlns:a16="http://schemas.microsoft.com/office/drawing/2014/main" id="{0A7C352C-F969-CC69-6350-2491336CC401}"/>
+              </a:ext>
+            </a:extLst>
+          </p:cNvPr>
+          <p:cNvSpPr/>
+          <p:nvPr/>
+        </p:nvSpPr>
+        <p:spPr>
+          <a:xfrm>
+            <a:off x="329482" y="2411533"/>
+            <a:ext cx="1695236" cy="1171253"/>
+          </a:xfrm>
+          <a:prstGeom prst="roundRect">
+            <a:avLst/>
+          </a:prstGeom>
+          <a:noFill/>
+          <a:ln w="28575">
+            <a:solidFill>
+              <a:srgbClr val="FF0000"/>
+            </a:solidFill>
+          </a:ln>
+        </p:spPr>
+        <p:style>
+          <a:lnRef idx="2">
+            <a:schemeClr val="accent6"/>
+          </a:lnRef>
+          <a:fillRef idx="1">
+            <a:schemeClr val="lt1"/>
+          </a:fillRef>
+          <a:effectRef idx="0">
+            <a:schemeClr val="accent6"/>
+          </a:effectRef>
+          <a:fontRef idx="minor">
+            <a:schemeClr val="dk1"/>
+          </a:fontRef>
+        </p:style>
+        <p:txBody>
+          <a:bodyPr rtlCol="0" anchor="ctr"/>
+          <a:lstStyle/>
+          <a:p>
+            <a:pPr algn="ctr"/>
+            <a:endParaRPr lang="ru-RU"/>
+          </a:p>
+        </p:txBody>
+      </p:sp>
+      <p:sp>
+        <p:nvSpPr>
+          <p:cNvPr id="8" name="TextBox 7">
+            <a:extLst>
+              <a:ext uri="{FF2B5EF4-FFF2-40B4-BE49-F238E27FC236}">
+                <a16:creationId xmlns:a16="http://schemas.microsoft.com/office/drawing/2014/main" id="{D3CD3BF6-ACDE-6CDE-972F-8E6ADA38BEA3}"/>
+              </a:ext>
+            </a:extLst>
+          </p:cNvPr>
+          <p:cNvSpPr txBox="1"/>
+          <p:nvPr/>
+        </p:nvSpPr>
+        <p:spPr>
+          <a:xfrm>
+            <a:off x="253808" y="5426390"/>
+            <a:ext cx="4125905" cy="1200329"/>
+          </a:xfrm>
+          <a:prstGeom prst="rect">
+            <a:avLst/>
+          </a:prstGeom>
+          <a:noFill/>
+          <a:ln w="28575">
+            <a:solidFill>
+              <a:srgbClr val="0070C0"/>
+            </a:solidFill>
+            <a:prstDash val="dash"/>
+          </a:ln>
+        </p:spPr>
+        <p:txBody>
+          <a:bodyPr wrap="square" rtlCol="0">
+            <a:spAutoFit/>
+          </a:bodyPr>
+          <a:lstStyle/>
+          <a:p>
+            <a:r>
+              <a:rPr lang="en-US" dirty="0">
+                <a:solidFill>
+                  <a:srgbClr val="0070C0"/>
+                </a:solidFill>
+              </a:rPr>
+              <a:t>lotusmedi.com/</a:t>
+            </a:r>
+            <a:r>
+              <a:rPr lang="en-US" dirty="0" err="1">
+                <a:solidFill>
+                  <a:srgbClr val="0070C0"/>
+                </a:solidFill>
+              </a:rPr>
+              <a:t>login?user</a:t>
+            </a:r>
+            <a:r>
+              <a:rPr lang="en-US" dirty="0">
+                <a:solidFill>
+                  <a:srgbClr val="0070C0"/>
+                </a:solidFill>
+              </a:rPr>
+              <a:t>=***</a:t>
+            </a:r>
+            <a:r>
+              <a:rPr lang="en-US" dirty="0" err="1">
+                <a:solidFill>
+                  <a:srgbClr val="0070C0"/>
+                </a:solidFill>
+              </a:rPr>
+              <a:t>pwd</a:t>
+            </a:r>
+            <a:r>
+              <a:rPr lang="en-US" dirty="0">
+                <a:solidFill>
+                  <a:srgbClr val="0070C0"/>
+                </a:solidFill>
+              </a:rPr>
+              <a:t>=***</a:t>
+            </a:r>
+          </a:p>
+          <a:p>
+            <a:r>
+              <a:rPr lang="en-US" dirty="0"/>
+              <a:t>Fields:</a:t>
+            </a:r>
+          </a:p>
+          <a:p>
+            <a:r>
+              <a:rPr lang="en-US" dirty="0"/>
+              <a:t>String user</a:t>
+            </a:r>
+          </a:p>
+          <a:p>
+            <a:r>
+              <a:rPr lang="en-US" dirty="0"/>
+              <a:t>String </a:t>
+            </a:r>
+            <a:r>
+              <a:rPr lang="en-US" dirty="0" err="1"/>
+              <a:t>pwd</a:t>
+            </a:r>
+            <a:endParaRPr lang="ru-RU" dirty="0"/>
+          </a:p>
+        </p:txBody>
+      </p:sp>
+    </p:spTree>
+    <p:extLst>
+      <p:ext uri="{BB962C8B-B14F-4D97-AF65-F5344CB8AC3E}">
+        <p14:creationId xmlns:p14="http://schemas.microsoft.com/office/powerpoint/2010/main" val="4270926139"/>
+      </p:ext>
+    </p:extLst>
+  </p:cSld>
+  <p:clrMapOvr>
+    <a:masterClrMapping/>
+  </p:clrMapOvr>
+</p:sld>
+</file>
+
+<file path=ppt/slides/slide2.xml><?xml version="1.0" encoding="utf-8"?>
+<p:sld xmlns:a="http://schemas.openxmlformats.org/drawingml/2006/main" xmlns:r="http://schemas.openxmlformats.org/officeDocument/2006/relationships" xmlns:p="http://schemas.openxmlformats.org/presentationml/2006/main">
+  <p:cSld>
+    <p:spTree>
+      <p:nvGrpSpPr>
+        <p:cNvPr id="1" name=""/>
+        <p:cNvGrpSpPr/>
+        <p:nvPr/>
+      </p:nvGrpSpPr>
+      <p:grpSpPr>
+        <a:xfrm>
+          <a:off x="0" y="0"/>
+          <a:ext cx="0" cy="0"/>
+          <a:chOff x="0" y="0"/>
+          <a:chExt cx="0" cy="0"/>
+        </a:xfrm>
+      </p:grpSpPr>
+      <p:sp>
+        <p:nvSpPr>
+          <p:cNvPr id="2" name="Заголовок 1">
+            <a:extLst>
+              <a:ext uri="{FF2B5EF4-FFF2-40B4-BE49-F238E27FC236}">
+                <a16:creationId xmlns:a16="http://schemas.microsoft.com/office/drawing/2014/main" id="{79DF0031-8126-A8E3-11BE-88925D5CBA91}"/>
+              </a:ext>
+            </a:extLst>
+          </p:cNvPr>
+          <p:cNvSpPr>
+            <a:spLocks noGrp="1"/>
+          </p:cNvSpPr>
+          <p:nvPr>
+            <p:ph type="title"/>
+          </p:nvPr>
+        </p:nvSpPr>
+        <p:spPr/>
+        <p:txBody>
+          <a:bodyPr/>
+          <a:lstStyle/>
+          <a:p>
+            <a:r>
+              <a:rPr lang="en-US" dirty="0"/>
+              <a:t>details</a:t>
+            </a:r>
+            <a:endParaRPr lang="ru-RU" dirty="0"/>
+          </a:p>
+        </p:txBody>
+      </p:sp>
+      <p:graphicFrame>
+        <p:nvGraphicFramePr>
+          <p:cNvPr id="4" name="Таблица 3">
+            <a:extLst>
+              <a:ext uri="{FF2B5EF4-FFF2-40B4-BE49-F238E27FC236}">
+                <a16:creationId xmlns:a16="http://schemas.microsoft.com/office/drawing/2014/main" id="{409D88B6-A733-46C4-9B46-B172C4E1F3D8}"/>
+              </a:ext>
+            </a:extLst>
+          </p:cNvPr>
+          <p:cNvGraphicFramePr>
+            <a:graphicFrameLocks noGrp="1"/>
+          </p:cNvGraphicFramePr>
+          <p:nvPr>
+            <p:extLst>
+              <p:ext uri="{D42A27DB-BD31-4B8C-83A1-F6EECF244321}">
+                <p14:modId xmlns:p14="http://schemas.microsoft.com/office/powerpoint/2010/main" val="1384214413"/>
+              </p:ext>
+            </p:extLst>
+          </p:nvPr>
+        </p:nvGraphicFramePr>
+        <p:xfrm>
+          <a:off x="994310" y="2497096"/>
+          <a:ext cx="10656584" cy="3413760"/>
+        </p:xfrm>
+        <a:graphic>
+          <a:graphicData uri="http://schemas.openxmlformats.org/drawingml/2006/table">
+            <a:tbl>
+              <a:tblPr firstRow="1" bandRow="1">
+                <a:tableStyleId>{5C22544A-7EE6-4342-B048-85BDC9FD1C3A}</a:tableStyleId>
+              </a:tblPr>
+              <a:tblGrid>
+                <a:gridCol w="1820809">
+                  <a:extLst>
+                    <a:ext uri="{9D8B030D-6E8A-4147-A177-3AD203B41FA5}">
+                      <a16:colId xmlns:a16="http://schemas.microsoft.com/office/drawing/2014/main" val="4184046532"/>
+                    </a:ext>
+                  </a:extLst>
+                </a:gridCol>
+                <a:gridCol w="8835775">
+                  <a:extLst>
+                    <a:ext uri="{9D8B030D-6E8A-4147-A177-3AD203B41FA5}">
+                      <a16:colId xmlns:a16="http://schemas.microsoft.com/office/drawing/2014/main" val="484228892"/>
+                    </a:ext>
+                  </a:extLst>
+                </a:gridCol>
+              </a:tblGrid>
+              <a:tr h="370840">
+                <a:tc>
+                  <a:txBody>
+                    <a:bodyPr/>
+                    <a:lstStyle/>
+                    <a:p>
+                      <a:endParaRPr lang="ru-RU"/>
+                    </a:p>
+                  </a:txBody>
+                  <a:tcPr/>
+                </a:tc>
+                <a:tc>
+                  <a:txBody>
+                    <a:bodyPr/>
+                    <a:lstStyle/>
+                    <a:p>
+                      <a:endParaRPr lang="ru-RU"/>
+                    </a:p>
+                  </a:txBody>
+                  <a:tcPr/>
+                </a:tc>
+                <a:extLst>
+                  <a:ext uri="{0D108BD9-81ED-4DB2-BD59-A6C34878D82A}">
+                    <a16:rowId xmlns:a16="http://schemas.microsoft.com/office/drawing/2014/main" val="3544540195"/>
+                  </a:ext>
+                </a:extLst>
+              </a:tr>
+              <a:tr h="370840">
+                <a:tc>
+                  <a:txBody>
+                    <a:bodyPr/>
+                    <a:lstStyle/>
+                    <a:p>
+                      <a:r>
+                        <a:rPr lang="en-US" dirty="0" err="1"/>
+                        <a:t>Visit.currentStep</a:t>
+                      </a:r>
+                      <a:endParaRPr lang="ru-RU" dirty="0"/>
+                    </a:p>
+                  </a:txBody>
+                  <a:tcPr/>
+                </a:tc>
+                <a:tc>
+                  <a:txBody>
+                    <a:bodyPr/>
+                    <a:lstStyle/>
+                    <a:p>
+                      <a:r>
+                        <a:rPr lang="en-US" dirty="0"/>
+                        <a:t>0 : visit created (visit has timestamp, visitor, visitor in hospital building</a:t>
+                      </a:r>
+                    </a:p>
+                    <a:p>
+                      <a:r>
+                        <a:rPr lang="en-US" dirty="0"/>
+                        <a:t>1: visit has doctor (the doctor was assigned to visitor/visit)</a:t>
+                      </a:r>
+                    </a:p>
+                    <a:p>
+                      <a:r>
+                        <a:rPr lang="en-US" dirty="0"/>
+                        <a:t>2: visit has filled form (visitor has filled form)</a:t>
+                      </a:r>
+                    </a:p>
+                    <a:p>
+                      <a:r>
+                        <a:rPr lang="en-US" dirty="0"/>
+                        <a:t>3: visit has result (visitor attended doctor and received prescription)</a:t>
+                      </a:r>
+                      <a:endParaRPr lang="ru-RU" dirty="0"/>
+                    </a:p>
+                  </a:txBody>
+                  <a:tcPr/>
+                </a:tc>
+                <a:extLst>
+                  <a:ext uri="{0D108BD9-81ED-4DB2-BD59-A6C34878D82A}">
+                    <a16:rowId xmlns:a16="http://schemas.microsoft.com/office/drawing/2014/main" val="2051446424"/>
+                  </a:ext>
+                </a:extLst>
+              </a:tr>
+              <a:tr h="370840">
+                <a:tc>
+                  <a:txBody>
+                    <a:bodyPr/>
+                    <a:lstStyle/>
+                    <a:p>
+                      <a:endParaRPr lang="ru-RU" dirty="0"/>
+                    </a:p>
+                  </a:txBody>
+                  <a:tcPr/>
+                </a:tc>
+                <a:tc>
+                  <a:txBody>
+                    <a:bodyPr/>
+                    <a:lstStyle/>
+                    <a:p>
+                      <a:endParaRPr lang="ru-RU"/>
+                    </a:p>
+                  </a:txBody>
+                  <a:tcPr/>
+                </a:tc>
+                <a:extLst>
+                  <a:ext uri="{0D108BD9-81ED-4DB2-BD59-A6C34878D82A}">
+                    <a16:rowId xmlns:a16="http://schemas.microsoft.com/office/drawing/2014/main" val="3306412873"/>
+                  </a:ext>
+                </a:extLst>
+              </a:tr>
+              <a:tr h="370840">
+                <a:tc>
+                  <a:txBody>
+                    <a:bodyPr/>
+                    <a:lstStyle/>
+                    <a:p>
+                      <a:endParaRPr lang="ru-RU"/>
+                    </a:p>
+                  </a:txBody>
+                  <a:tcPr/>
+                </a:tc>
+                <a:tc>
+                  <a:txBody>
+                    <a:bodyPr/>
+                    <a:lstStyle/>
+                    <a:p>
+                      <a:endParaRPr lang="ru-RU"/>
+                    </a:p>
+                  </a:txBody>
+                  <a:tcPr/>
+                </a:tc>
+                <a:extLst>
+                  <a:ext uri="{0D108BD9-81ED-4DB2-BD59-A6C34878D82A}">
+                    <a16:rowId xmlns:a16="http://schemas.microsoft.com/office/drawing/2014/main" val="2003582712"/>
+                  </a:ext>
+                </a:extLst>
+              </a:tr>
+              <a:tr h="370840">
+                <a:tc>
+                  <a:txBody>
+                    <a:bodyPr/>
+                    <a:lstStyle/>
+                    <a:p>
+                      <a:endParaRPr lang="ru-RU"/>
+                    </a:p>
+                  </a:txBody>
+                  <a:tcPr/>
+                </a:tc>
+                <a:tc>
+                  <a:txBody>
+                    <a:bodyPr/>
+                    <a:lstStyle/>
+                    <a:p>
+                      <a:endParaRPr lang="ru-RU"/>
+                    </a:p>
+                  </a:txBody>
+                  <a:tcPr/>
+                </a:tc>
+                <a:extLst>
+                  <a:ext uri="{0D108BD9-81ED-4DB2-BD59-A6C34878D82A}">
+                    <a16:rowId xmlns:a16="http://schemas.microsoft.com/office/drawing/2014/main" val="530116151"/>
+                  </a:ext>
+                </a:extLst>
+              </a:tr>
+              <a:tr h="370840">
+                <a:tc>
+                  <a:txBody>
+                    <a:bodyPr/>
+                    <a:lstStyle/>
+                    <a:p>
+                      <a:endParaRPr lang="ru-RU"/>
+                    </a:p>
+                  </a:txBody>
+                  <a:tcPr/>
+                </a:tc>
+                <a:tc>
+                  <a:txBody>
+                    <a:bodyPr/>
+                    <a:lstStyle/>
+                    <a:p>
+                      <a:endParaRPr lang="ru-RU"/>
+                    </a:p>
+                  </a:txBody>
+                  <a:tcPr/>
+                </a:tc>
+                <a:extLst>
+                  <a:ext uri="{0D108BD9-81ED-4DB2-BD59-A6C34878D82A}">
+                    <a16:rowId xmlns:a16="http://schemas.microsoft.com/office/drawing/2014/main" val="529436715"/>
+                  </a:ext>
+                </a:extLst>
+              </a:tr>
+              <a:tr h="370840">
+                <a:tc>
+                  <a:txBody>
+                    <a:bodyPr/>
+                    <a:lstStyle/>
+                    <a:p>
+                      <a:endParaRPr lang="ru-RU"/>
+                    </a:p>
+                  </a:txBody>
+                  <a:tcPr/>
+                </a:tc>
+                <a:tc>
+                  <a:txBody>
+                    <a:bodyPr/>
+                    <a:lstStyle/>
+                    <a:p>
+                      <a:endParaRPr lang="ru-RU" dirty="0"/>
+                    </a:p>
+                  </a:txBody>
+                  <a:tcPr/>
+                </a:tc>
+                <a:extLst>
+                  <a:ext uri="{0D108BD9-81ED-4DB2-BD59-A6C34878D82A}">
+                    <a16:rowId xmlns:a16="http://schemas.microsoft.com/office/drawing/2014/main" val="1699168797"/>
+                  </a:ext>
+                </a:extLst>
+              </a:tr>
+            </a:tbl>
+          </a:graphicData>
+        </a:graphic>
+      </p:graphicFrame>
+    </p:spTree>
+    <p:extLst>
+      <p:ext uri="{BB962C8B-B14F-4D97-AF65-F5344CB8AC3E}">
+        <p14:creationId xmlns:p14="http://schemas.microsoft.com/office/powerpoint/2010/main" val="4010873126"/>
+      </p:ext>
+    </p:extLst>
+  </p:cSld>
+  <p:clrMapOvr>
+    <a:masterClrMapping/>
+  </p:clrMapOvr>
+</p:sld>
+</file>
+
+<file path=ppt/slides/slide3.xml><?xml version="1.0" encoding="utf-8"?>
+<p:sld xmlns:a="http://schemas.openxmlformats.org/drawingml/2006/main" xmlns:r="http://schemas.openxmlformats.org/officeDocument/2006/relationships" xmlns:p="http://schemas.openxmlformats.org/presentationml/2006/main">
+  <p:cSld>
+    <p:spTree>
+      <p:nvGrpSpPr>
+        <p:cNvPr id="1" name=""/>
+        <p:cNvGrpSpPr/>
+        <p:nvPr/>
+      </p:nvGrpSpPr>
+      <p:grpSpPr>
+        <a:xfrm>
+          <a:off x="0" y="0"/>
+          <a:ext cx="0" cy="0"/>
+          <a:chOff x="0" y="0"/>
+          <a:chExt cx="0" cy="0"/>
+        </a:xfrm>
+      </p:grpSpPr>
+      <p:pic>
+        <p:nvPicPr>
+          <p:cNvPr id="2" name="Рисунок 1">
+            <a:extLst>
+              <a:ext uri="{FF2B5EF4-FFF2-40B4-BE49-F238E27FC236}">
+                <a16:creationId xmlns:a16="http://schemas.microsoft.com/office/drawing/2014/main" id="{894F3B9F-8EFE-9906-F802-4B2C3A3120E4}"/>
+              </a:ext>
+            </a:extLst>
+          </p:cNvPr>
+          <p:cNvPicPr>
+            <a:picLocks noChangeAspect="1"/>
+          </p:cNvPicPr>
+          <p:nvPr/>
+        </p:nvPicPr>
+        <p:blipFill rotWithShape="1">
+          <a:blip r:embed="rId2"/>
+          <a:srcRect l="10103" t="10786" r="19158" b="5324"/>
+          <a:stretch/>
+        </p:blipFill>
+        <p:spPr>
+          <a:xfrm>
+            <a:off x="252491" y="1053599"/>
+            <a:ext cx="2016880" cy="4294205"/>
+          </a:xfrm>
+          <a:prstGeom prst="rect">
+            <a:avLst/>
+          </a:prstGeom>
+        </p:spPr>
+      </p:pic>
+      <p:sp>
+        <p:nvSpPr>
+          <p:cNvPr id="4" name="TextBox 3">
+            <a:extLst>
+              <a:ext uri="{FF2B5EF4-FFF2-40B4-BE49-F238E27FC236}">
+                <a16:creationId xmlns:a16="http://schemas.microsoft.com/office/drawing/2014/main" id="{E96F7754-9594-9225-01A6-ADF3C4B1830C}"/>
+              </a:ext>
+            </a:extLst>
+          </p:cNvPr>
+          <p:cNvSpPr txBox="1"/>
+          <p:nvPr/>
+        </p:nvSpPr>
+        <p:spPr>
+          <a:xfrm>
+            <a:off x="195209" y="267128"/>
+            <a:ext cx="11126912" cy="707886"/>
+          </a:xfrm>
+          <a:prstGeom prst="rect">
+            <a:avLst/>
+          </a:prstGeom>
+          <a:noFill/>
+        </p:spPr>
+        <p:txBody>
+          <a:bodyPr wrap="square" rtlCol="0">
+            <a:spAutoFit/>
+          </a:bodyPr>
+          <a:lstStyle/>
+          <a:p>
+            <a:r>
+              <a:rPr lang="en-US" sz="2000" dirty="0" err="1"/>
+              <a:t>SplashPage</a:t>
+            </a:r>
+            <a:r>
+              <a:rPr lang="ru-RU" sz="2000" dirty="0"/>
+              <a:t>:</a:t>
+            </a:r>
+            <a:r>
+              <a:rPr lang="en-US" sz="2000" dirty="0"/>
+              <a:t> </a:t>
+            </a:r>
+            <a:r>
+              <a:rPr lang="en-US" sz="2000" dirty="0">
+                <a:solidFill>
+                  <a:srgbClr val="0070C0"/>
+                </a:solidFill>
+              </a:rPr>
+              <a:t>lotusmedi.com/</a:t>
+            </a:r>
+            <a:r>
+              <a:rPr lang="en-US" sz="2000" dirty="0" err="1">
+                <a:solidFill>
+                  <a:srgbClr val="0070C0"/>
+                </a:solidFill>
+              </a:rPr>
+              <a:t>getRandom</a:t>
+            </a:r>
+            <a:endParaRPr lang="en-US" sz="2000" dirty="0"/>
+          </a:p>
+          <a:p>
+            <a:r>
+              <a:rPr lang="en-US" sz="2000" dirty="0">
+                <a:solidFill>
+                  <a:srgbClr val="FF0000"/>
+                </a:solidFill>
+              </a:rPr>
+              <a:t>If unknown reason: 913?</a:t>
+            </a:r>
+          </a:p>
+        </p:txBody>
+      </p:sp>
+      <p:cxnSp>
+        <p:nvCxnSpPr>
+          <p:cNvPr id="5" name="Прямая соединительная линия 4">
+            <a:extLst>
+              <a:ext uri="{FF2B5EF4-FFF2-40B4-BE49-F238E27FC236}">
+                <a16:creationId xmlns:a16="http://schemas.microsoft.com/office/drawing/2014/main" id="{364DEB66-4014-4C60-5F5C-2D31D75AF634}"/>
+              </a:ext>
+            </a:extLst>
+          </p:cNvPr>
+          <p:cNvCxnSpPr/>
+          <p:nvPr/>
+        </p:nvCxnSpPr>
+        <p:spPr>
+          <a:xfrm>
+            <a:off x="4530903" y="123190"/>
+            <a:ext cx="0" cy="6734810"/>
+          </a:xfrm>
+          <a:prstGeom prst="line">
+            <a:avLst/>
+          </a:prstGeom>
+          <a:ln w="38100">
+            <a:prstDash val="lgDashDot"/>
+          </a:ln>
+        </p:spPr>
+        <p:style>
+          <a:lnRef idx="1">
+            <a:schemeClr val="accent2"/>
+          </a:lnRef>
+          <a:fillRef idx="0">
+            <a:schemeClr val="accent2"/>
+          </a:fillRef>
+          <a:effectRef idx="0">
+            <a:schemeClr val="accent2"/>
+          </a:effectRef>
+          <a:fontRef idx="minor">
+            <a:schemeClr val="tx1"/>
+          </a:fontRef>
+        </p:style>
+      </p:cxnSp>
+      <p:cxnSp>
+        <p:nvCxnSpPr>
+          <p:cNvPr id="6" name="Прямая со стрелкой 5">
+            <a:extLst>
+              <a:ext uri="{FF2B5EF4-FFF2-40B4-BE49-F238E27FC236}">
+                <a16:creationId xmlns:a16="http://schemas.microsoft.com/office/drawing/2014/main" id="{825EC091-C822-5C74-68E8-BB9517950DB9}"/>
+              </a:ext>
+            </a:extLst>
+          </p:cNvPr>
+          <p:cNvCxnSpPr>
+            <a:cxnSpLocks/>
+          </p:cNvCxnSpPr>
+          <p:nvPr/>
+        </p:nvCxnSpPr>
+        <p:spPr>
+          <a:xfrm flipH="1" flipV="1">
+            <a:off x="1756881" y="4849402"/>
+            <a:ext cx="559880" cy="576988"/>
+          </a:xfrm>
+          <a:prstGeom prst="straightConnector1">
+            <a:avLst/>
+          </a:prstGeom>
+          <a:ln w="57150">
+            <a:tailEnd type="triangle"/>
+          </a:ln>
+        </p:spPr>
+        <p:style>
+          <a:lnRef idx="1">
+            <a:schemeClr val="accent1"/>
+          </a:lnRef>
+          <a:fillRef idx="0">
+            <a:schemeClr val="accent1"/>
+          </a:fillRef>
+          <a:effectRef idx="0">
+            <a:schemeClr val="accent1"/>
+          </a:effectRef>
+          <a:fontRef idx="minor">
+            <a:schemeClr val="tx1"/>
+          </a:fontRef>
+        </p:style>
+      </p:cxnSp>
+      <p:sp>
+        <p:nvSpPr>
+          <p:cNvPr id="7" name="Прямоугольник: скругленные углы 6">
+            <a:extLst>
+              <a:ext uri="{FF2B5EF4-FFF2-40B4-BE49-F238E27FC236}">
+                <a16:creationId xmlns:a16="http://schemas.microsoft.com/office/drawing/2014/main" id="{0A7C352C-F969-CC69-6350-2491336CC401}"/>
+              </a:ext>
+            </a:extLst>
+          </p:cNvPr>
+          <p:cNvSpPr/>
+          <p:nvPr/>
+        </p:nvSpPr>
+        <p:spPr>
+          <a:xfrm>
+            <a:off x="0" y="3490595"/>
+            <a:ext cx="2465083" cy="1523469"/>
+          </a:xfrm>
+          <a:prstGeom prst="roundRect">
+            <a:avLst/>
+          </a:prstGeom>
+          <a:noFill/>
+          <a:ln w="28575">
+            <a:solidFill>
+              <a:srgbClr val="FF0000"/>
+            </a:solidFill>
+          </a:ln>
+        </p:spPr>
+        <p:style>
+          <a:lnRef idx="2">
+            <a:schemeClr val="accent6"/>
+          </a:lnRef>
+          <a:fillRef idx="1">
+            <a:schemeClr val="lt1"/>
+          </a:fillRef>
+          <a:effectRef idx="0">
+            <a:schemeClr val="accent6"/>
+          </a:effectRef>
+          <a:fontRef idx="minor">
+            <a:schemeClr val="dk1"/>
+          </a:fontRef>
+        </p:style>
+        <p:txBody>
+          <a:bodyPr rtlCol="0" anchor="ctr"/>
+          <a:lstStyle/>
+          <a:p>
+            <a:pPr algn="ctr"/>
+            <a:endParaRPr lang="ru-RU"/>
+          </a:p>
+        </p:txBody>
+      </p:sp>
+      <p:sp>
+        <p:nvSpPr>
+          <p:cNvPr id="8" name="TextBox 7">
+            <a:extLst>
+              <a:ext uri="{FF2B5EF4-FFF2-40B4-BE49-F238E27FC236}">
+                <a16:creationId xmlns:a16="http://schemas.microsoft.com/office/drawing/2014/main" id="{D3CD3BF6-ACDE-6CDE-972F-8E6ADA38BEA3}"/>
+              </a:ext>
+            </a:extLst>
+          </p:cNvPr>
+          <p:cNvSpPr txBox="1"/>
+          <p:nvPr/>
+        </p:nvSpPr>
+        <p:spPr>
+          <a:xfrm>
+            <a:off x="253808" y="5426390"/>
+            <a:ext cx="4125905" cy="646331"/>
+          </a:xfrm>
+          <a:prstGeom prst="rect">
+            <a:avLst/>
+          </a:prstGeom>
+          <a:solidFill>
+            <a:schemeClr val="accent4">
+              <a:lumMod val="40000"/>
+              <a:lumOff val="60000"/>
+            </a:schemeClr>
+          </a:solidFill>
+          <a:ln w="28575">
+            <a:solidFill>
+              <a:srgbClr val="0070C0"/>
+            </a:solidFill>
+            <a:prstDash val="dash"/>
+          </a:ln>
+        </p:spPr>
+        <p:txBody>
+          <a:bodyPr wrap="square" rtlCol="0">
+            <a:spAutoFit/>
+          </a:bodyPr>
+          <a:lstStyle/>
+          <a:p>
+            <a:r>
+              <a:rPr lang="en-US" dirty="0">
+                <a:solidFill>
+                  <a:srgbClr val="0070C0"/>
+                </a:solidFill>
+              </a:rPr>
+              <a:t>lotusmedi.com/</a:t>
+            </a:r>
+            <a:r>
+              <a:rPr lang="en-US" dirty="0" err="1">
+                <a:solidFill>
+                  <a:srgbClr val="0070C0"/>
+                </a:solidFill>
+              </a:rPr>
+              <a:t>getRandom</a:t>
+            </a:r>
+            <a:endParaRPr lang="en-US" dirty="0">
+              <a:solidFill>
+                <a:srgbClr val="0070C0"/>
+              </a:solidFill>
+            </a:endParaRPr>
+          </a:p>
+          <a:p>
+            <a:r>
+              <a:rPr lang="en-US" dirty="0"/>
+              <a:t>Input fields: n/a</a:t>
+            </a:r>
+          </a:p>
+        </p:txBody>
+      </p:sp>
+      <p:pic>
+        <p:nvPicPr>
+          <p:cNvPr id="9" name="Рисунок 8">
+            <a:extLst>
+              <a:ext uri="{FF2B5EF4-FFF2-40B4-BE49-F238E27FC236}">
+                <a16:creationId xmlns:a16="http://schemas.microsoft.com/office/drawing/2014/main" id="{F172E74C-EB0C-B3B2-A010-4800F25184F1}"/>
+              </a:ext>
+            </a:extLst>
+          </p:cNvPr>
+          <p:cNvPicPr>
+            <a:picLocks noChangeAspect="1"/>
+          </p:cNvPicPr>
+          <p:nvPr/>
+        </p:nvPicPr>
+        <p:blipFill rotWithShape="1">
+          <a:blip r:embed="rId2"/>
+          <a:srcRect l="10103" t="10786" r="19158" b="5324"/>
+          <a:stretch/>
+        </p:blipFill>
+        <p:spPr>
+          <a:xfrm>
+            <a:off x="9305241" y="435437"/>
+            <a:ext cx="2016880" cy="4294205"/>
+          </a:xfrm>
+          <a:prstGeom prst="rect">
+            <a:avLst/>
+          </a:prstGeom>
+        </p:spPr>
+      </p:pic>
+      <p:sp>
+        <p:nvSpPr>
+          <p:cNvPr id="10" name="TextBox 9">
+            <a:extLst>
+              <a:ext uri="{FF2B5EF4-FFF2-40B4-BE49-F238E27FC236}">
+                <a16:creationId xmlns:a16="http://schemas.microsoft.com/office/drawing/2014/main" id="{2339370B-74BB-8DE3-D6EB-9447C608CAEC}"/>
+              </a:ext>
+            </a:extLst>
+          </p:cNvPr>
+          <p:cNvSpPr txBox="1"/>
+          <p:nvPr/>
+        </p:nvSpPr>
+        <p:spPr>
+          <a:xfrm>
+            <a:off x="4855120" y="3652164"/>
+            <a:ext cx="4125905" cy="923330"/>
+          </a:xfrm>
+          <a:prstGeom prst="rect">
+            <a:avLst/>
+          </a:prstGeom>
+          <a:solidFill>
+            <a:srgbClr val="FF5050"/>
+          </a:solidFill>
+          <a:ln w="28575">
+            <a:solidFill>
+              <a:srgbClr val="0070C0"/>
+            </a:solidFill>
+            <a:prstDash val="dash"/>
+          </a:ln>
+        </p:spPr>
+        <p:txBody>
+          <a:bodyPr wrap="square" rtlCol="0">
+            <a:spAutoFit/>
+          </a:bodyPr>
+          <a:lstStyle/>
+          <a:p>
+            <a:r>
+              <a:rPr lang="en-US" dirty="0">
+                <a:solidFill>
+                  <a:srgbClr val="0070C0"/>
+                </a:solidFill>
+              </a:rPr>
+              <a:t>lotusmedi.com/</a:t>
+            </a:r>
+            <a:r>
+              <a:rPr lang="en-US" dirty="0" err="1">
+                <a:solidFill>
+                  <a:srgbClr val="0070C0"/>
+                </a:solidFill>
+              </a:rPr>
+              <a:t>getRandom</a:t>
+            </a:r>
+            <a:endParaRPr lang="en-US" dirty="0">
+              <a:solidFill>
+                <a:srgbClr val="0070C0"/>
+              </a:solidFill>
+            </a:endParaRPr>
+          </a:p>
+          <a:p>
+            <a:r>
+              <a:rPr lang="en-US" dirty="0"/>
+              <a:t>If fails: 913</a:t>
+            </a:r>
+          </a:p>
+          <a:p>
+            <a:r>
+              <a:rPr lang="en-US" dirty="0"/>
+              <a:t>Then front will show any saved phrase</a:t>
+            </a:r>
+          </a:p>
+        </p:txBody>
+      </p:sp>
+      <p:sp>
+        <p:nvSpPr>
+          <p:cNvPr id="11" name="TextBox 10">
+            <a:extLst>
+              <a:ext uri="{FF2B5EF4-FFF2-40B4-BE49-F238E27FC236}">
+                <a16:creationId xmlns:a16="http://schemas.microsoft.com/office/drawing/2014/main" id="{75620AFC-906A-3117-97F9-396C69836A1F}"/>
+              </a:ext>
+            </a:extLst>
+          </p:cNvPr>
+          <p:cNvSpPr txBox="1"/>
+          <p:nvPr/>
+        </p:nvSpPr>
+        <p:spPr>
+          <a:xfrm>
+            <a:off x="5171984" y="5239742"/>
+            <a:ext cx="4125905" cy="1200329"/>
+          </a:xfrm>
+          <a:prstGeom prst="rect">
+            <a:avLst/>
+          </a:prstGeom>
+          <a:solidFill>
+            <a:schemeClr val="accent6">
+              <a:lumMod val="40000"/>
+              <a:lumOff val="60000"/>
+            </a:schemeClr>
+          </a:solidFill>
+          <a:ln w="28575">
+            <a:solidFill>
+              <a:srgbClr val="0070C0"/>
+            </a:solidFill>
+            <a:prstDash val="dash"/>
+          </a:ln>
+        </p:spPr>
+        <p:txBody>
+          <a:bodyPr wrap="square" rtlCol="0">
+            <a:spAutoFit/>
+          </a:bodyPr>
+          <a:lstStyle/>
+          <a:p>
+            <a:r>
+              <a:rPr lang="en-US" dirty="0">
+                <a:solidFill>
+                  <a:srgbClr val="0070C0"/>
+                </a:solidFill>
+              </a:rPr>
+              <a:t>lotusmedi.com/</a:t>
+            </a:r>
+            <a:r>
+              <a:rPr lang="en-US" dirty="0" err="1">
+                <a:solidFill>
+                  <a:srgbClr val="0070C0"/>
+                </a:solidFill>
+              </a:rPr>
+              <a:t>getRandom</a:t>
+            </a:r>
+            <a:endParaRPr lang="en-US" dirty="0">
+              <a:solidFill>
+                <a:srgbClr val="0070C0"/>
+              </a:solidFill>
+            </a:endParaRPr>
+          </a:p>
+          <a:p>
+            <a:r>
+              <a:rPr lang="en-US" dirty="0"/>
+              <a:t>Output Fields:</a:t>
+            </a:r>
+          </a:p>
+          <a:p>
+            <a:r>
+              <a:rPr lang="en-US" dirty="0"/>
+              <a:t>String </a:t>
+            </a:r>
+            <a:r>
+              <a:rPr lang="en-US" dirty="0" err="1"/>
+              <a:t>phraseofTheDay</a:t>
+            </a:r>
+            <a:r>
+              <a:rPr lang="en-US" dirty="0"/>
+              <a:t> (phrase with author)</a:t>
+            </a:r>
+            <a:endParaRPr lang="ru-RU" dirty="0"/>
+          </a:p>
+        </p:txBody>
+      </p:sp>
+    </p:spTree>
+    <p:extLst>
+      <p:ext uri="{BB962C8B-B14F-4D97-AF65-F5344CB8AC3E}">
+        <p14:creationId xmlns:p14="http://schemas.microsoft.com/office/powerpoint/2010/main" val="3787096905"/>
+      </p:ext>
+    </p:extLst>
+  </p:cSld>
+  <p:clrMapOvr>
+    <a:masterClrMapping/>
+  </p:clrMapOvr>
+</p:sld>
+</file>
+
+<file path=ppt/slides/slide4.xml><?xml version="1.0" encoding="utf-8"?>
+<p:sld xmlns:a="http://schemas.openxmlformats.org/drawingml/2006/main" xmlns:r="http://schemas.openxmlformats.org/officeDocument/2006/relationships" xmlns:p="http://schemas.openxmlformats.org/presentationml/2006/main">
+  <p:cSld>
+    <p:spTree>
+      <p:nvGrpSpPr>
+        <p:cNvPr id="1" name=""/>
+        <p:cNvGrpSpPr/>
+        <p:nvPr/>
+      </p:nvGrpSpPr>
+      <p:grpSpPr>
+        <a:xfrm>
+          <a:off x="0" y="0"/>
+          <a:ext cx="0" cy="0"/>
+          <a:chOff x="0" y="0"/>
+          <a:chExt cx="0" cy="0"/>
+        </a:xfrm>
+      </p:grpSpPr>
       <p:pic>
         <p:nvPicPr>
           <p:cNvPr id="5" name="Рисунок 4">
@@ -3383,6 +8000,50 @@
             <a:r>
               <a:rPr lang="ru-RU" sz="2000" dirty="0"/>
               <a:t>Вход в систему:</a:t>
+            </a:r>
+            <a:r>
+              <a:rPr lang="en-US" sz="2000" dirty="0"/>
+              <a:t> </a:t>
+            </a:r>
+            <a:r>
+              <a:rPr lang="en-US" sz="2000" dirty="0">
+                <a:solidFill>
+                  <a:srgbClr val="0070C0"/>
+                </a:solidFill>
+              </a:rPr>
+              <a:t>lotusmedi.com/</a:t>
+            </a:r>
+            <a:r>
+              <a:rPr lang="en-US" sz="2000" dirty="0" err="1">
+                <a:solidFill>
+                  <a:srgbClr val="0070C0"/>
+                </a:solidFill>
+              </a:rPr>
+              <a:t>login?user</a:t>
+            </a:r>
+            <a:r>
+              <a:rPr lang="en-US" sz="2000" dirty="0">
+                <a:solidFill>
+                  <a:srgbClr val="0070C0"/>
+                </a:solidFill>
+              </a:rPr>
+              <a:t>=***</a:t>
+            </a:r>
+            <a:r>
+              <a:rPr lang="en-US" sz="2000" dirty="0" err="1">
+                <a:solidFill>
+                  <a:srgbClr val="0070C0"/>
+                </a:solidFill>
+              </a:rPr>
+              <a:t>pwd</a:t>
+            </a:r>
+            <a:r>
+              <a:rPr lang="en-US" sz="2000" dirty="0">
+                <a:solidFill>
+                  <a:srgbClr val="0070C0"/>
+                </a:solidFill>
+              </a:rPr>
+              <a:t>=***</a:t>
             </a:r>
             <a:endParaRPr lang="en-US" sz="2000" dirty="0"/>
           </a:p>
@@ -3510,7 +8171,12 @@
           <a:prstGeom prst="rect">
             <a:avLst/>
           </a:prstGeom>
-          <a:noFill/>
+          <a:solidFill>
+            <a:schemeClr val="accent4">
+              <a:lumMod val="40000"/>
+              <a:lumOff val="60000"/>
+            </a:schemeClr>
+          </a:solidFill>
           <a:ln w="28575">
             <a:solidFill>
               <a:srgbClr val="0070C0"/>
@@ -3568,7 +8234,7 @@
           <a:p>
             <a:r>
               <a:rPr lang="en-US" dirty="0"/>
-              <a:t>Fields:</a:t>
+              <a:t>Input fields:</a:t>
             </a:r>
           </a:p>
           <a:p>
@@ -3682,7 +8348,9 @@
           <a:prstGeom prst="rect">
             <a:avLst/>
           </a:prstGeom>
-          <a:noFill/>
+          <a:solidFill>
+            <a:srgbClr val="FF5050"/>
+          </a:solidFill>
           <a:ln w="28575">
             <a:solidFill>
               <a:srgbClr val="0070C0"/>
@@ -3889,7 +8557,12 @@
           <a:prstGeom prst="rect">
             <a:avLst/>
           </a:prstGeom>
-          <a:noFill/>
+          <a:solidFill>
+            <a:schemeClr val="accent6">
+              <a:lumMod val="40000"/>
+              <a:lumOff val="60000"/>
+            </a:schemeClr>
+          </a:solidFill>
           <a:ln w="28575">
             <a:solidFill>
               <a:srgbClr val="0070C0"/>
@@ -4028,7 +8701,7 @@
 </p:sld>
 </file>
 
-<file path=ppt/slides/slide2.xml><?xml version="1.0" encoding="utf-8"?>
+<file path=ppt/slides/slide5.xml><?xml version="1.0" encoding="utf-8"?>
 <p:sld xmlns:a="http://schemas.openxmlformats.org/drawingml/2006/main" xmlns:r="http://schemas.openxmlformats.org/officeDocument/2006/relationships" xmlns:p="http://schemas.openxmlformats.org/presentationml/2006/main">
   <p:cSld>
     <p:spTree>
@@ -4074,21 +8747,58 @@
           <a:lstStyle/>
           <a:p>
             <a:r>
-              <a:rPr lang="en-US" dirty="0"/>
-              <a:t>Homepage: </a:t>
-            </a:r>
-            <a:r>
-              <a:rPr lang="en-US" b="1" dirty="0">
+              <a:rPr lang="en-US" sz="2000" dirty="0">
+                <a:latin typeface="+mn-lt"/>
+                <a:ea typeface="+mn-ea"/>
+                <a:cs typeface="+mn-cs"/>
+              </a:rPr>
+              <a:t>Homepage</a:t>
+            </a:r>
+            <a:r>
+              <a:rPr lang="en-US" sz="2000" dirty="0">
                 <a:solidFill>
-                  <a:srgbClr val="92D050"/>
+                  <a:schemeClr val="accent1">
+                    <a:lumMod val="75000"/>
+                  </a:schemeClr>
                 </a:solidFill>
+                <a:latin typeface="+mn-lt"/>
+                <a:ea typeface="+mn-ea"/>
+                <a:cs typeface="+mn-cs"/>
               </a:rPr>
-              <a:t>if no data to show 912</a:t>
-            </a:r>
-            <a:endParaRPr lang="ru-RU" b="1" dirty="0">
-              <a:solidFill>
-                <a:srgbClr val="92D050"/>
-              </a:solidFill>
+              <a:t>: lotusmedi.com/</a:t>
+            </a:r>
+            <a:r>
+              <a:rPr lang="en-US" sz="2000" dirty="0" err="1">
+                <a:solidFill>
+                  <a:schemeClr val="accent1">
+                    <a:lumMod val="75000"/>
+                  </a:schemeClr>
+                </a:solidFill>
+                <a:latin typeface="+mn-lt"/>
+                <a:ea typeface="+mn-ea"/>
+                <a:cs typeface="+mn-cs"/>
+              </a:rPr>
+              <a:t>getVisitors</a:t>
+            </a:r>
+            <a:br>
+              <a:rPr lang="en-US" sz="2000" dirty="0">
+                <a:latin typeface="+mn-lt"/>
+                <a:ea typeface="+mn-ea"/>
+                <a:cs typeface="+mn-cs"/>
+              </a:rPr>
+            </a:br>
+            <a:r>
+              <a:rPr lang="en-US" sz="2000" dirty="0">
+                <a:latin typeface="+mn-lt"/>
+                <a:ea typeface="+mn-ea"/>
+                <a:cs typeface="+mn-cs"/>
+              </a:rPr>
+              <a:t> if no data to show 912</a:t>
+            </a:r>
+            <a:endParaRPr lang="ru-RU" sz="2000" dirty="0">
+              <a:latin typeface="+mn-lt"/>
+              <a:ea typeface="+mn-ea"/>
+              <a:cs typeface="+mn-cs"/>
             </a:endParaRPr>
           </a:p>
         </p:txBody>
@@ -4108,7 +8818,7 @@
           <p:nvPr/>
         </p:nvPicPr>
         <p:blipFill>
-          <a:blip r:embed="rId2"/>
+          <a:blip r:embed="rId3"/>
           <a:stretch>
             <a:fillRect/>
           </a:stretch>
@@ -4132,13 +8842,15 @@
               </a:ext>
             </a:extLst>
           </p:cNvPr>
-          <p:cNvCxnSpPr/>
+          <p:cNvCxnSpPr>
+            <a:cxnSpLocks/>
+          </p:cNvCxnSpPr>
           <p:nvPr/>
         </p:nvCxnSpPr>
         <p:spPr>
           <a:xfrm>
-            <a:off x="4530903" y="123190"/>
-            <a:ext cx="0" cy="6734810"/>
+            <a:off x="4530903" y="728268"/>
+            <a:ext cx="0" cy="6129732"/>
           </a:xfrm>
           <a:prstGeom prst="line">
             <a:avLst/>
@@ -4272,7 +8984,1101 @@
         <p:spPr>
           <a:xfrm>
             <a:off x="107456" y="4177531"/>
-            <a:ext cx="4125905" cy="2308324"/>
+            <a:ext cx="4125905" cy="646331"/>
+          </a:xfrm>
+          <a:prstGeom prst="rect">
+            <a:avLst/>
+          </a:prstGeom>
+          <a:solidFill>
+            <a:schemeClr val="accent4">
+              <a:lumMod val="40000"/>
+              <a:lumOff val="60000"/>
+            </a:schemeClr>
+          </a:solidFill>
+          <a:ln w="28575">
+            <a:solidFill>
+              <a:srgbClr val="0070C0"/>
+            </a:solidFill>
+            <a:prstDash val="dash"/>
+          </a:ln>
+        </p:spPr>
+        <p:txBody>
+          <a:bodyPr wrap="square" rtlCol="0">
+            <a:spAutoFit/>
+          </a:bodyPr>
+          <a:lstStyle/>
+          <a:p>
+            <a:r>
+              <a:rPr lang="en-US" dirty="0">
+                <a:solidFill>
+                  <a:srgbClr val="0070C0"/>
+                </a:solidFill>
+              </a:rPr>
+              <a:t>lotusmedi.com/</a:t>
+            </a:r>
+            <a:r>
+              <a:rPr lang="en-US" dirty="0" err="1">
+                <a:solidFill>
+                  <a:srgbClr val="0070C0"/>
+                </a:solidFill>
+              </a:rPr>
+              <a:t>getVisits</a:t>
+            </a:r>
+            <a:endParaRPr lang="en-US" dirty="0">
+              <a:solidFill>
+                <a:srgbClr val="0070C0"/>
+              </a:solidFill>
+            </a:endParaRPr>
+          </a:p>
+          <a:p>
+            <a:r>
+              <a:rPr lang="en-US" dirty="0"/>
+              <a:t>Input fields: n/a</a:t>
+            </a:r>
+          </a:p>
+        </p:txBody>
+      </p:sp>
+      <p:sp>
+        <p:nvSpPr>
+          <p:cNvPr id="14" name="TextBox 13">
+            <a:extLst>
+              <a:ext uri="{FF2B5EF4-FFF2-40B4-BE49-F238E27FC236}">
+                <a16:creationId xmlns:a16="http://schemas.microsoft.com/office/drawing/2014/main" id="{8C1EB76A-73EF-F83A-880D-4FC2E5E32B28}"/>
+              </a:ext>
+            </a:extLst>
+          </p:cNvPr>
+          <p:cNvSpPr txBox="1"/>
+          <p:nvPr/>
+        </p:nvSpPr>
+        <p:spPr>
+          <a:xfrm>
+            <a:off x="4944470" y="1265053"/>
+            <a:ext cx="3955550" cy="923330"/>
+          </a:xfrm>
+          <a:prstGeom prst="rect">
+            <a:avLst/>
+          </a:prstGeom>
+          <a:solidFill>
+            <a:srgbClr val="FF5050"/>
+          </a:solidFill>
+          <a:ln w="28575">
+            <a:solidFill>
+              <a:srgbClr val="0070C0"/>
+            </a:solidFill>
+            <a:prstDash val="dash"/>
+          </a:ln>
+        </p:spPr>
+        <p:txBody>
+          <a:bodyPr wrap="square" rtlCol="0">
+            <a:spAutoFit/>
+          </a:bodyPr>
+          <a:lstStyle/>
+          <a:p>
+            <a:r>
+              <a:rPr lang="en-US" dirty="0">
+                <a:solidFill>
+                  <a:srgbClr val="0070C0"/>
+                </a:solidFill>
+              </a:rPr>
+              <a:t>lotusmedi.com/</a:t>
+            </a:r>
+            <a:r>
+              <a:rPr lang="en-US" dirty="0" err="1">
+                <a:solidFill>
+                  <a:srgbClr val="0070C0"/>
+                </a:solidFill>
+              </a:rPr>
+              <a:t>getVisits</a:t>
+            </a:r>
+            <a:endParaRPr lang="en-US" dirty="0">
+              <a:solidFill>
+                <a:srgbClr val="0070C0"/>
+              </a:solidFill>
+            </a:endParaRPr>
+          </a:p>
+          <a:p>
+            <a:r>
+              <a:rPr lang="en-US" dirty="0"/>
+              <a:t>Reply if no data to show = no visitors: </a:t>
+            </a:r>
+            <a:r>
+              <a:rPr lang="en-US" b="1" dirty="0">
+                <a:solidFill>
+                  <a:srgbClr val="92D050"/>
+                </a:solidFill>
+              </a:rPr>
+              <a:t>912</a:t>
+            </a:r>
+            <a:endParaRPr lang="ru-RU" b="1" dirty="0">
+              <a:solidFill>
+                <a:srgbClr val="92D050"/>
+              </a:solidFill>
+            </a:endParaRPr>
+          </a:p>
+        </p:txBody>
+      </p:sp>
+      <p:sp>
+        <p:nvSpPr>
+          <p:cNvPr id="15" name="TextBox 14">
+            <a:extLst>
+              <a:ext uri="{FF2B5EF4-FFF2-40B4-BE49-F238E27FC236}">
+                <a16:creationId xmlns:a16="http://schemas.microsoft.com/office/drawing/2014/main" id="{FE032F02-B8DE-D107-13BF-B3517ED17CB6}"/>
+              </a:ext>
+            </a:extLst>
+          </p:cNvPr>
+          <p:cNvSpPr txBox="1"/>
+          <p:nvPr/>
+        </p:nvSpPr>
+        <p:spPr>
+          <a:xfrm>
+            <a:off x="5085302" y="3392701"/>
+            <a:ext cx="3955550" cy="2585323"/>
+          </a:xfrm>
+          <a:prstGeom prst="rect">
+            <a:avLst/>
+          </a:prstGeom>
+          <a:solidFill>
+            <a:schemeClr val="accent6">
+              <a:lumMod val="40000"/>
+              <a:lumOff val="60000"/>
+            </a:schemeClr>
+          </a:solidFill>
+          <a:ln w="28575">
+            <a:solidFill>
+              <a:srgbClr val="0070C0"/>
+            </a:solidFill>
+            <a:prstDash val="dash"/>
+          </a:ln>
+        </p:spPr>
+        <p:txBody>
+          <a:bodyPr wrap="square" rtlCol="0">
+            <a:spAutoFit/>
+          </a:bodyPr>
+          <a:lstStyle/>
+          <a:p>
+            <a:r>
+              <a:rPr lang="en-US" dirty="0">
+                <a:solidFill>
+                  <a:srgbClr val="0070C0"/>
+                </a:solidFill>
+              </a:rPr>
+              <a:t>lotusmedi.com/</a:t>
+            </a:r>
+            <a:r>
+              <a:rPr lang="en-US" dirty="0" err="1">
+                <a:solidFill>
+                  <a:srgbClr val="0070C0"/>
+                </a:solidFill>
+              </a:rPr>
+              <a:t>getVisits</a:t>
+            </a:r>
+            <a:endParaRPr lang="en-US" dirty="0">
+              <a:solidFill>
+                <a:srgbClr val="0070C0"/>
+              </a:solidFill>
+            </a:endParaRPr>
+          </a:p>
+          <a:p>
+            <a:r>
+              <a:rPr lang="en-US" dirty="0"/>
+              <a:t>Reply if data available output:</a:t>
+            </a:r>
+            <a:br>
+              <a:rPr lang="en-US" dirty="0"/>
+            </a:br>
+            <a:r>
+              <a:rPr lang="en-US" dirty="0"/>
+              <a:t>List&lt;Visit&gt; visits</a:t>
+            </a:r>
+          </a:p>
+          <a:p>
+            <a:r>
+              <a:rPr lang="ru-RU" dirty="0" err="1"/>
+              <a:t>Отсортировынны</a:t>
+            </a:r>
+            <a:r>
+              <a:rPr lang="ru-RU" dirty="0"/>
+              <a:t> 1-10 : первые 10 на заполнение формы</a:t>
+            </a:r>
+            <a:r>
+              <a:rPr lang="en-US" dirty="0"/>
+              <a:t> </a:t>
+            </a:r>
+            <a:r>
+              <a:rPr lang="en-US" dirty="0" err="1"/>
+              <a:t>currentState</a:t>
+            </a:r>
+            <a:r>
+              <a:rPr lang="en-US" dirty="0"/>
+              <a:t> = 1</a:t>
+            </a:r>
+            <a:endParaRPr lang="ru-RU" dirty="0"/>
+          </a:p>
+          <a:p>
+            <a:r>
+              <a:rPr lang="ru-RU" dirty="0"/>
+              <a:t>11-20: первые 10 на прием к врачу= выписку рецепта</a:t>
+            </a:r>
+            <a:r>
+              <a:rPr lang="en-US" dirty="0"/>
+              <a:t> </a:t>
+            </a:r>
+            <a:r>
+              <a:rPr lang="en-US" dirty="0" err="1"/>
+              <a:t>currentState</a:t>
+            </a:r>
+            <a:r>
+              <a:rPr lang="en-US" dirty="0"/>
+              <a:t> = 2</a:t>
+            </a:r>
+            <a:endParaRPr lang="ru-RU" dirty="0"/>
+          </a:p>
+          <a:p>
+            <a:r>
+              <a:rPr lang="ru-RU" dirty="0"/>
+              <a:t>21-30: последние 10 </a:t>
+            </a:r>
+            <a:r>
+              <a:rPr lang="ru-RU" dirty="0" err="1"/>
+              <a:t>завершенны</a:t>
+            </a:r>
+            <a:r>
+              <a:rPr lang="en-US" dirty="0"/>
+              <a:t> </a:t>
+            </a:r>
+          </a:p>
+          <a:p>
+            <a:r>
+              <a:rPr lang="en-US" dirty="0" err="1"/>
+              <a:t>currentState</a:t>
+            </a:r>
+            <a:r>
+              <a:rPr lang="en-US" dirty="0"/>
+              <a:t> = 3</a:t>
+            </a:r>
+            <a:endParaRPr lang="ru-RU" b="1" dirty="0">
+              <a:solidFill>
+                <a:srgbClr val="92D050"/>
+              </a:solidFill>
+            </a:endParaRPr>
+          </a:p>
+        </p:txBody>
+      </p:sp>
+    </p:spTree>
+    <p:extLst>
+      <p:ext uri="{BB962C8B-B14F-4D97-AF65-F5344CB8AC3E}">
+        <p14:creationId xmlns:p14="http://schemas.microsoft.com/office/powerpoint/2010/main" val="3483132032"/>
+      </p:ext>
+    </p:extLst>
+  </p:cSld>
+  <p:clrMapOvr>
+    <a:masterClrMapping/>
+  </p:clrMapOvr>
+</p:sld>
+</file>
+
+<file path=ppt/slides/slide6.xml><?xml version="1.0" encoding="utf-8"?>
+<p:sld xmlns:a="http://schemas.openxmlformats.org/drawingml/2006/main" xmlns:r="http://schemas.openxmlformats.org/officeDocument/2006/relationships" xmlns:p="http://schemas.openxmlformats.org/presentationml/2006/main">
+  <p:cSld>
+    <p:spTree>
+      <p:nvGrpSpPr>
+        <p:cNvPr id="1" name=""/>
+        <p:cNvGrpSpPr/>
+        <p:nvPr/>
+      </p:nvGrpSpPr>
+      <p:grpSpPr>
+        <a:xfrm>
+          <a:off x="0" y="0"/>
+          <a:ext cx="0" cy="0"/>
+          <a:chOff x="0" y="0"/>
+          <a:chExt cx="0" cy="0"/>
+        </a:xfrm>
+      </p:grpSpPr>
+      <p:pic>
+        <p:nvPicPr>
+          <p:cNvPr id="10" name="Рисунок 9">
+            <a:extLst>
+              <a:ext uri="{FF2B5EF4-FFF2-40B4-BE49-F238E27FC236}">
+                <a16:creationId xmlns:a16="http://schemas.microsoft.com/office/drawing/2014/main" id="{34660191-6023-9B1A-E177-94F81006CE10}"/>
+              </a:ext>
+            </a:extLst>
+          </p:cNvPr>
+          <p:cNvPicPr>
+            <a:picLocks noChangeAspect="1"/>
+          </p:cNvPicPr>
+          <p:nvPr/>
+        </p:nvPicPr>
+        <p:blipFill>
+          <a:blip r:embed="rId2"/>
+          <a:stretch>
+            <a:fillRect/>
+          </a:stretch>
+        </p:blipFill>
+        <p:spPr>
+          <a:xfrm>
+            <a:off x="5189952" y="3277456"/>
+            <a:ext cx="1812095" cy="3549721"/>
+          </a:xfrm>
+          <a:prstGeom prst="rect">
+            <a:avLst/>
+          </a:prstGeom>
+        </p:spPr>
+      </p:pic>
+      <p:pic>
+        <p:nvPicPr>
+          <p:cNvPr id="11" name="Рисунок 10">
+            <a:extLst>
+              <a:ext uri="{FF2B5EF4-FFF2-40B4-BE49-F238E27FC236}">
+                <a16:creationId xmlns:a16="http://schemas.microsoft.com/office/drawing/2014/main" id="{E70E9AFF-CFF9-A14E-7EC4-12BC850FE631}"/>
+              </a:ext>
+            </a:extLst>
+          </p:cNvPr>
+          <p:cNvPicPr>
+            <a:picLocks noChangeAspect="1"/>
+          </p:cNvPicPr>
+          <p:nvPr/>
+        </p:nvPicPr>
+        <p:blipFill>
+          <a:blip r:embed="rId3"/>
+          <a:stretch>
+            <a:fillRect/>
+          </a:stretch>
+        </p:blipFill>
+        <p:spPr>
+          <a:xfrm>
+            <a:off x="214798" y="1269463"/>
+            <a:ext cx="1812094" cy="3538811"/>
+          </a:xfrm>
+          <a:prstGeom prst="rect">
+            <a:avLst/>
+          </a:prstGeom>
+        </p:spPr>
+      </p:pic>
+      <p:sp>
+        <p:nvSpPr>
+          <p:cNvPr id="4" name="TextBox 3">
+            <a:extLst>
+              <a:ext uri="{FF2B5EF4-FFF2-40B4-BE49-F238E27FC236}">
+                <a16:creationId xmlns:a16="http://schemas.microsoft.com/office/drawing/2014/main" id="{E96F7754-9594-9225-01A6-ADF3C4B1830C}"/>
+              </a:ext>
+            </a:extLst>
+          </p:cNvPr>
+          <p:cNvSpPr txBox="1"/>
+          <p:nvPr/>
+        </p:nvSpPr>
+        <p:spPr>
+          <a:xfrm>
+            <a:off x="195209" y="267128"/>
+            <a:ext cx="11126912" cy="707886"/>
+          </a:xfrm>
+          <a:prstGeom prst="rect">
+            <a:avLst/>
+          </a:prstGeom>
+          <a:noFill/>
+        </p:spPr>
+        <p:txBody>
+          <a:bodyPr wrap="square" rtlCol="0">
+            <a:spAutoFit/>
+          </a:bodyPr>
+          <a:lstStyle/>
+          <a:p>
+            <a:r>
+              <a:rPr lang="en-US" sz="2000" dirty="0"/>
+              <a:t>User details Page</a:t>
+            </a:r>
+            <a:r>
+              <a:rPr lang="ru-RU" sz="2000" dirty="0"/>
+              <a:t>:</a:t>
+            </a:r>
+            <a:r>
+              <a:rPr lang="en-US" sz="2000" dirty="0"/>
+              <a:t> </a:t>
+            </a:r>
+            <a:r>
+              <a:rPr lang="en-US" sz="2000" dirty="0">
+                <a:solidFill>
+                  <a:srgbClr val="0070C0"/>
+                </a:solidFill>
+              </a:rPr>
+              <a:t>lotusmedi.com/</a:t>
+            </a:r>
+            <a:r>
+              <a:rPr lang="en-US" sz="2000" dirty="0" err="1">
+                <a:solidFill>
+                  <a:srgbClr val="0070C0"/>
+                </a:solidFill>
+              </a:rPr>
+              <a:t>getVisit?visitId</a:t>
+            </a:r>
+            <a:r>
+              <a:rPr lang="en-US" sz="2000" dirty="0">
+                <a:solidFill>
+                  <a:srgbClr val="0070C0"/>
+                </a:solidFill>
+              </a:rPr>
+              <a:t>=***</a:t>
+            </a:r>
+            <a:endParaRPr lang="en-US" sz="2000" dirty="0"/>
+          </a:p>
+          <a:p>
+            <a:r>
+              <a:rPr lang="en-US" sz="2000" dirty="0">
+                <a:solidFill>
+                  <a:srgbClr val="FF0000"/>
+                </a:solidFill>
+              </a:rPr>
+              <a:t>If not possible: 911</a:t>
+            </a:r>
+          </a:p>
+        </p:txBody>
+      </p:sp>
+      <p:cxnSp>
+        <p:nvCxnSpPr>
+          <p:cNvPr id="5" name="Прямая соединительная линия 4">
+            <a:extLst>
+              <a:ext uri="{FF2B5EF4-FFF2-40B4-BE49-F238E27FC236}">
+                <a16:creationId xmlns:a16="http://schemas.microsoft.com/office/drawing/2014/main" id="{364DEB66-4014-4C60-5F5C-2D31D75AF634}"/>
+              </a:ext>
+            </a:extLst>
+          </p:cNvPr>
+          <p:cNvCxnSpPr>
+            <a:cxnSpLocks/>
+          </p:cNvCxnSpPr>
+          <p:nvPr/>
+        </p:nvCxnSpPr>
+        <p:spPr>
+          <a:xfrm>
+            <a:off x="4623370" y="975014"/>
+            <a:ext cx="0" cy="6026924"/>
+          </a:xfrm>
+          <a:prstGeom prst="line">
+            <a:avLst/>
+          </a:prstGeom>
+          <a:ln w="38100">
+            <a:prstDash val="lgDashDot"/>
+          </a:ln>
+        </p:spPr>
+        <p:style>
+          <a:lnRef idx="1">
+            <a:schemeClr val="accent2"/>
+          </a:lnRef>
+          <a:fillRef idx="0">
+            <a:schemeClr val="accent2"/>
+          </a:fillRef>
+          <a:effectRef idx="0">
+            <a:schemeClr val="accent2"/>
+          </a:effectRef>
+          <a:fontRef idx="minor">
+            <a:schemeClr val="tx1"/>
+          </a:fontRef>
+        </p:style>
+      </p:cxnSp>
+      <p:sp>
+        <p:nvSpPr>
+          <p:cNvPr id="7" name="Прямоугольник: скругленные углы 6">
+            <a:extLst>
+              <a:ext uri="{FF2B5EF4-FFF2-40B4-BE49-F238E27FC236}">
+                <a16:creationId xmlns:a16="http://schemas.microsoft.com/office/drawing/2014/main" id="{0A7C352C-F969-CC69-6350-2491336CC401}"/>
+              </a:ext>
+            </a:extLst>
+          </p:cNvPr>
+          <p:cNvSpPr/>
+          <p:nvPr/>
+        </p:nvSpPr>
+        <p:spPr>
+          <a:xfrm>
+            <a:off x="253808" y="3343530"/>
+            <a:ext cx="1695236" cy="406537"/>
+          </a:xfrm>
+          <a:prstGeom prst="roundRect">
+            <a:avLst/>
+          </a:prstGeom>
+          <a:noFill/>
+          <a:ln w="28575">
+            <a:solidFill>
+              <a:srgbClr val="FF0000"/>
+            </a:solidFill>
+          </a:ln>
+        </p:spPr>
+        <p:style>
+          <a:lnRef idx="2">
+            <a:schemeClr val="accent6"/>
+          </a:lnRef>
+          <a:fillRef idx="1">
+            <a:schemeClr val="lt1"/>
+          </a:fillRef>
+          <a:effectRef idx="0">
+            <a:schemeClr val="accent6"/>
+          </a:effectRef>
+          <a:fontRef idx="minor">
+            <a:schemeClr val="dk1"/>
+          </a:fontRef>
+        </p:style>
+        <p:txBody>
+          <a:bodyPr rtlCol="0" anchor="ctr"/>
+          <a:lstStyle/>
+          <a:p>
+            <a:pPr algn="ctr"/>
+            <a:endParaRPr lang="ru-RU"/>
+          </a:p>
+        </p:txBody>
+      </p:sp>
+      <p:sp>
+        <p:nvSpPr>
+          <p:cNvPr id="8" name="TextBox 7">
+            <a:extLst>
+              <a:ext uri="{FF2B5EF4-FFF2-40B4-BE49-F238E27FC236}">
+                <a16:creationId xmlns:a16="http://schemas.microsoft.com/office/drawing/2014/main" id="{D3CD3BF6-ACDE-6CDE-972F-8E6ADA38BEA3}"/>
+              </a:ext>
+            </a:extLst>
+          </p:cNvPr>
+          <p:cNvSpPr txBox="1"/>
+          <p:nvPr/>
+        </p:nvSpPr>
+        <p:spPr>
+          <a:xfrm>
+            <a:off x="253808" y="5426390"/>
+            <a:ext cx="4125905" cy="923330"/>
+          </a:xfrm>
+          <a:prstGeom prst="rect">
+            <a:avLst/>
+          </a:prstGeom>
+          <a:solidFill>
+            <a:schemeClr val="accent4">
+              <a:lumMod val="40000"/>
+              <a:lumOff val="60000"/>
+            </a:schemeClr>
+          </a:solidFill>
+          <a:ln w="28575">
+            <a:solidFill>
+              <a:srgbClr val="0070C0"/>
+            </a:solidFill>
+            <a:prstDash val="dash"/>
+          </a:ln>
+        </p:spPr>
+        <p:txBody>
+          <a:bodyPr wrap="square" rtlCol="0">
+            <a:spAutoFit/>
+          </a:bodyPr>
+          <a:lstStyle/>
+          <a:p>
+            <a:r>
+              <a:rPr lang="en-US" dirty="0">
+                <a:solidFill>
+                  <a:srgbClr val="0070C0"/>
+                </a:solidFill>
+              </a:rPr>
+              <a:t>lotusmedi.com/</a:t>
+            </a:r>
+            <a:r>
+              <a:rPr lang="en-US" dirty="0" err="1">
+                <a:solidFill>
+                  <a:srgbClr val="0070C0"/>
+                </a:solidFill>
+              </a:rPr>
+              <a:t>getVisit?visitId</a:t>
+            </a:r>
+            <a:r>
+              <a:rPr lang="en-US" dirty="0">
+                <a:solidFill>
+                  <a:srgbClr val="0070C0"/>
+                </a:solidFill>
+              </a:rPr>
+              <a:t>=***</a:t>
+            </a:r>
+          </a:p>
+          <a:p>
+            <a:r>
+              <a:rPr lang="en-US" dirty="0"/>
+              <a:t>Input fields:</a:t>
+            </a:r>
+          </a:p>
+          <a:p>
+            <a:r>
+              <a:rPr lang="en-US" dirty="0"/>
+              <a:t>Int </a:t>
+            </a:r>
+            <a:r>
+              <a:rPr lang="en-US" dirty="0" err="1"/>
+              <a:t>visitId</a:t>
+            </a:r>
+            <a:endParaRPr lang="en-US" dirty="0"/>
+          </a:p>
+        </p:txBody>
+      </p:sp>
+      <p:cxnSp>
+        <p:nvCxnSpPr>
+          <p:cNvPr id="6" name="Прямая со стрелкой 5">
+            <a:extLst>
+              <a:ext uri="{FF2B5EF4-FFF2-40B4-BE49-F238E27FC236}">
+                <a16:creationId xmlns:a16="http://schemas.microsoft.com/office/drawing/2014/main" id="{825EC091-C822-5C74-68E8-BB9517950DB9}"/>
+              </a:ext>
+            </a:extLst>
+          </p:cNvPr>
+          <p:cNvCxnSpPr>
+            <a:cxnSpLocks/>
+          </p:cNvCxnSpPr>
+          <p:nvPr/>
+        </p:nvCxnSpPr>
+        <p:spPr>
+          <a:xfrm>
+            <a:off x="1232899" y="3637052"/>
+            <a:ext cx="4376791" cy="1340730"/>
+          </a:xfrm>
+          <a:prstGeom prst="straightConnector1">
+            <a:avLst/>
+          </a:prstGeom>
+          <a:ln w="57150">
+            <a:tailEnd type="triangle"/>
+          </a:ln>
+        </p:spPr>
+        <p:style>
+          <a:lnRef idx="1">
+            <a:schemeClr val="accent1"/>
+          </a:lnRef>
+          <a:fillRef idx="0">
+            <a:schemeClr val="accent1"/>
+          </a:fillRef>
+          <a:effectRef idx="0">
+            <a:schemeClr val="accent1"/>
+          </a:effectRef>
+          <a:fontRef idx="minor">
+            <a:schemeClr val="tx1"/>
+          </a:fontRef>
+        </p:style>
+      </p:cxnSp>
+      <p:sp>
+        <p:nvSpPr>
+          <p:cNvPr id="15" name="TextBox 14">
+            <a:extLst>
+              <a:ext uri="{FF2B5EF4-FFF2-40B4-BE49-F238E27FC236}">
+                <a16:creationId xmlns:a16="http://schemas.microsoft.com/office/drawing/2014/main" id="{238AB6B6-7ABC-5FE5-7854-70873FAE2188}"/>
+              </a:ext>
+            </a:extLst>
+          </p:cNvPr>
+          <p:cNvSpPr txBox="1"/>
+          <p:nvPr/>
+        </p:nvSpPr>
+        <p:spPr>
+          <a:xfrm>
+            <a:off x="7435067" y="3512375"/>
+            <a:ext cx="3955550" cy="2585323"/>
+          </a:xfrm>
+          <a:prstGeom prst="rect">
+            <a:avLst/>
+          </a:prstGeom>
+          <a:solidFill>
+            <a:schemeClr val="accent6">
+              <a:lumMod val="40000"/>
+              <a:lumOff val="60000"/>
+            </a:schemeClr>
+          </a:solidFill>
+          <a:ln w="28575">
+            <a:solidFill>
+              <a:srgbClr val="0070C0"/>
+            </a:solidFill>
+            <a:prstDash val="dash"/>
+          </a:ln>
+        </p:spPr>
+        <p:txBody>
+          <a:bodyPr wrap="square" rtlCol="0">
+            <a:spAutoFit/>
+          </a:bodyPr>
+          <a:lstStyle/>
+          <a:p>
+            <a:r>
+              <a:rPr lang="en-US" dirty="0">
+                <a:solidFill>
+                  <a:srgbClr val="0070C0"/>
+                </a:solidFill>
+              </a:rPr>
+              <a:t>lotusmedi.com/</a:t>
+            </a:r>
+            <a:r>
+              <a:rPr lang="en-US" dirty="0" err="1">
+                <a:solidFill>
+                  <a:srgbClr val="0070C0"/>
+                </a:solidFill>
+              </a:rPr>
+              <a:t>getVisit?visitId</a:t>
+            </a:r>
+            <a:r>
+              <a:rPr lang="en-US" dirty="0">
+                <a:solidFill>
+                  <a:srgbClr val="0070C0"/>
+                </a:solidFill>
+              </a:rPr>
+              <a:t>=***</a:t>
+            </a:r>
+          </a:p>
+          <a:p>
+            <a:r>
+              <a:rPr lang="en-US" dirty="0"/>
+              <a:t>Reply if data available output:</a:t>
+            </a:r>
+          </a:p>
+          <a:p>
+            <a:r>
+              <a:rPr lang="en-US" b="1" u="sng" dirty="0"/>
+              <a:t>Visit </a:t>
+            </a:r>
+            <a:r>
+              <a:rPr lang="en-US" b="1" u="sng" dirty="0" err="1"/>
+              <a:t>chosenVisit</a:t>
+            </a:r>
+            <a:r>
+              <a:rPr lang="en-US" b="1" u="sng" dirty="0"/>
+              <a:t>:</a:t>
+            </a:r>
+          </a:p>
+          <a:p>
+            <a:r>
+              <a:rPr lang="en-US" dirty="0"/>
+              <a:t>   +Visitor </a:t>
+            </a:r>
+            <a:r>
+              <a:rPr lang="en-US" dirty="0" err="1"/>
+              <a:t>visitor</a:t>
+            </a:r>
+            <a:r>
+              <a:rPr lang="en-US" dirty="0"/>
+              <a:t>;</a:t>
+            </a:r>
+            <a:br>
+              <a:rPr lang="en-US" dirty="0"/>
+            </a:br>
+            <a:r>
+              <a:rPr lang="en-US" dirty="0"/>
+              <a:t>   +Doctor </a:t>
+            </a:r>
+            <a:r>
+              <a:rPr lang="en-US" dirty="0" err="1"/>
+              <a:t>doctor</a:t>
+            </a:r>
+            <a:r>
+              <a:rPr lang="en-US" dirty="0"/>
+              <a:t>;</a:t>
+            </a:r>
+          </a:p>
+          <a:p>
+            <a:r>
+              <a:rPr lang="en-US" dirty="0"/>
+              <a:t>   +</a:t>
+            </a:r>
+            <a:r>
+              <a:rPr lang="en-US" dirty="0" err="1"/>
+              <a:t>FormData</a:t>
+            </a:r>
+            <a:r>
+              <a:rPr lang="en-US" dirty="0"/>
+              <a:t> </a:t>
+            </a:r>
+            <a:r>
+              <a:rPr lang="en-US" dirty="0" err="1"/>
+              <a:t>formData</a:t>
+            </a:r>
+            <a:r>
+              <a:rPr lang="en-US" dirty="0"/>
+              <a:t>;</a:t>
+            </a:r>
+            <a:endParaRPr lang="ru-RU" dirty="0"/>
+          </a:p>
+          <a:p>
+            <a:r>
+              <a:rPr lang="en-US" dirty="0"/>
+              <a:t>   +Result </a:t>
+            </a:r>
+            <a:r>
+              <a:rPr lang="en-US" dirty="0" err="1"/>
+              <a:t>result</a:t>
+            </a:r>
+            <a:r>
+              <a:rPr lang="en-US" dirty="0"/>
+              <a:t>;</a:t>
+            </a:r>
+          </a:p>
+          <a:p>
+            <a:endParaRPr lang="en-US" b="1" dirty="0">
+              <a:solidFill>
+                <a:srgbClr val="92D050"/>
+              </a:solidFill>
+            </a:endParaRPr>
+          </a:p>
+          <a:p>
+            <a:r>
+              <a:rPr lang="en-US" b="1" dirty="0">
+                <a:solidFill>
+                  <a:srgbClr val="FF0000"/>
+                </a:solidFill>
+              </a:rPr>
+              <a:t>If not exist then null;</a:t>
+            </a:r>
+            <a:endParaRPr lang="ru-RU" b="1" dirty="0">
+              <a:solidFill>
+                <a:srgbClr val="FF0000"/>
+              </a:solidFill>
+            </a:endParaRPr>
+          </a:p>
+        </p:txBody>
+      </p:sp>
+    </p:spTree>
+    <p:extLst>
+      <p:ext uri="{BB962C8B-B14F-4D97-AF65-F5344CB8AC3E}">
+        <p14:creationId xmlns:p14="http://schemas.microsoft.com/office/powerpoint/2010/main" val="1384225747"/>
+      </p:ext>
+    </p:extLst>
+  </p:cSld>
+  <p:clrMapOvr>
+    <a:masterClrMapping/>
+  </p:clrMapOvr>
+</p:sld>
+</file>
+
+<file path=ppt/slides/slide7.xml><?xml version="1.0" encoding="utf-8"?>
+<p:sld xmlns:a="http://schemas.openxmlformats.org/drawingml/2006/main" xmlns:r="http://schemas.openxmlformats.org/officeDocument/2006/relationships" xmlns:p="http://schemas.openxmlformats.org/presentationml/2006/main">
+  <p:cSld>
+    <p:spTree>
+      <p:nvGrpSpPr>
+        <p:cNvPr id="1" name=""/>
+        <p:cNvGrpSpPr/>
+        <p:nvPr/>
+      </p:nvGrpSpPr>
+      <p:grpSpPr>
+        <a:xfrm>
+          <a:off x="0" y="0"/>
+          <a:ext cx="0" cy="0"/>
+          <a:chOff x="0" y="0"/>
+          <a:chExt cx="0" cy="0"/>
+        </a:xfrm>
+      </p:grpSpPr>
+      <p:pic>
+        <p:nvPicPr>
+          <p:cNvPr id="3" name="Рисунок 2">
+            <a:extLst>
+              <a:ext uri="{FF2B5EF4-FFF2-40B4-BE49-F238E27FC236}">
+                <a16:creationId xmlns:a16="http://schemas.microsoft.com/office/drawing/2014/main" id="{CDB5A123-F72C-1E8F-2A52-C79C924ECE22}"/>
+              </a:ext>
+            </a:extLst>
+          </p:cNvPr>
+          <p:cNvPicPr>
+            <a:picLocks noChangeAspect="1"/>
+          </p:cNvPicPr>
+          <p:nvPr/>
+        </p:nvPicPr>
+        <p:blipFill>
+          <a:blip r:embed="rId2"/>
+          <a:stretch>
+            <a:fillRect/>
+          </a:stretch>
+        </p:blipFill>
+        <p:spPr>
+          <a:xfrm>
+            <a:off x="193386" y="1431610"/>
+            <a:ext cx="1423585" cy="2843811"/>
+          </a:xfrm>
+          <a:prstGeom prst="rect">
+            <a:avLst/>
+          </a:prstGeom>
+        </p:spPr>
+      </p:pic>
+      <p:sp>
+        <p:nvSpPr>
+          <p:cNvPr id="4" name="TextBox 3">
+            <a:extLst>
+              <a:ext uri="{FF2B5EF4-FFF2-40B4-BE49-F238E27FC236}">
+                <a16:creationId xmlns:a16="http://schemas.microsoft.com/office/drawing/2014/main" id="{E96F7754-9594-9225-01A6-ADF3C4B1830C}"/>
+              </a:ext>
+            </a:extLst>
+          </p:cNvPr>
+          <p:cNvSpPr txBox="1"/>
+          <p:nvPr/>
+        </p:nvSpPr>
+        <p:spPr>
+          <a:xfrm>
+            <a:off x="195209" y="267128"/>
+            <a:ext cx="11126912" cy="400110"/>
+          </a:xfrm>
+          <a:prstGeom prst="rect">
+            <a:avLst/>
+          </a:prstGeom>
+          <a:noFill/>
+        </p:spPr>
+        <p:txBody>
+          <a:bodyPr wrap="square" rtlCol="0">
+            <a:spAutoFit/>
+          </a:bodyPr>
+          <a:lstStyle/>
+          <a:p>
+            <a:r>
+              <a:rPr lang="en-US" sz="2000" dirty="0"/>
+              <a:t>Page</a:t>
+            </a:r>
+            <a:r>
+              <a:rPr lang="ru-RU" sz="2000" dirty="0"/>
+              <a:t>:</a:t>
+            </a:r>
+            <a:r>
+              <a:rPr lang="en-US" sz="2000" dirty="0"/>
+              <a:t> </a:t>
+            </a:r>
+            <a:r>
+              <a:rPr lang="ru-RU" sz="2000" dirty="0"/>
+              <a:t>Очередь</a:t>
+            </a:r>
+            <a:r>
+              <a:rPr lang="en-US" sz="2000" dirty="0"/>
+              <a:t> (Overview)</a:t>
+            </a:r>
+          </a:p>
+        </p:txBody>
+      </p:sp>
+      <p:cxnSp>
+        <p:nvCxnSpPr>
+          <p:cNvPr id="5" name="Прямая соединительная линия 4">
+            <a:extLst>
+              <a:ext uri="{FF2B5EF4-FFF2-40B4-BE49-F238E27FC236}">
+                <a16:creationId xmlns:a16="http://schemas.microsoft.com/office/drawing/2014/main" id="{364DEB66-4014-4C60-5F5C-2D31D75AF634}"/>
+              </a:ext>
+            </a:extLst>
+          </p:cNvPr>
+          <p:cNvCxnSpPr/>
+          <p:nvPr/>
+        </p:nvCxnSpPr>
+        <p:spPr>
+          <a:xfrm>
+            <a:off x="4530903" y="123190"/>
+            <a:ext cx="0" cy="6734810"/>
+          </a:xfrm>
+          <a:prstGeom prst="line">
+            <a:avLst/>
+          </a:prstGeom>
+          <a:ln w="38100">
+            <a:prstDash val="lgDashDot"/>
+          </a:ln>
+        </p:spPr>
+        <p:style>
+          <a:lnRef idx="1">
+            <a:schemeClr val="accent2"/>
+          </a:lnRef>
+          <a:fillRef idx="0">
+            <a:schemeClr val="accent2"/>
+          </a:fillRef>
+          <a:effectRef idx="0">
+            <a:schemeClr val="accent2"/>
+          </a:effectRef>
+          <a:fontRef idx="minor">
+            <a:schemeClr val="tx1"/>
+          </a:fontRef>
+        </p:style>
+      </p:cxnSp>
+      <p:cxnSp>
+        <p:nvCxnSpPr>
+          <p:cNvPr id="6" name="Прямая со стрелкой 5">
+            <a:extLst>
+              <a:ext uri="{FF2B5EF4-FFF2-40B4-BE49-F238E27FC236}">
+                <a16:creationId xmlns:a16="http://schemas.microsoft.com/office/drawing/2014/main" id="{825EC091-C822-5C74-68E8-BB9517950DB9}"/>
+              </a:ext>
+            </a:extLst>
+          </p:cNvPr>
+          <p:cNvCxnSpPr>
+            <a:cxnSpLocks/>
+            <a:stCxn id="8" idx="1"/>
+          </p:cNvCxnSpPr>
+          <p:nvPr/>
+        </p:nvCxnSpPr>
+        <p:spPr>
+          <a:xfrm flipH="1">
+            <a:off x="1480873" y="1536706"/>
+            <a:ext cx="664902" cy="526777"/>
+          </a:xfrm>
+          <a:prstGeom prst="straightConnector1">
+            <a:avLst/>
+          </a:prstGeom>
+          <a:ln w="57150">
+            <a:tailEnd type="triangle"/>
+          </a:ln>
+        </p:spPr>
+        <p:style>
+          <a:lnRef idx="1">
+            <a:schemeClr val="accent1"/>
+          </a:lnRef>
+          <a:fillRef idx="0">
+            <a:schemeClr val="accent1"/>
+          </a:fillRef>
+          <a:effectRef idx="0">
+            <a:schemeClr val="accent1"/>
+          </a:effectRef>
+          <a:fontRef idx="minor">
+            <a:schemeClr val="tx1"/>
+          </a:fontRef>
+        </p:style>
+      </p:cxnSp>
+      <p:sp>
+        <p:nvSpPr>
+          <p:cNvPr id="7" name="Прямоугольник: скругленные углы 6">
+            <a:extLst>
+              <a:ext uri="{FF2B5EF4-FFF2-40B4-BE49-F238E27FC236}">
+                <a16:creationId xmlns:a16="http://schemas.microsoft.com/office/drawing/2014/main" id="{0A7C352C-F969-CC69-6350-2491336CC401}"/>
+              </a:ext>
+            </a:extLst>
+          </p:cNvPr>
+          <p:cNvSpPr/>
+          <p:nvPr/>
+        </p:nvSpPr>
+        <p:spPr>
+          <a:xfrm>
+            <a:off x="193386" y="1890445"/>
+            <a:ext cx="1423584" cy="592870"/>
+          </a:xfrm>
+          <a:prstGeom prst="roundRect">
+            <a:avLst/>
+          </a:prstGeom>
+          <a:noFill/>
+          <a:ln w="28575">
+            <a:solidFill>
+              <a:srgbClr val="FF0000"/>
+            </a:solidFill>
+          </a:ln>
+        </p:spPr>
+        <p:style>
+          <a:lnRef idx="2">
+            <a:schemeClr val="accent6"/>
+          </a:lnRef>
+          <a:fillRef idx="1">
+            <a:schemeClr val="lt1"/>
+          </a:fillRef>
+          <a:effectRef idx="0">
+            <a:schemeClr val="accent6"/>
+          </a:effectRef>
+          <a:fontRef idx="minor">
+            <a:schemeClr val="dk1"/>
+          </a:fontRef>
+        </p:style>
+        <p:txBody>
+          <a:bodyPr rtlCol="0" anchor="ctr"/>
+          <a:lstStyle/>
+          <a:p>
+            <a:pPr algn="ctr"/>
+            <a:endParaRPr lang="ru-RU"/>
+          </a:p>
+        </p:txBody>
+      </p:sp>
+      <p:sp>
+        <p:nvSpPr>
+          <p:cNvPr id="8" name="TextBox 7">
+            <a:extLst>
+              <a:ext uri="{FF2B5EF4-FFF2-40B4-BE49-F238E27FC236}">
+                <a16:creationId xmlns:a16="http://schemas.microsoft.com/office/drawing/2014/main" id="{D3CD3BF6-ACDE-6CDE-972F-8E6ADA38BEA3}"/>
+              </a:ext>
+            </a:extLst>
+          </p:cNvPr>
+          <p:cNvSpPr txBox="1"/>
+          <p:nvPr/>
+        </p:nvSpPr>
+        <p:spPr>
+          <a:xfrm>
+            <a:off x="2145775" y="1213540"/>
+            <a:ext cx="2335280" cy="646331"/>
           </a:xfrm>
           <a:prstGeom prst="rect">
             <a:avLst/>
@@ -4297,69 +10103,54 @@
                   <a:srgbClr val="0070C0"/>
                 </a:solidFill>
               </a:rPr>
-              <a:t>lotusmedi.com/</a:t>
-            </a:r>
-            <a:r>
-              <a:rPr lang="en-US" dirty="0" err="1">
-                <a:solidFill>
-                  <a:srgbClr val="0070C0"/>
-                </a:solidFill>
-              </a:rPr>
-              <a:t>getVisitors</a:t>
-            </a:r>
-            <a:endParaRPr lang="en-US" dirty="0">
-              <a:solidFill>
-                <a:srgbClr val="0070C0"/>
-              </a:solidFill>
-            </a:endParaRPr>
+              <a:t>lotusmedi.com/review</a:t>
+            </a:r>
           </a:p>
           <a:p>
             <a:r>
               <a:rPr lang="en-US" dirty="0"/>
-              <a:t>Fields:</a:t>
-            </a:r>
-          </a:p>
-          <a:p>
-            <a:r>
-              <a:rPr lang="en-US" dirty="0"/>
-              <a:t>List&lt;Visitor&gt; visitors</a:t>
-            </a:r>
-          </a:p>
-          <a:p>
-            <a:r>
-              <a:rPr lang="ru-RU" dirty="0" err="1"/>
-              <a:t>Отсортировынны</a:t>
-            </a:r>
-            <a:r>
-              <a:rPr lang="ru-RU" dirty="0"/>
-              <a:t> 1-10 : первые 10 на заполнение формы</a:t>
-            </a:r>
-          </a:p>
-          <a:p>
-            <a:r>
-              <a:rPr lang="ru-RU" dirty="0"/>
-              <a:t>11-20: первые 10 на прием к врачу= выписку рецепта</a:t>
-            </a:r>
-          </a:p>
-          <a:p>
-            <a:r>
-              <a:rPr lang="ru-RU" dirty="0"/>
-              <a:t>21-30: последние 10 </a:t>
-            </a:r>
-            <a:r>
-              <a:rPr lang="ru-RU" dirty="0" err="1"/>
-              <a:t>завершенны</a:t>
-            </a:r>
-            <a:endParaRPr lang="en-US" dirty="0"/>
+              <a:t>Input: n/a</a:t>
+            </a:r>
+            <a:endParaRPr lang="ru-RU" dirty="0"/>
           </a:p>
         </p:txBody>
       </p:sp>
+      <p:pic>
+        <p:nvPicPr>
+          <p:cNvPr id="10" name="Рисунок 9">
+            <a:extLst>
+              <a:ext uri="{FF2B5EF4-FFF2-40B4-BE49-F238E27FC236}">
+                <a16:creationId xmlns:a16="http://schemas.microsoft.com/office/drawing/2014/main" id="{668BE2F2-7E21-FFA6-6B65-1A3C96B8AAC5}"/>
+              </a:ext>
+            </a:extLst>
+          </p:cNvPr>
+          <p:cNvPicPr>
+            <a:picLocks noChangeAspect="1"/>
+          </p:cNvPicPr>
+          <p:nvPr/>
+        </p:nvPicPr>
+        <p:blipFill>
+          <a:blip r:embed="rId2"/>
+          <a:stretch>
+            <a:fillRect/>
+          </a:stretch>
+        </p:blipFill>
+        <p:spPr>
+          <a:xfrm>
+            <a:off x="4897238" y="1431610"/>
+            <a:ext cx="1423585" cy="2843811"/>
+          </a:xfrm>
+          <a:prstGeom prst="rect">
+            <a:avLst/>
+          </a:prstGeom>
+        </p:spPr>
+      </p:pic>
       <p:sp>
         <p:nvSpPr>
-          <p:cNvPr id="14" name="TextBox 13">
-            <a:extLst>
-              <a:ext uri="{FF2B5EF4-FFF2-40B4-BE49-F238E27FC236}">
-                <a16:creationId xmlns:a16="http://schemas.microsoft.com/office/drawing/2014/main" id="{8C1EB76A-73EF-F83A-880D-4FC2E5E32B28}"/>
+          <p:cNvPr id="11" name="TextBox 10">
+            <a:extLst>
+              <a:ext uri="{FF2B5EF4-FFF2-40B4-BE49-F238E27FC236}">
+                <a16:creationId xmlns:a16="http://schemas.microsoft.com/office/drawing/2014/main" id="{B7116BBF-02A7-9286-7CCC-3B7B3621EB64}"/>
               </a:ext>
             </a:extLst>
           </p:cNvPr>
@@ -4368,8 +10159,346 @@
         </p:nvSpPr>
         <p:spPr>
           <a:xfrm>
-            <a:off x="4944470" y="1265053"/>
-            <a:ext cx="3955550" cy="923330"/>
+            <a:off x="6965879" y="467183"/>
+            <a:ext cx="3955550" cy="2585323"/>
+          </a:xfrm>
+          <a:prstGeom prst="rect">
+            <a:avLst/>
+          </a:prstGeom>
+          <a:solidFill>
+            <a:schemeClr val="accent6">
+              <a:lumMod val="40000"/>
+              <a:lumOff val="60000"/>
+            </a:schemeClr>
+          </a:solidFill>
+          <a:ln w="28575">
+            <a:solidFill>
+              <a:srgbClr val="0070C0"/>
+            </a:solidFill>
+            <a:prstDash val="dash"/>
+          </a:ln>
+        </p:spPr>
+        <p:txBody>
+          <a:bodyPr wrap="square" rtlCol="0">
+            <a:spAutoFit/>
+          </a:bodyPr>
+          <a:lstStyle/>
+          <a:p>
+            <a:r>
+              <a:rPr lang="en-US" dirty="0">
+                <a:solidFill>
+                  <a:srgbClr val="0070C0"/>
+                </a:solidFill>
+              </a:rPr>
+              <a:t>lotusmedi.com/review</a:t>
+            </a:r>
+          </a:p>
+          <a:p>
+            <a:r>
+              <a:rPr lang="en-US" dirty="0"/>
+              <a:t>Reply if data available output:</a:t>
+            </a:r>
+          </a:p>
+          <a:p>
+            <a:r>
+              <a:rPr lang="en-US" b="1" u="sng" dirty="0"/>
+              <a:t>List&lt;int&gt; data:</a:t>
+            </a:r>
+          </a:p>
+          <a:p>
+            <a:r>
+              <a:rPr lang="en-US" dirty="0"/>
+              <a:t>   data[0] </a:t>
+            </a:r>
+            <a:r>
+              <a:rPr lang="en-US" dirty="0" err="1"/>
+              <a:t>visits.length</a:t>
+            </a:r>
+            <a:br>
+              <a:rPr lang="en-US" dirty="0"/>
+            </a:br>
+            <a:r>
+              <a:rPr lang="en-US" dirty="0"/>
+              <a:t>   data[1] </a:t>
+            </a:r>
+            <a:r>
+              <a:rPr lang="en-US" dirty="0" err="1"/>
+              <a:t>visits.currentStep</a:t>
+            </a:r>
+            <a:r>
+              <a:rPr lang="en-US" dirty="0"/>
+              <a:t> = 1 .length</a:t>
+            </a:r>
+          </a:p>
+          <a:p>
+            <a:r>
+              <a:rPr lang="en-US" dirty="0"/>
+              <a:t>   data[2] </a:t>
+            </a:r>
+            <a:r>
+              <a:rPr lang="en-US" dirty="0" err="1"/>
+              <a:t>visits.currentStep</a:t>
+            </a:r>
+            <a:r>
+              <a:rPr lang="en-US" dirty="0"/>
+              <a:t> = 2 .length</a:t>
+            </a:r>
+            <a:endParaRPr lang="ru-RU" dirty="0"/>
+          </a:p>
+          <a:p>
+            <a:r>
+              <a:rPr lang="en-US" dirty="0"/>
+              <a:t>   data[3] </a:t>
+            </a:r>
+            <a:r>
+              <a:rPr lang="en-US" dirty="0" err="1"/>
+              <a:t>visits.currentStep</a:t>
+            </a:r>
+            <a:r>
+              <a:rPr lang="en-US" dirty="0"/>
+              <a:t> = 3 .length</a:t>
+            </a:r>
+          </a:p>
+          <a:p>
+            <a:endParaRPr lang="en-US" b="1" dirty="0">
+              <a:solidFill>
+                <a:srgbClr val="92D050"/>
+              </a:solidFill>
+            </a:endParaRPr>
+          </a:p>
+          <a:p>
+            <a:r>
+              <a:rPr lang="en-US" b="1" dirty="0">
+                <a:solidFill>
+                  <a:srgbClr val="FF0000"/>
+                </a:solidFill>
+              </a:rPr>
+              <a:t>If not exist then 0;</a:t>
+            </a:r>
+            <a:endParaRPr lang="ru-RU" b="1" dirty="0">
+              <a:solidFill>
+                <a:srgbClr val="FF0000"/>
+              </a:solidFill>
+            </a:endParaRPr>
+          </a:p>
+        </p:txBody>
+      </p:sp>
+    </p:spTree>
+    <p:extLst>
+      <p:ext uri="{BB962C8B-B14F-4D97-AF65-F5344CB8AC3E}">
+        <p14:creationId xmlns:p14="http://schemas.microsoft.com/office/powerpoint/2010/main" val="3834920045"/>
+      </p:ext>
+    </p:extLst>
+  </p:cSld>
+  <p:clrMapOvr>
+    <a:masterClrMapping/>
+  </p:clrMapOvr>
+</p:sld>
+</file>
+
+<file path=ppt/slides/slide8.xml><?xml version="1.0" encoding="utf-8"?>
+<p:sld xmlns:a="http://schemas.openxmlformats.org/drawingml/2006/main" xmlns:r="http://schemas.openxmlformats.org/officeDocument/2006/relationships" xmlns:p="http://schemas.openxmlformats.org/presentationml/2006/main">
+  <p:cSld>
+    <p:spTree>
+      <p:nvGrpSpPr>
+        <p:cNvPr id="1" name=""/>
+        <p:cNvGrpSpPr/>
+        <p:nvPr/>
+      </p:nvGrpSpPr>
+      <p:grpSpPr>
+        <a:xfrm>
+          <a:off x="0" y="0"/>
+          <a:ext cx="0" cy="0"/>
+          <a:chOff x="0" y="0"/>
+          <a:chExt cx="0" cy="0"/>
+        </a:xfrm>
+      </p:grpSpPr>
+      <p:pic>
+        <p:nvPicPr>
+          <p:cNvPr id="3" name="Рисунок 2">
+            <a:extLst>
+              <a:ext uri="{FF2B5EF4-FFF2-40B4-BE49-F238E27FC236}">
+                <a16:creationId xmlns:a16="http://schemas.microsoft.com/office/drawing/2014/main" id="{CDB5A123-F72C-1E8F-2A52-C79C924ECE22}"/>
+              </a:ext>
+            </a:extLst>
+          </p:cNvPr>
+          <p:cNvPicPr>
+            <a:picLocks noChangeAspect="1"/>
+          </p:cNvPicPr>
+          <p:nvPr/>
+        </p:nvPicPr>
+        <p:blipFill>
+          <a:blip r:embed="rId2"/>
+          <a:stretch>
+            <a:fillRect/>
+          </a:stretch>
+        </p:blipFill>
+        <p:spPr>
+          <a:xfrm>
+            <a:off x="101610" y="1431610"/>
+            <a:ext cx="1423585" cy="2843811"/>
+          </a:xfrm>
+          <a:prstGeom prst="rect">
+            <a:avLst/>
+          </a:prstGeom>
+        </p:spPr>
+      </p:pic>
+      <p:sp>
+        <p:nvSpPr>
+          <p:cNvPr id="4" name="TextBox 3">
+            <a:extLst>
+              <a:ext uri="{FF2B5EF4-FFF2-40B4-BE49-F238E27FC236}">
+                <a16:creationId xmlns:a16="http://schemas.microsoft.com/office/drawing/2014/main" id="{E96F7754-9594-9225-01A6-ADF3C4B1830C}"/>
+              </a:ext>
+            </a:extLst>
+          </p:cNvPr>
+          <p:cNvSpPr txBox="1"/>
+          <p:nvPr/>
+        </p:nvSpPr>
+        <p:spPr>
+          <a:xfrm>
+            <a:off x="195209" y="267128"/>
+            <a:ext cx="11126912" cy="400110"/>
+          </a:xfrm>
+          <a:prstGeom prst="rect">
+            <a:avLst/>
+          </a:prstGeom>
+          <a:noFill/>
+        </p:spPr>
+        <p:txBody>
+          <a:bodyPr wrap="square" rtlCol="0">
+            <a:spAutoFit/>
+          </a:bodyPr>
+          <a:lstStyle/>
+          <a:p>
+            <a:r>
+              <a:rPr lang="en-US" sz="2000" dirty="0"/>
+              <a:t>Page</a:t>
+            </a:r>
+            <a:r>
+              <a:rPr lang="ru-RU" sz="2000" dirty="0"/>
+              <a:t>:</a:t>
+            </a:r>
+            <a:r>
+              <a:rPr lang="en-US" sz="2000" dirty="0"/>
+              <a:t> </a:t>
+            </a:r>
+            <a:r>
+              <a:rPr lang="ru-RU" sz="2000" dirty="0"/>
+              <a:t>Очередь</a:t>
+            </a:r>
+            <a:r>
+              <a:rPr lang="en-US" sz="2000" dirty="0"/>
+              <a:t> (Sorted: form, appointment, finished )</a:t>
+            </a:r>
+          </a:p>
+        </p:txBody>
+      </p:sp>
+      <p:cxnSp>
+        <p:nvCxnSpPr>
+          <p:cNvPr id="5" name="Прямая соединительная линия 4">
+            <a:extLst>
+              <a:ext uri="{FF2B5EF4-FFF2-40B4-BE49-F238E27FC236}">
+                <a16:creationId xmlns:a16="http://schemas.microsoft.com/office/drawing/2014/main" id="{364DEB66-4014-4C60-5F5C-2D31D75AF634}"/>
+              </a:ext>
+            </a:extLst>
+          </p:cNvPr>
+          <p:cNvCxnSpPr/>
+          <p:nvPr/>
+        </p:nvCxnSpPr>
+        <p:spPr>
+          <a:xfrm>
+            <a:off x="4530903" y="123190"/>
+            <a:ext cx="0" cy="6734810"/>
+          </a:xfrm>
+          <a:prstGeom prst="line">
+            <a:avLst/>
+          </a:prstGeom>
+          <a:ln w="38100">
+            <a:prstDash val="lgDashDot"/>
+          </a:ln>
+        </p:spPr>
+        <p:style>
+          <a:lnRef idx="1">
+            <a:schemeClr val="accent2"/>
+          </a:lnRef>
+          <a:fillRef idx="0">
+            <a:schemeClr val="accent2"/>
+          </a:fillRef>
+          <a:effectRef idx="0">
+            <a:schemeClr val="accent2"/>
+          </a:effectRef>
+          <a:fontRef idx="minor">
+            <a:schemeClr val="tx1"/>
+          </a:fontRef>
+        </p:style>
+      </p:cxnSp>
+      <p:sp>
+        <p:nvSpPr>
+          <p:cNvPr id="7" name="Прямоугольник: скругленные углы 6">
+            <a:extLst>
+              <a:ext uri="{FF2B5EF4-FFF2-40B4-BE49-F238E27FC236}">
+                <a16:creationId xmlns:a16="http://schemas.microsoft.com/office/drawing/2014/main" id="{0A7C352C-F969-CC69-6350-2491336CC401}"/>
+              </a:ext>
+            </a:extLst>
+          </p:cNvPr>
+          <p:cNvSpPr/>
+          <p:nvPr/>
+        </p:nvSpPr>
+        <p:spPr>
+          <a:xfrm>
+            <a:off x="86835" y="2340080"/>
+            <a:ext cx="1423584" cy="1088919"/>
+          </a:xfrm>
+          <a:prstGeom prst="roundRect">
+            <a:avLst/>
+          </a:prstGeom>
+          <a:noFill/>
+          <a:ln w="28575">
+            <a:solidFill>
+              <a:srgbClr val="FF0000"/>
+            </a:solidFill>
+          </a:ln>
+        </p:spPr>
+        <p:style>
+          <a:lnRef idx="2">
+            <a:schemeClr val="accent6"/>
+          </a:lnRef>
+          <a:fillRef idx="1">
+            <a:schemeClr val="lt1"/>
+          </a:fillRef>
+          <a:effectRef idx="0">
+            <a:schemeClr val="accent6"/>
+          </a:effectRef>
+          <a:fontRef idx="minor">
+            <a:schemeClr val="dk1"/>
+          </a:fontRef>
+        </p:style>
+        <p:txBody>
+          <a:bodyPr rtlCol="0" anchor="ctr"/>
+          <a:lstStyle/>
+          <a:p>
+            <a:pPr algn="ctr"/>
+            <a:endParaRPr lang="ru-RU"/>
+          </a:p>
+        </p:txBody>
+      </p:sp>
+      <p:sp>
+        <p:nvSpPr>
+          <p:cNvPr id="8" name="TextBox 7">
+            <a:extLst>
+              <a:ext uri="{FF2B5EF4-FFF2-40B4-BE49-F238E27FC236}">
+                <a16:creationId xmlns:a16="http://schemas.microsoft.com/office/drawing/2014/main" id="{D3CD3BF6-ACDE-6CDE-972F-8E6ADA38BEA3}"/>
+              </a:ext>
+            </a:extLst>
+          </p:cNvPr>
+          <p:cNvSpPr txBox="1"/>
+          <p:nvPr/>
+        </p:nvSpPr>
+        <p:spPr>
+          <a:xfrm>
+            <a:off x="2145775" y="1213540"/>
+            <a:ext cx="2335280" cy="646331"/>
           </a:xfrm>
           <a:prstGeom prst="rect">
             <a:avLst/>
@@ -4394,57 +10523,146 @@
                   <a:srgbClr val="0070C0"/>
                 </a:solidFill>
               </a:rPr>
-              <a:t>lotusmedi.com/</a:t>
-            </a:r>
-            <a:r>
-              <a:rPr lang="en-US" dirty="0" err="1">
-                <a:solidFill>
-                  <a:srgbClr val="0070C0"/>
-                </a:solidFill>
-              </a:rPr>
-              <a:t>login?user</a:t>
-            </a:r>
+              <a:t>lotusmedi.com/form</a:t>
+            </a:r>
+          </a:p>
+          <a:p>
+            <a:r>
+              <a:rPr lang="en-US" dirty="0"/>
+              <a:t>Input: n/a</a:t>
+            </a:r>
+            <a:endParaRPr lang="ru-RU" dirty="0"/>
+          </a:p>
+        </p:txBody>
+      </p:sp>
+      <p:pic>
+        <p:nvPicPr>
+          <p:cNvPr id="10" name="Рисунок 9">
+            <a:extLst>
+              <a:ext uri="{FF2B5EF4-FFF2-40B4-BE49-F238E27FC236}">
+                <a16:creationId xmlns:a16="http://schemas.microsoft.com/office/drawing/2014/main" id="{668BE2F2-7E21-FFA6-6B65-1A3C96B8AAC5}"/>
+              </a:ext>
+            </a:extLst>
+          </p:cNvPr>
+          <p:cNvPicPr>
+            <a:picLocks noChangeAspect="1"/>
+          </p:cNvPicPr>
+          <p:nvPr/>
+        </p:nvPicPr>
+        <p:blipFill>
+          <a:blip r:embed="rId2"/>
+          <a:stretch>
+            <a:fillRect/>
+          </a:stretch>
+        </p:blipFill>
+        <p:spPr>
+          <a:xfrm>
+            <a:off x="4897238" y="1431610"/>
+            <a:ext cx="1423585" cy="2843811"/>
+          </a:xfrm>
+          <a:prstGeom prst="rect">
+            <a:avLst/>
+          </a:prstGeom>
+        </p:spPr>
+      </p:pic>
+      <p:sp>
+        <p:nvSpPr>
+          <p:cNvPr id="11" name="TextBox 10">
+            <a:extLst>
+              <a:ext uri="{FF2B5EF4-FFF2-40B4-BE49-F238E27FC236}">
+                <a16:creationId xmlns:a16="http://schemas.microsoft.com/office/drawing/2014/main" id="{B7116BBF-02A7-9286-7CCC-3B7B3621EB64}"/>
+              </a:ext>
+            </a:extLst>
+          </p:cNvPr>
+          <p:cNvSpPr txBox="1"/>
+          <p:nvPr/>
+        </p:nvSpPr>
+        <p:spPr>
+          <a:xfrm>
+            <a:off x="6965879" y="467183"/>
+            <a:ext cx="3955550" cy="1477328"/>
+          </a:xfrm>
+          <a:prstGeom prst="rect">
+            <a:avLst/>
+          </a:prstGeom>
+          <a:solidFill>
+            <a:schemeClr val="accent6">
+              <a:lumMod val="40000"/>
+              <a:lumOff val="60000"/>
+            </a:schemeClr>
+          </a:solidFill>
+          <a:ln w="28575">
+            <a:solidFill>
+              <a:srgbClr val="0070C0"/>
+            </a:solidFill>
+            <a:prstDash val="dash"/>
+          </a:ln>
+        </p:spPr>
+        <p:txBody>
+          <a:bodyPr wrap="square" rtlCol="0">
+            <a:spAutoFit/>
+          </a:bodyPr>
+          <a:lstStyle/>
+          <a:p>
             <a:r>
               <a:rPr lang="en-US" dirty="0">
                 <a:solidFill>
                   <a:srgbClr val="0070C0"/>
                 </a:solidFill>
               </a:rPr>
-              <a:t>=***</a:t>
-            </a:r>
-            <a:r>
-              <a:rPr lang="en-US" dirty="0" err="1">
-                <a:solidFill>
-                  <a:srgbClr val="0070C0"/>
-                </a:solidFill>
-              </a:rPr>
-              <a:t>pwd</a:t>
-            </a:r>
-            <a:r>
-              <a:rPr lang="en-US" dirty="0">
-                <a:solidFill>
-                  <a:srgbClr val="0070C0"/>
-                </a:solidFill>
-              </a:rPr>
-              <a:t>=***</a:t>
+              <a:t>lotusmedi.com/form</a:t>
             </a:r>
           </a:p>
           <a:p>
             <a:r>
               <a:rPr lang="en-US" dirty="0"/>
-              <a:t>Reply if no data to show = no visitors: </a:t>
-            </a:r>
+              <a:t>Reply if data available output:</a:t>
+            </a:r>
+          </a:p>
+          <a:p>
+            <a:r>
+              <a:rPr lang="en-US" b="1" u="sng" dirty="0"/>
+              <a:t>List&lt;Visit&gt; visits:</a:t>
+            </a:r>
+          </a:p>
+          <a:p>
             <a:r>
               <a:rPr lang="en-US" b="1" dirty="0">
                 <a:solidFill>
                   <a:srgbClr val="92D050"/>
                 </a:solidFill>
               </a:rPr>
-              <a:t>912</a:t>
+              <a:t>Visits that have </a:t>
+            </a:r>
+            <a:r>
+              <a:rPr lang="en-US" b="1" dirty="0" err="1">
+                <a:solidFill>
+                  <a:srgbClr val="92D050"/>
+                </a:solidFill>
+              </a:rPr>
+              <a:t>visit.currentStep</a:t>
+            </a:r>
+            <a:r>
+              <a:rPr lang="en-US" b="1" dirty="0">
+                <a:solidFill>
+                  <a:srgbClr val="92D050"/>
+                </a:solidFill>
+              </a:rPr>
+              <a:t> = 1</a:t>
+            </a:r>
+          </a:p>
+          <a:p>
+            <a:r>
+              <a:rPr lang="en-US" b="1" dirty="0">
+                <a:solidFill>
+                  <a:srgbClr val="FF0000"/>
+                </a:solidFill>
+              </a:rPr>
+              <a:t>If not exist then 0;</a:t>
             </a:r>
             <a:endParaRPr lang="ru-RU" b="1" dirty="0">
               <a:solidFill>
-                <a:srgbClr val="92D050"/>
+                <a:srgbClr val="FF0000"/>
               </a:solidFill>
             </a:endParaRPr>
           </a:p>
@@ -4452,10 +10670,10 @@
       </p:sp>
       <p:sp>
         <p:nvSpPr>
-          <p:cNvPr id="15" name="TextBox 14">
-            <a:extLst>
-              <a:ext uri="{FF2B5EF4-FFF2-40B4-BE49-F238E27FC236}">
-                <a16:creationId xmlns:a16="http://schemas.microsoft.com/office/drawing/2014/main" id="{FE032F02-B8DE-D107-13BF-B3517ED17CB6}"/>
+          <p:cNvPr id="9" name="TextBox 8">
+            <a:extLst>
+              <a:ext uri="{FF2B5EF4-FFF2-40B4-BE49-F238E27FC236}">
+                <a16:creationId xmlns:a16="http://schemas.microsoft.com/office/drawing/2014/main" id="{BF87518F-7B60-6DDA-C507-B33D3E1948EF}"/>
               </a:ext>
             </a:extLst>
           </p:cNvPr>
@@ -4464,8 +10682,8 @@
         </p:nvSpPr>
         <p:spPr>
           <a:xfrm>
-            <a:off x="4957687" y="4207953"/>
-            <a:ext cx="3955550" cy="923330"/>
+            <a:off x="1903649" y="3341241"/>
+            <a:ext cx="2577405" cy="646331"/>
           </a:xfrm>
           <a:prstGeom prst="rect">
             <a:avLst/>
@@ -4490,6 +10708,649 @@
                   <a:srgbClr val="0070C0"/>
                 </a:solidFill>
               </a:rPr>
+              <a:t>lotusmedi.com/finished</a:t>
+            </a:r>
+          </a:p>
+          <a:p>
+            <a:r>
+              <a:rPr lang="en-US" dirty="0"/>
+              <a:t>Input: n/a</a:t>
+            </a:r>
+            <a:endParaRPr lang="ru-RU" dirty="0"/>
+          </a:p>
+        </p:txBody>
+      </p:sp>
+      <p:sp>
+        <p:nvSpPr>
+          <p:cNvPr id="12" name="TextBox 11">
+            <a:extLst>
+              <a:ext uri="{FF2B5EF4-FFF2-40B4-BE49-F238E27FC236}">
+                <a16:creationId xmlns:a16="http://schemas.microsoft.com/office/drawing/2014/main" id="{75E86672-62AF-F903-84EA-D454BAF2E3B6}"/>
+              </a:ext>
+            </a:extLst>
+          </p:cNvPr>
+          <p:cNvSpPr txBox="1"/>
+          <p:nvPr/>
+        </p:nvSpPr>
+        <p:spPr>
+          <a:xfrm>
+            <a:off x="342779" y="5103224"/>
+            <a:ext cx="2335280" cy="646331"/>
+          </a:xfrm>
+          <a:prstGeom prst="rect">
+            <a:avLst/>
+          </a:prstGeom>
+          <a:noFill/>
+          <a:ln w="28575">
+            <a:solidFill>
+              <a:srgbClr val="0070C0"/>
+            </a:solidFill>
+            <a:prstDash val="dash"/>
+          </a:ln>
+        </p:spPr>
+        <p:txBody>
+          <a:bodyPr wrap="square" rtlCol="0">
+            <a:spAutoFit/>
+          </a:bodyPr>
+          <a:lstStyle/>
+          <a:p>
+            <a:r>
+              <a:rPr lang="en-US" dirty="0">
+                <a:solidFill>
+                  <a:srgbClr val="0070C0"/>
+                </a:solidFill>
+              </a:rPr>
+              <a:t>lotusmedi.com/form</a:t>
+            </a:r>
+          </a:p>
+          <a:p>
+            <a:r>
+              <a:rPr lang="en-US" dirty="0"/>
+              <a:t>Input: n/a</a:t>
+            </a:r>
+            <a:endParaRPr lang="ru-RU" dirty="0"/>
+          </a:p>
+        </p:txBody>
+      </p:sp>
+      <p:cxnSp>
+        <p:nvCxnSpPr>
+          <p:cNvPr id="13" name="Прямая со стрелкой 12">
+            <a:extLst>
+              <a:ext uri="{FF2B5EF4-FFF2-40B4-BE49-F238E27FC236}">
+                <a16:creationId xmlns:a16="http://schemas.microsoft.com/office/drawing/2014/main" id="{825EC091-C822-5C74-68E8-BB9517950DB9}"/>
+              </a:ext>
+            </a:extLst>
+          </p:cNvPr>
+          <p:cNvCxnSpPr>
+            <a:cxnSpLocks/>
+          </p:cNvCxnSpPr>
+          <p:nvPr/>
+        </p:nvCxnSpPr>
+        <p:spPr>
+          <a:xfrm flipH="1">
+            <a:off x="335602" y="1476824"/>
+            <a:ext cx="1802996" cy="955900"/>
+          </a:xfrm>
+          <a:prstGeom prst="straightConnector1">
+            <a:avLst/>
+          </a:prstGeom>
+          <a:ln w="57150">
+            <a:tailEnd type="triangle"/>
+          </a:ln>
+        </p:spPr>
+        <p:style>
+          <a:lnRef idx="1">
+            <a:schemeClr val="accent1"/>
+          </a:lnRef>
+          <a:fillRef idx="0">
+            <a:schemeClr val="accent1"/>
+          </a:fillRef>
+          <a:effectRef idx="0">
+            <a:schemeClr val="accent1"/>
+          </a:effectRef>
+          <a:fontRef idx="minor">
+            <a:schemeClr val="tx1"/>
+          </a:fontRef>
+        </p:style>
+      </p:cxnSp>
+      <p:cxnSp>
+        <p:nvCxnSpPr>
+          <p:cNvPr id="15" name="Прямая со стрелкой 14">
+            <a:extLst>
+              <a:ext uri="{FF2B5EF4-FFF2-40B4-BE49-F238E27FC236}">
+                <a16:creationId xmlns:a16="http://schemas.microsoft.com/office/drawing/2014/main" id="{1CB96593-9DB0-550F-F859-B0C4952BC40E}"/>
+              </a:ext>
+            </a:extLst>
+          </p:cNvPr>
+          <p:cNvCxnSpPr>
+            <a:cxnSpLocks/>
+          </p:cNvCxnSpPr>
+          <p:nvPr/>
+        </p:nvCxnSpPr>
+        <p:spPr>
+          <a:xfrm flipH="1" flipV="1">
+            <a:off x="1461558" y="2477938"/>
+            <a:ext cx="1802996" cy="825422"/>
+          </a:xfrm>
+          <a:prstGeom prst="straightConnector1">
+            <a:avLst/>
+          </a:prstGeom>
+          <a:ln w="57150">
+            <a:tailEnd type="triangle"/>
+          </a:ln>
+        </p:spPr>
+        <p:style>
+          <a:lnRef idx="1">
+            <a:schemeClr val="accent1"/>
+          </a:lnRef>
+          <a:fillRef idx="0">
+            <a:schemeClr val="accent1"/>
+          </a:fillRef>
+          <a:effectRef idx="0">
+            <a:schemeClr val="accent1"/>
+          </a:effectRef>
+          <a:fontRef idx="minor">
+            <a:schemeClr val="tx1"/>
+          </a:fontRef>
+        </p:style>
+      </p:cxnSp>
+      <p:cxnSp>
+        <p:nvCxnSpPr>
+          <p:cNvPr id="17" name="Прямая со стрелкой 16">
+            <a:extLst>
+              <a:ext uri="{FF2B5EF4-FFF2-40B4-BE49-F238E27FC236}">
+                <a16:creationId xmlns:a16="http://schemas.microsoft.com/office/drawing/2014/main" id="{E8DE1324-DAFC-BE71-97F5-73C492013978}"/>
+              </a:ext>
+            </a:extLst>
+          </p:cNvPr>
+          <p:cNvCxnSpPr>
+            <a:cxnSpLocks/>
+          </p:cNvCxnSpPr>
+          <p:nvPr/>
+        </p:nvCxnSpPr>
+        <p:spPr>
+          <a:xfrm flipH="1" flipV="1">
+            <a:off x="812925" y="2518150"/>
+            <a:ext cx="990071" cy="2571843"/>
+          </a:xfrm>
+          <a:prstGeom prst="straightConnector1">
+            <a:avLst/>
+          </a:prstGeom>
+          <a:ln w="57150">
+            <a:tailEnd type="triangle"/>
+          </a:ln>
+        </p:spPr>
+        <p:style>
+          <a:lnRef idx="1">
+            <a:schemeClr val="accent1"/>
+          </a:lnRef>
+          <a:fillRef idx="0">
+            <a:schemeClr val="accent1"/>
+          </a:fillRef>
+          <a:effectRef idx="0">
+            <a:schemeClr val="accent1"/>
+          </a:effectRef>
+          <a:fontRef idx="minor">
+            <a:schemeClr val="tx1"/>
+          </a:fontRef>
+        </p:style>
+      </p:cxnSp>
+      <p:sp>
+        <p:nvSpPr>
+          <p:cNvPr id="19" name="TextBox 18">
+            <a:extLst>
+              <a:ext uri="{FF2B5EF4-FFF2-40B4-BE49-F238E27FC236}">
+                <a16:creationId xmlns:a16="http://schemas.microsoft.com/office/drawing/2014/main" id="{A12F4F10-9723-2BAC-84AA-177DB2846092}"/>
+              </a:ext>
+            </a:extLst>
+          </p:cNvPr>
+          <p:cNvSpPr txBox="1"/>
+          <p:nvPr/>
+        </p:nvSpPr>
+        <p:spPr>
+          <a:xfrm>
+            <a:off x="6997124" y="4913489"/>
+            <a:ext cx="3955550" cy="1477328"/>
+          </a:xfrm>
+          <a:prstGeom prst="rect">
+            <a:avLst/>
+          </a:prstGeom>
+          <a:solidFill>
+            <a:schemeClr val="accent6">
+              <a:lumMod val="40000"/>
+              <a:lumOff val="60000"/>
+            </a:schemeClr>
+          </a:solidFill>
+          <a:ln w="28575">
+            <a:solidFill>
+              <a:srgbClr val="0070C0"/>
+            </a:solidFill>
+            <a:prstDash val="dash"/>
+          </a:ln>
+        </p:spPr>
+        <p:txBody>
+          <a:bodyPr wrap="square" rtlCol="0">
+            <a:spAutoFit/>
+          </a:bodyPr>
+          <a:lstStyle/>
+          <a:p>
+            <a:r>
+              <a:rPr lang="en-US" dirty="0">
+                <a:solidFill>
+                  <a:srgbClr val="0070C0"/>
+                </a:solidFill>
+              </a:rPr>
+              <a:t>lotusmedi.com/ finished</a:t>
+            </a:r>
+          </a:p>
+          <a:p>
+            <a:r>
+              <a:rPr lang="en-US" dirty="0"/>
+              <a:t>Reply if data available output:</a:t>
+            </a:r>
+          </a:p>
+          <a:p>
+            <a:r>
+              <a:rPr lang="en-US" b="1" u="sng" dirty="0"/>
+              <a:t>List&lt;Visit&gt; visits:</a:t>
+            </a:r>
+          </a:p>
+          <a:p>
+            <a:r>
+              <a:rPr lang="en-US" b="1" dirty="0">
+                <a:solidFill>
+                  <a:srgbClr val="92D050"/>
+                </a:solidFill>
+              </a:rPr>
+              <a:t>Visits that have </a:t>
+            </a:r>
+            <a:r>
+              <a:rPr lang="en-US" b="1" dirty="0" err="1">
+                <a:solidFill>
+                  <a:srgbClr val="92D050"/>
+                </a:solidFill>
+              </a:rPr>
+              <a:t>visit.currentStep</a:t>
+            </a:r>
+            <a:r>
+              <a:rPr lang="en-US" b="1" dirty="0">
+                <a:solidFill>
+                  <a:srgbClr val="92D050"/>
+                </a:solidFill>
+              </a:rPr>
+              <a:t> = 3</a:t>
+            </a:r>
+          </a:p>
+          <a:p>
+            <a:r>
+              <a:rPr lang="en-US" b="1" dirty="0">
+                <a:solidFill>
+                  <a:srgbClr val="FF0000"/>
+                </a:solidFill>
+              </a:rPr>
+              <a:t>If not exist then 0;</a:t>
+            </a:r>
+            <a:endParaRPr lang="ru-RU" b="1" dirty="0">
+              <a:solidFill>
+                <a:srgbClr val="FF0000"/>
+              </a:solidFill>
+            </a:endParaRPr>
+          </a:p>
+        </p:txBody>
+      </p:sp>
+      <p:sp>
+        <p:nvSpPr>
+          <p:cNvPr id="22" name="TextBox 21">
+            <a:extLst>
+              <a:ext uri="{FF2B5EF4-FFF2-40B4-BE49-F238E27FC236}">
+                <a16:creationId xmlns:a16="http://schemas.microsoft.com/office/drawing/2014/main" id="{B8601F32-5F56-A714-4DB2-E50A55064191}"/>
+              </a:ext>
+            </a:extLst>
+          </p:cNvPr>
+          <p:cNvSpPr txBox="1"/>
+          <p:nvPr/>
+        </p:nvSpPr>
+        <p:spPr>
+          <a:xfrm>
+            <a:off x="6997124" y="2745992"/>
+            <a:ext cx="3955550" cy="1477328"/>
+          </a:xfrm>
+          <a:prstGeom prst="rect">
+            <a:avLst/>
+          </a:prstGeom>
+          <a:solidFill>
+            <a:schemeClr val="accent6">
+              <a:lumMod val="40000"/>
+              <a:lumOff val="60000"/>
+            </a:schemeClr>
+          </a:solidFill>
+          <a:ln w="28575">
+            <a:solidFill>
+              <a:srgbClr val="0070C0"/>
+            </a:solidFill>
+            <a:prstDash val="dash"/>
+          </a:ln>
+        </p:spPr>
+        <p:txBody>
+          <a:bodyPr wrap="square" rtlCol="0">
+            <a:spAutoFit/>
+          </a:bodyPr>
+          <a:lstStyle/>
+          <a:p>
+            <a:r>
+              <a:rPr lang="en-US" dirty="0">
+                <a:solidFill>
+                  <a:srgbClr val="0070C0"/>
+                </a:solidFill>
+              </a:rPr>
+              <a:t>lotusmedi.com/ form</a:t>
+            </a:r>
+          </a:p>
+          <a:p>
+            <a:r>
+              <a:rPr lang="en-US" dirty="0"/>
+              <a:t>Reply if data available output:</a:t>
+            </a:r>
+          </a:p>
+          <a:p>
+            <a:r>
+              <a:rPr lang="en-US" b="1" u="sng" dirty="0"/>
+              <a:t>List&lt;Visit&gt; visits:</a:t>
+            </a:r>
+          </a:p>
+          <a:p>
+            <a:r>
+              <a:rPr lang="en-US" b="1" dirty="0">
+                <a:solidFill>
+                  <a:srgbClr val="92D050"/>
+                </a:solidFill>
+              </a:rPr>
+              <a:t>Visits that have </a:t>
+            </a:r>
+            <a:r>
+              <a:rPr lang="en-US" b="1" dirty="0" err="1">
+                <a:solidFill>
+                  <a:srgbClr val="92D050"/>
+                </a:solidFill>
+              </a:rPr>
+              <a:t>visit.currentStep</a:t>
+            </a:r>
+            <a:r>
+              <a:rPr lang="en-US" b="1" dirty="0">
+                <a:solidFill>
+                  <a:srgbClr val="92D050"/>
+                </a:solidFill>
+              </a:rPr>
+              <a:t> = 2</a:t>
+            </a:r>
+          </a:p>
+          <a:p>
+            <a:r>
+              <a:rPr lang="en-US" b="1" dirty="0">
+                <a:solidFill>
+                  <a:srgbClr val="FF0000"/>
+                </a:solidFill>
+              </a:rPr>
+              <a:t>If not exist then 0;</a:t>
+            </a:r>
+            <a:endParaRPr lang="ru-RU" b="1" dirty="0">
+              <a:solidFill>
+                <a:srgbClr val="FF0000"/>
+              </a:solidFill>
+            </a:endParaRPr>
+          </a:p>
+        </p:txBody>
+      </p:sp>
+    </p:spTree>
+    <p:extLst>
+      <p:ext uri="{BB962C8B-B14F-4D97-AF65-F5344CB8AC3E}">
+        <p14:creationId xmlns:p14="http://schemas.microsoft.com/office/powerpoint/2010/main" val="1064018573"/>
+      </p:ext>
+    </p:extLst>
+  </p:cSld>
+  <p:clrMapOvr>
+    <a:masterClrMapping/>
+  </p:clrMapOvr>
+</p:sld>
+</file>
+
+<file path=ppt/slides/slide9.xml><?xml version="1.0" encoding="utf-8"?>
+<p:sld xmlns:a="http://schemas.openxmlformats.org/drawingml/2006/main" xmlns:r="http://schemas.openxmlformats.org/officeDocument/2006/relationships" xmlns:p="http://schemas.openxmlformats.org/presentationml/2006/main">
+  <p:cSld>
+    <p:spTree>
+      <p:nvGrpSpPr>
+        <p:cNvPr id="1" name=""/>
+        <p:cNvGrpSpPr/>
+        <p:nvPr/>
+      </p:nvGrpSpPr>
+      <p:grpSpPr>
+        <a:xfrm>
+          <a:off x="0" y="0"/>
+          <a:ext cx="0" cy="0"/>
+          <a:chOff x="0" y="0"/>
+          <a:chExt cx="0" cy="0"/>
+        </a:xfrm>
+      </p:grpSpPr>
+      <p:sp>
+        <p:nvSpPr>
+          <p:cNvPr id="4" name="TextBox 3">
+            <a:extLst>
+              <a:ext uri="{FF2B5EF4-FFF2-40B4-BE49-F238E27FC236}">
+                <a16:creationId xmlns:a16="http://schemas.microsoft.com/office/drawing/2014/main" id="{E96F7754-9594-9225-01A6-ADF3C4B1830C}"/>
+              </a:ext>
+            </a:extLst>
+          </p:cNvPr>
+          <p:cNvSpPr txBox="1"/>
+          <p:nvPr/>
+        </p:nvSpPr>
+        <p:spPr>
+          <a:xfrm>
+            <a:off x="195209" y="267128"/>
+            <a:ext cx="11126912" cy="707886"/>
+          </a:xfrm>
+          <a:prstGeom prst="rect">
+            <a:avLst/>
+          </a:prstGeom>
+          <a:noFill/>
+        </p:spPr>
+        <p:txBody>
+          <a:bodyPr wrap="square" rtlCol="0">
+            <a:spAutoFit/>
+          </a:bodyPr>
+          <a:lstStyle/>
+          <a:p>
+            <a:r>
+              <a:rPr lang="en-US" sz="2000" dirty="0"/>
+              <a:t>Page</a:t>
+            </a:r>
+            <a:r>
+              <a:rPr lang="ru-RU" sz="2000" dirty="0"/>
+              <a:t>:</a:t>
+            </a:r>
+            <a:endParaRPr lang="en-US" sz="2000" dirty="0"/>
+          </a:p>
+          <a:p>
+            <a:r>
+              <a:rPr lang="en-US" sz="2000" dirty="0">
+                <a:solidFill>
+                  <a:srgbClr val="FF0000"/>
+                </a:solidFill>
+              </a:rPr>
+              <a:t>If not possible: 911</a:t>
+            </a:r>
+          </a:p>
+        </p:txBody>
+      </p:sp>
+      <p:cxnSp>
+        <p:nvCxnSpPr>
+          <p:cNvPr id="5" name="Прямая соединительная линия 4">
+            <a:extLst>
+              <a:ext uri="{FF2B5EF4-FFF2-40B4-BE49-F238E27FC236}">
+                <a16:creationId xmlns:a16="http://schemas.microsoft.com/office/drawing/2014/main" id="{364DEB66-4014-4C60-5F5C-2D31D75AF634}"/>
+              </a:ext>
+            </a:extLst>
+          </p:cNvPr>
+          <p:cNvCxnSpPr/>
+          <p:nvPr/>
+        </p:nvCxnSpPr>
+        <p:spPr>
+          <a:xfrm>
+            <a:off x="4530903" y="123190"/>
+            <a:ext cx="0" cy="6734810"/>
+          </a:xfrm>
+          <a:prstGeom prst="line">
+            <a:avLst/>
+          </a:prstGeom>
+          <a:ln w="38100">
+            <a:prstDash val="lgDashDot"/>
+          </a:ln>
+        </p:spPr>
+        <p:style>
+          <a:lnRef idx="1">
+            <a:schemeClr val="accent2"/>
+          </a:lnRef>
+          <a:fillRef idx="0">
+            <a:schemeClr val="accent2"/>
+          </a:fillRef>
+          <a:effectRef idx="0">
+            <a:schemeClr val="accent2"/>
+          </a:effectRef>
+          <a:fontRef idx="minor">
+            <a:schemeClr val="tx1"/>
+          </a:fontRef>
+        </p:style>
+      </p:cxnSp>
+      <p:cxnSp>
+        <p:nvCxnSpPr>
+          <p:cNvPr id="6" name="Прямая со стрелкой 5">
+            <a:extLst>
+              <a:ext uri="{FF2B5EF4-FFF2-40B4-BE49-F238E27FC236}">
+                <a16:creationId xmlns:a16="http://schemas.microsoft.com/office/drawing/2014/main" id="{825EC091-C822-5C74-68E8-BB9517950DB9}"/>
+              </a:ext>
+            </a:extLst>
+          </p:cNvPr>
+          <p:cNvCxnSpPr>
+            <a:cxnSpLocks/>
+          </p:cNvCxnSpPr>
+          <p:nvPr/>
+        </p:nvCxnSpPr>
+        <p:spPr>
+          <a:xfrm flipH="1" flipV="1">
+            <a:off x="1480874" y="3535021"/>
+            <a:ext cx="835887" cy="1891369"/>
+          </a:xfrm>
+          <a:prstGeom prst="straightConnector1">
+            <a:avLst/>
+          </a:prstGeom>
+          <a:ln w="57150">
+            <a:tailEnd type="triangle"/>
+          </a:ln>
+        </p:spPr>
+        <p:style>
+          <a:lnRef idx="1">
+            <a:schemeClr val="accent1"/>
+          </a:lnRef>
+          <a:fillRef idx="0">
+            <a:schemeClr val="accent1"/>
+          </a:fillRef>
+          <a:effectRef idx="0">
+            <a:schemeClr val="accent1"/>
+          </a:effectRef>
+          <a:fontRef idx="minor">
+            <a:schemeClr val="tx1"/>
+          </a:fontRef>
+        </p:style>
+      </p:cxnSp>
+      <p:sp>
+        <p:nvSpPr>
+          <p:cNvPr id="7" name="Прямоугольник: скругленные углы 6">
+            <a:extLst>
+              <a:ext uri="{FF2B5EF4-FFF2-40B4-BE49-F238E27FC236}">
+                <a16:creationId xmlns:a16="http://schemas.microsoft.com/office/drawing/2014/main" id="{0A7C352C-F969-CC69-6350-2491336CC401}"/>
+              </a:ext>
+            </a:extLst>
+          </p:cNvPr>
+          <p:cNvSpPr/>
+          <p:nvPr/>
+        </p:nvSpPr>
+        <p:spPr>
+          <a:xfrm>
+            <a:off x="329482" y="2411533"/>
+            <a:ext cx="1695236" cy="1171253"/>
+          </a:xfrm>
+          <a:prstGeom prst="roundRect">
+            <a:avLst/>
+          </a:prstGeom>
+          <a:noFill/>
+          <a:ln w="28575">
+            <a:solidFill>
+              <a:srgbClr val="FF0000"/>
+            </a:solidFill>
+          </a:ln>
+        </p:spPr>
+        <p:style>
+          <a:lnRef idx="2">
+            <a:schemeClr val="accent6"/>
+          </a:lnRef>
+          <a:fillRef idx="1">
+            <a:schemeClr val="lt1"/>
+          </a:fillRef>
+          <a:effectRef idx="0">
+            <a:schemeClr val="accent6"/>
+          </a:effectRef>
+          <a:fontRef idx="minor">
+            <a:schemeClr val="dk1"/>
+          </a:fontRef>
+        </p:style>
+        <p:txBody>
+          <a:bodyPr rtlCol="0" anchor="ctr"/>
+          <a:lstStyle/>
+          <a:p>
+            <a:pPr algn="ctr"/>
+            <a:endParaRPr lang="ru-RU"/>
+          </a:p>
+        </p:txBody>
+      </p:sp>
+      <p:sp>
+        <p:nvSpPr>
+          <p:cNvPr id="8" name="TextBox 7">
+            <a:extLst>
+              <a:ext uri="{FF2B5EF4-FFF2-40B4-BE49-F238E27FC236}">
+                <a16:creationId xmlns:a16="http://schemas.microsoft.com/office/drawing/2014/main" id="{D3CD3BF6-ACDE-6CDE-972F-8E6ADA38BEA3}"/>
+              </a:ext>
+            </a:extLst>
+          </p:cNvPr>
+          <p:cNvSpPr txBox="1"/>
+          <p:nvPr/>
+        </p:nvSpPr>
+        <p:spPr>
+          <a:xfrm>
+            <a:off x="253808" y="5426390"/>
+            <a:ext cx="4125905" cy="1200329"/>
+          </a:xfrm>
+          <a:prstGeom prst="rect">
+            <a:avLst/>
+          </a:prstGeom>
+          <a:noFill/>
+          <a:ln w="28575">
+            <a:solidFill>
+              <a:srgbClr val="0070C0"/>
+            </a:solidFill>
+            <a:prstDash val="dash"/>
+          </a:ln>
+        </p:spPr>
+        <p:txBody>
+          <a:bodyPr wrap="square" rtlCol="0">
+            <a:spAutoFit/>
+          </a:bodyPr>
+          <a:lstStyle/>
+          <a:p>
+            <a:r>
+              <a:rPr lang="en-US" dirty="0">
+                <a:solidFill>
+                  <a:srgbClr val="0070C0"/>
+                </a:solidFill>
+              </a:rPr>
               <a:t>lotusmedi.com/</a:t>
             </a:r>
             <a:r>
@@ -4528,20 +11389,32 @@
           <a:p>
             <a:r>
               <a:rPr lang="en-US" dirty="0"/>
-              <a:t>Reply if data available return List&lt;Visitors&gt;</a:t>
-            </a:r>
-            <a:endParaRPr lang="ru-RU" b="1" dirty="0">
-              <a:solidFill>
-                <a:srgbClr val="92D050"/>
-              </a:solidFill>
-            </a:endParaRPr>
+              <a:t>Fields:</a:t>
+            </a:r>
+          </a:p>
+          <a:p>
+            <a:r>
+              <a:rPr lang="en-US" dirty="0"/>
+              <a:t>String user</a:t>
+            </a:r>
+          </a:p>
+          <a:p>
+            <a:r>
+              <a:rPr lang="en-US" dirty="0"/>
+              <a:t>String </a:t>
+            </a:r>
+            <a:r>
+              <a:rPr lang="en-US" dirty="0" err="1"/>
+              <a:t>pwd</a:t>
+            </a:r>
+            <a:endParaRPr lang="ru-RU" dirty="0"/>
           </a:p>
         </p:txBody>
       </p:sp>
     </p:spTree>
     <p:extLst>
       <p:ext uri="{BB962C8B-B14F-4D97-AF65-F5344CB8AC3E}">
-        <p14:creationId xmlns:p14="http://schemas.microsoft.com/office/powerpoint/2010/main" val="3483132032"/>
+        <p14:creationId xmlns:p14="http://schemas.microsoft.com/office/powerpoint/2010/main" val="3364682812"/>
       </p:ext>
     </p:extLst>
   </p:cSld>
@@ -4844,4 +11717,299 @@
     </a:ext>
   </a:extLst>
 </a:theme>
+</file>
+
+<file path=ppt/theme/theme2.xml><?xml version="1.0" encoding="utf-8"?>
+<a:theme xmlns:a="http://schemas.openxmlformats.org/drawingml/2006/main" name="Тема Office">
+  <a:themeElements>
+    <a:clrScheme name="Стандартная">
+      <a:dk1>
+        <a:sysClr val="windowText" lastClr="000000"/>
+      </a:dk1>
+      <a:lt1>
+        <a:sysClr val="window" lastClr="FFFFFF"/>
+      </a:lt1>
+      <a:dk2>
+        <a:srgbClr val="44546A"/>
+      </a:dk2>
+      <a:lt2>
+        <a:srgbClr val="E7E6E6"/>
+      </a:lt2>
+      <a:accent1>
+        <a:srgbClr val="4472C4"/>
+      </a:accent1>
+      <a:accent2>
+        <a:srgbClr val="ED7D31"/>
+      </a:accent2>
+      <a:accent3>
+        <a:srgbClr val="A5A5A5"/>
+      </a:accent3>
+      <a:accent4>
+        <a:srgbClr val="FFC000"/>
+      </a:accent4>
+      <a:accent5>
+        <a:srgbClr val="5B9BD5"/>
+      </a:accent5>
+      <a:accent6>
+        <a:srgbClr val="70AD47"/>
+      </a:accent6>
+      <a:hlink>
+        <a:srgbClr val="0563C1"/>
+      </a:hlink>
+      <a:folHlink>
+        <a:srgbClr val="954F72"/>
+      </a:folHlink>
+    </a:clrScheme>
+    <a:fontScheme name="Стандартная">
+      <a:majorFont>
+        <a:latin typeface="Calibri Light" panose="020F0302020204030204"/>
+        <a:ea typeface=""/>
+        <a:cs typeface=""/>
+        <a:font script="Jpan" typeface="游ゴシック Light"/>
+        <a:font script="Hang" typeface="맑은 고딕"/>
+        <a:font script="Hans" typeface="等线 Light"/>
+        <a:font script="Hant" typeface="新細明體"/>
+        <a:font script="Arab" typeface="Times New Roman"/>
+        <a:font script="Hebr" typeface="Times New Roman"/>
+        <a:font script="Thai" typeface="Angsana New"/>
+        <a:font script="Ethi" typeface="Nyala"/>
+        <a:font script="Beng" typeface="Vrinda"/>
+        <a:font script="Gujr" typeface="Shruti"/>
+        <a:font script="Khmr" typeface="MoolBoran"/>
+        <a:font script="Knda" typeface="Tunga"/>
+        <a:font script="Guru" typeface="Raavi"/>
+        <a:font script="Cans" typeface="Euphemia"/>
+        <a:font script="Cher" typeface="Plantagenet Cherokee"/>
+        <a:font script="Yiii" typeface="Microsoft Yi Baiti"/>
+        <a:font script="Tibt" typeface="Microsoft Himalaya"/>
+        <a:font script="Thaa" typeface="MV Boli"/>
+        <a:font script="Deva" typeface="Mangal"/>
+        <a:font script="Telu" typeface="Gautami"/>
+        <a:font script="Taml" typeface="Latha"/>
+        <a:font script="Syrc" typeface="Estrangelo Edessa"/>
+        <a:font script="Orya" typeface="Kalinga"/>
+        <a:font script="Mlym" typeface="Kartika"/>
+        <a:font script="Laoo" typeface="DokChampa"/>
+        <a:font script="Sinh" typeface="Iskoola Pota"/>
+        <a:font script="Mong" typeface="Mongolian Baiti"/>
+        <a:font script="Viet" typeface="Times New Roman"/>
+        <a:font script="Uigh" typeface="Microsoft Uighur"/>
+        <a:font script="Geor" typeface="Sylfaen"/>
+        <a:font script="Armn" typeface="Arial"/>
+        <a:font script="Bugi" typeface="Leelawadee UI"/>
+        <a:font script="Bopo" typeface="Microsoft JhengHei"/>
+        <a:font script="Java" typeface="Javanese Text"/>
+        <a:font script="Lisu" typeface="Segoe UI"/>
+        <a:font script="Mymr" typeface="Myanmar Text"/>
+        <a:font script="Nkoo" typeface="Ebrima"/>
+        <a:font script="Olck" typeface="Nirmala UI"/>
+        <a:font script="Osma" typeface="Ebrima"/>
+        <a:font script="Phag" typeface="Phagspa"/>
+        <a:font script="Syrn" typeface="Estrangelo Edessa"/>
+        <a:font script="Syrj" typeface="Estrangelo Edessa"/>
+        <a:font script="Syre" typeface="Estrangelo Edessa"/>
+        <a:font script="Sora" typeface="Nirmala UI"/>
+        <a:font script="Tale" typeface="Microsoft Tai Le"/>
+        <a:font script="Talu" typeface="Microsoft New Tai Lue"/>
+        <a:font script="Tfng" typeface="Ebrima"/>
+      </a:majorFont>
+      <a:minorFont>
+        <a:latin typeface="Calibri" panose="020F0502020204030204"/>
+        <a:ea typeface=""/>
+        <a:cs typeface=""/>
+        <a:font script="Jpan" typeface="游ゴシック"/>
+        <a:font script="Hang" typeface="맑은 고딕"/>
+        <a:font script="Hans" typeface="等线"/>
+        <a:font script="Hant" typeface="新細明體"/>
+        <a:font script="Arab" typeface="Arial"/>
+        <a:font script="Hebr" typeface="Arial"/>
+        <a:font script="Thai" typeface="Cordia New"/>
+        <a:font script="Ethi" typeface="Nyala"/>
+        <a:font script="Beng" typeface="Vrinda"/>
+        <a:font script="Gujr" typeface="Shruti"/>
+        <a:font script="Khmr" typeface="DaunPenh"/>
+        <a:font script="Knda" typeface="Tunga"/>
+        <a:font script="Guru" typeface="Raavi"/>
+        <a:font script="Cans" typeface="Euphemia"/>
+        <a:font script="Cher" typeface="Plantagenet Cherokee"/>
+        <a:font script="Yiii" typeface="Microsoft Yi Baiti"/>
+        <a:font script="Tibt" typeface="Microsoft Himalaya"/>
+        <a:font script="Thaa" typeface="MV Boli"/>
+        <a:font script="Deva" typeface="Mangal"/>
+        <a:font script="Telu" typeface="Gautami"/>
+        <a:font script="Taml" typeface="Latha"/>
+        <a:font script="Syrc" typeface="Estrangelo Edessa"/>
+        <a:font script="Orya" typeface="Kalinga"/>
+        <a:font script="Mlym" typeface="Kartika"/>
+        <a:font script="Laoo" typeface="DokChampa"/>
+        <a:font script="Sinh" typeface="Iskoola Pota"/>
+        <a:font script="Mong" typeface="Mongolian Baiti"/>
+        <a:font script="Viet" typeface="Arial"/>
+        <a:font script="Uigh" typeface="Microsoft Uighur"/>
+        <a:font script="Geor" typeface="Sylfaen"/>
+        <a:font script="Armn" typeface="Arial"/>
+        <a:font script="Bugi" typeface="Leelawadee UI"/>
+        <a:font script="Bopo" typeface="Microsoft JhengHei"/>
+        <a:font script="Java" typeface="Javanese Text"/>
+        <a:font script="Lisu" typeface="Segoe UI"/>
+        <a:font script="Mymr" typeface="Myanmar Text"/>
+        <a:font script="Nkoo" typeface="Ebrima"/>
+        <a:font script="Olck" typeface="Nirmala UI"/>
+        <a:font script="Osma" typeface="Ebrima"/>
+        <a:font script="Phag" typeface="Phagspa"/>
+        <a:font script="Syrn" typeface="Estrangelo Edessa"/>
+        <a:font script="Syrj" typeface="Estrangelo Edessa"/>
+        <a:font script="Syre" typeface="Estrangelo Edessa"/>
+        <a:font script="Sora" typeface="Nirmala UI"/>
+        <a:font script="Tale" typeface="Microsoft Tai Le"/>
+        <a:font script="Talu" typeface="Microsoft New Tai Lue"/>
+        <a:font script="Tfng" typeface="Ebrima"/>
+      </a:minorFont>
+    </a:fontScheme>
+    <a:fmtScheme name="Стандартная">
+      <a:fillStyleLst>
+        <a:solidFill>
+          <a:schemeClr val="phClr"/>
+        </a:solidFill>
+        <a:gradFill rotWithShape="1">
+          <a:gsLst>
+            <a:gs pos="0">
+              <a:schemeClr val="phClr">
+                <a:lumMod val="110000"/>
+                <a:satMod val="105000"/>
+                <a:tint val="67000"/>
+              </a:schemeClr>
+            </a:gs>
+            <a:gs pos="50000">
+              <a:schemeClr val="phClr">
+                <a:lumMod val="105000"/>
+                <a:satMod val="103000"/>
+                <a:tint val="73000"/>
+              </a:schemeClr>
+            </a:gs>
+            <a:gs pos="100000">
+              <a:schemeClr val="phClr">
+                <a:lumMod val="105000"/>
+                <a:satMod val="109000"/>
+                <a:tint val="81000"/>
+              </a:schemeClr>
+            </a:gs>
+          </a:gsLst>
+          <a:lin ang="5400000" scaled="0"/>
+        </a:gradFill>
+        <a:gradFill rotWithShape="1">
+          <a:gsLst>
+            <a:gs pos="0">
+              <a:schemeClr val="phClr">
+                <a:satMod val="103000"/>
+                <a:lumMod val="102000"/>
+                <a:tint val="94000"/>
+              </a:schemeClr>
+            </a:gs>
+            <a:gs pos="50000">
+              <a:schemeClr val="phClr">
+                <a:satMod val="110000"/>
+                <a:lumMod val="100000"/>
+                <a:shade val="100000"/>
+              </a:schemeClr>
+            </a:gs>
+            <a:gs pos="100000">
+              <a:schemeClr val="phClr">
+                <a:lumMod val="99000"/>
+                <a:satMod val="120000"/>
+                <a:shade val="78000"/>
+              </a:schemeClr>
+            </a:gs>
+          </a:gsLst>
+          <a:lin ang="5400000" scaled="0"/>
+        </a:gradFill>
+      </a:fillStyleLst>
+      <a:lnStyleLst>
+        <a:ln w="6350" cap="flat" cmpd="sng" algn="ctr">
+          <a:solidFill>
+            <a:schemeClr val="phClr"/>
+          </a:solidFill>
+          <a:prstDash val="solid"/>
+          <a:miter lim="800000"/>
+        </a:ln>
+        <a:ln w="12700" cap="flat" cmpd="sng" algn="ctr">
+          <a:solidFill>
+            <a:schemeClr val="phClr"/>
+          </a:solidFill>
+          <a:prstDash val="solid"/>
+          <a:miter lim="800000"/>
+        </a:ln>
+        <a:ln w="19050" cap="flat" cmpd="sng" algn="ctr">
+          <a:solidFill>
+            <a:schemeClr val="phClr"/>
+          </a:solidFill>
+          <a:prstDash val="solid"/>
+          <a:miter lim="800000"/>
+        </a:ln>
+      </a:lnStyleLst>
+      <a:effectStyleLst>
+        <a:effectStyle>
+          <a:effectLst/>
+        </a:effectStyle>
+        <a:effectStyle>
+          <a:effectLst/>
+        </a:effectStyle>
+        <a:effectStyle>
+          <a:effectLst>
+            <a:outerShdw blurRad="57150" dist="19050" dir="5400000" algn="ctr" rotWithShape="0">
+              <a:srgbClr val="000000">
+                <a:alpha val="63000"/>
+              </a:srgbClr>
+            </a:outerShdw>
+          </a:effectLst>
+        </a:effectStyle>
+      </a:effectStyleLst>
+      <a:bgFillStyleLst>
+        <a:solidFill>
+          <a:schemeClr val="phClr"/>
+        </a:solidFill>
+        <a:solidFill>
+          <a:schemeClr val="phClr">
+            <a:tint val="95000"/>
+            <a:satMod val="170000"/>
+          </a:schemeClr>
+        </a:solidFill>
+        <a:gradFill rotWithShape="1">
+          <a:gsLst>
+            <a:gs pos="0">
+              <a:schemeClr val="phClr">
+                <a:tint val="93000"/>
+                <a:satMod val="150000"/>
+                <a:shade val="98000"/>
+                <a:lumMod val="102000"/>
+              </a:schemeClr>
+            </a:gs>
+            <a:gs pos="50000">
+              <a:schemeClr val="phClr">
+                <a:tint val="98000"/>
+                <a:satMod val="130000"/>
+                <a:shade val="90000"/>
+                <a:lumMod val="103000"/>
+              </a:schemeClr>
+            </a:gs>
+            <a:gs pos="100000">
+              <a:schemeClr val="phClr">
+                <a:shade val="63000"/>
+                <a:satMod val="120000"/>
+              </a:schemeClr>
+            </a:gs>
+          </a:gsLst>
+          <a:lin ang="5400000" scaled="0"/>
+        </a:gradFill>
+      </a:bgFillStyleLst>
+    </a:fmtScheme>
+  </a:themeElements>
+  <a:objectDefaults/>
+  <a:extraClrSchemeLst/>
+  <a:extLst>
+    <a:ext uri="{05A4C25C-085E-4340-85A3-A5531E510DB2}">
+      <thm15:themeFamily xmlns:thm15="http://schemas.microsoft.com/office/thememl/2012/main" name="Office Theme" id="{62F939B6-93AF-4DB8-9C6B-D6C7DFDC589F}" vid="{4A3C46E8-61CC-4603-A589-7422A47A8E4A}"/>
+    </a:ext>
+  </a:extLst>
+</a:theme>
 </file>